--- a/Lightning Talk.pptx
+++ b/Lightning Talk.pptx
@@ -5,11 +5,15 @@
     <p:sldMasterId id="2147483648" r:id="rId1"/>
   </p:sldMasterIdLst>
   <p:notesMasterIdLst>
-    <p:notesMasterId r:id="rId4"/>
+    <p:notesMasterId r:id="rId8"/>
   </p:notesMasterIdLst>
   <p:sldIdLst>
     <p:sldId id="256" r:id="rId2"/>
     <p:sldId id="257" r:id="rId3"/>
+    <p:sldId id="258" r:id="rId4"/>
+    <p:sldId id="260" r:id="rId5"/>
+    <p:sldId id="259" r:id="rId6"/>
+    <p:sldId id="261" r:id="rId7"/>
   </p:sldIdLst>
   <p:sldSz cx="12192000" cy="6858000"/>
   <p:notesSz cx="6858000" cy="9144000"/>
@@ -463,6 +467,582 @@
     </a:lvl9pPr>
   </p:notesStyle>
 </p:notesMaster>
+</file>
+
+<file path=ppt/notesSlides/notesSlide1.xml><?xml version="1.0" encoding="utf-8"?>
+<p:notes xmlns:a="http://schemas.openxmlformats.org/drawingml/2006/main" xmlns:r="http://schemas.openxmlformats.org/officeDocument/2006/relationships" xmlns:p="http://schemas.openxmlformats.org/presentationml/2006/main">
+  <p:cSld>
+    <p:spTree>
+      <p:nvGrpSpPr>
+        <p:cNvPr id="1" name=""/>
+        <p:cNvGrpSpPr/>
+        <p:nvPr/>
+      </p:nvGrpSpPr>
+      <p:grpSpPr>
+        <a:xfrm>
+          <a:off x="0" y="0"/>
+          <a:ext cx="0" cy="0"/>
+          <a:chOff x="0" y="0"/>
+          <a:chExt cx="0" cy="0"/>
+        </a:xfrm>
+      </p:grpSpPr>
+      <p:sp>
+        <p:nvSpPr>
+          <p:cNvPr id="2" name="Slide Image Placeholder 1"/>
+          <p:cNvSpPr>
+            <a:spLocks noGrp="1" noRot="1" noChangeAspect="1"/>
+          </p:cNvSpPr>
+          <p:nvPr>
+            <p:ph type="sldImg"/>
+          </p:nvPr>
+        </p:nvSpPr>
+        <p:spPr/>
+      </p:sp>
+      <p:sp>
+        <p:nvSpPr>
+          <p:cNvPr id="3" name="Notes Placeholder 2"/>
+          <p:cNvSpPr>
+            <a:spLocks noGrp="1"/>
+          </p:cNvSpPr>
+          <p:nvPr>
+            <p:ph type="body" idx="1"/>
+          </p:nvPr>
+        </p:nvSpPr>
+        <p:spPr/>
+        <p:txBody>
+          <a:bodyPr/>
+          <a:lstStyle/>
+          <a:p>
+            <a:r>
+              <a:rPr lang="en-US" dirty="0"/>
+              <a:t>High-confidence compositional static data race detector for Java code.</a:t>
+            </a:r>
+          </a:p>
+          <a:p>
+            <a:r>
+              <a:rPr lang="en-US" dirty="0"/>
+              <a:t>Part of the Infer static analysis suite.</a:t>
+            </a:r>
+          </a:p>
+          <a:p>
+            <a:r>
+              <a:rPr lang="en-US" dirty="0"/>
+              <a:t>Performs analysis during the build process.</a:t>
+            </a:r>
+          </a:p>
+          <a:p>
+            <a:r>
+              <a:rPr lang="en-US" dirty="0"/>
+              <a:t>Provides a drop-in solution for analysis, hooking directly into Java compiler tools.</a:t>
+            </a:r>
+          </a:p>
+        </p:txBody>
+      </p:sp>
+      <p:sp>
+        <p:nvSpPr>
+          <p:cNvPr id="4" name="Slide Number Placeholder 3"/>
+          <p:cNvSpPr>
+            <a:spLocks noGrp="1"/>
+          </p:cNvSpPr>
+          <p:nvPr>
+            <p:ph type="sldNum" sz="quarter" idx="5"/>
+          </p:nvPr>
+        </p:nvSpPr>
+        <p:spPr/>
+        <p:txBody>
+          <a:bodyPr/>
+          <a:lstStyle/>
+          <a:p>
+            <a:fld id="{14404186-20A0-4AAD-A036-49E21D111525}" type="slidenum">
+              <a:rPr lang="en-US" smtClean="0"/>
+              <a:t>2</a:t>
+            </a:fld>
+            <a:endParaRPr lang="en-US"/>
+          </a:p>
+        </p:txBody>
+      </p:sp>
+    </p:spTree>
+    <p:extLst>
+      <p:ext uri="{BB962C8B-B14F-4D97-AF65-F5344CB8AC3E}">
+        <p14:creationId xmlns:p14="http://schemas.microsoft.com/office/powerpoint/2010/main" val="2004740896"/>
+      </p:ext>
+    </p:extLst>
+  </p:cSld>
+  <p:clrMapOvr>
+    <a:masterClrMapping/>
+  </p:clrMapOvr>
+</p:notes>
+</file>
+
+<file path=ppt/notesSlides/notesSlide2.xml><?xml version="1.0" encoding="utf-8"?>
+<p:notes xmlns:a="http://schemas.openxmlformats.org/drawingml/2006/main" xmlns:r="http://schemas.openxmlformats.org/officeDocument/2006/relationships" xmlns:p="http://schemas.openxmlformats.org/presentationml/2006/main">
+  <p:cSld>
+    <p:spTree>
+      <p:nvGrpSpPr>
+        <p:cNvPr id="1" name=""/>
+        <p:cNvGrpSpPr/>
+        <p:nvPr/>
+      </p:nvGrpSpPr>
+      <p:grpSpPr>
+        <a:xfrm>
+          <a:off x="0" y="0"/>
+          <a:ext cx="0" cy="0"/>
+          <a:chOff x="0" y="0"/>
+          <a:chExt cx="0" cy="0"/>
+        </a:xfrm>
+      </p:grpSpPr>
+      <p:sp>
+        <p:nvSpPr>
+          <p:cNvPr id="2" name="Slide Image Placeholder 1"/>
+          <p:cNvSpPr>
+            <a:spLocks noGrp="1" noRot="1" noChangeAspect="1"/>
+          </p:cNvSpPr>
+          <p:nvPr>
+            <p:ph type="sldImg"/>
+          </p:nvPr>
+        </p:nvSpPr>
+        <p:spPr/>
+      </p:sp>
+      <p:sp>
+        <p:nvSpPr>
+          <p:cNvPr id="3" name="Notes Placeholder 2"/>
+          <p:cNvSpPr>
+            <a:spLocks noGrp="1"/>
+          </p:cNvSpPr>
+          <p:nvPr>
+            <p:ph type="body" idx="1"/>
+          </p:nvPr>
+        </p:nvSpPr>
+        <p:spPr/>
+        <p:txBody>
+          <a:bodyPr/>
+          <a:lstStyle/>
+          <a:p>
+            <a:r>
+              <a:rPr lang="en-US" dirty="0"/>
+              <a:t>Android apps use the Gradle build system.</a:t>
+            </a:r>
+          </a:p>
+          <a:p>
+            <a:r>
+              <a:rPr lang="en-US" dirty="0"/>
+              <a:t>Example programs were made in </a:t>
+            </a:r>
+            <a:r>
+              <a:rPr lang="en-US" dirty="0" err="1"/>
+              <a:t>Netbeans</a:t>
+            </a:r>
+            <a:r>
+              <a:rPr lang="en-US" dirty="0"/>
+              <a:t>, which uses the ant build system.</a:t>
+            </a:r>
+          </a:p>
+          <a:p>
+            <a:r>
+              <a:rPr lang="en-US" dirty="0"/>
+              <a:t>Both build systems are supported by Infer.</a:t>
+            </a:r>
+          </a:p>
+        </p:txBody>
+      </p:sp>
+      <p:sp>
+        <p:nvSpPr>
+          <p:cNvPr id="4" name="Slide Number Placeholder 3"/>
+          <p:cNvSpPr>
+            <a:spLocks noGrp="1"/>
+          </p:cNvSpPr>
+          <p:nvPr>
+            <p:ph type="sldNum" sz="quarter" idx="5"/>
+          </p:nvPr>
+        </p:nvSpPr>
+        <p:spPr/>
+        <p:txBody>
+          <a:bodyPr/>
+          <a:lstStyle/>
+          <a:p>
+            <a:fld id="{14404186-20A0-4AAD-A036-49E21D111525}" type="slidenum">
+              <a:rPr lang="en-US" smtClean="0"/>
+              <a:t>3</a:t>
+            </a:fld>
+            <a:endParaRPr lang="en-US"/>
+          </a:p>
+        </p:txBody>
+      </p:sp>
+    </p:spTree>
+    <p:extLst>
+      <p:ext uri="{BB962C8B-B14F-4D97-AF65-F5344CB8AC3E}">
+        <p14:creationId xmlns:p14="http://schemas.microsoft.com/office/powerpoint/2010/main" val="642827003"/>
+      </p:ext>
+    </p:extLst>
+  </p:cSld>
+  <p:clrMapOvr>
+    <a:masterClrMapping/>
+  </p:clrMapOvr>
+</p:notes>
+</file>
+
+<file path=ppt/notesSlides/notesSlide3.xml><?xml version="1.0" encoding="utf-8"?>
+<p:notes xmlns:a="http://schemas.openxmlformats.org/drawingml/2006/main" xmlns:r="http://schemas.openxmlformats.org/officeDocument/2006/relationships" xmlns:p="http://schemas.openxmlformats.org/presentationml/2006/main">
+  <p:cSld>
+    <p:spTree>
+      <p:nvGrpSpPr>
+        <p:cNvPr id="1" name=""/>
+        <p:cNvGrpSpPr/>
+        <p:nvPr/>
+      </p:nvGrpSpPr>
+      <p:grpSpPr>
+        <a:xfrm>
+          <a:off x="0" y="0"/>
+          <a:ext cx="0" cy="0"/>
+          <a:chOff x="0" y="0"/>
+          <a:chExt cx="0" cy="0"/>
+        </a:xfrm>
+      </p:grpSpPr>
+      <p:sp>
+        <p:nvSpPr>
+          <p:cNvPr id="2" name="Slide Image Placeholder 1"/>
+          <p:cNvSpPr>
+            <a:spLocks noGrp="1" noRot="1" noChangeAspect="1"/>
+          </p:cNvSpPr>
+          <p:nvPr>
+            <p:ph type="sldImg"/>
+          </p:nvPr>
+        </p:nvSpPr>
+        <p:spPr/>
+      </p:sp>
+      <p:sp>
+        <p:nvSpPr>
+          <p:cNvPr id="3" name="Notes Placeholder 2"/>
+          <p:cNvSpPr>
+            <a:spLocks noGrp="1"/>
+          </p:cNvSpPr>
+          <p:nvPr>
+            <p:ph type="body" idx="1"/>
+          </p:nvPr>
+        </p:nvSpPr>
+        <p:spPr/>
+        <p:txBody>
+          <a:bodyPr/>
+          <a:lstStyle/>
+          <a:p>
+            <a:r>
+              <a:rPr lang="en-US" dirty="0"/>
+              <a:t>Identified 909 potential data races in testing.</a:t>
+            </a:r>
+          </a:p>
+          <a:p>
+            <a:r>
+              <a:rPr lang="en-US" dirty="0"/>
+              <a:t>Build time overhead varied from 1% to 120% longer runtime.</a:t>
+            </a:r>
+          </a:p>
+          <a:p>
+            <a:r>
+              <a:rPr lang="en-US" dirty="0"/>
+              <a:t>Firefox Focus: No bugs reported</a:t>
+            </a:r>
+          </a:p>
+          <a:p>
+            <a:r>
+              <a:rPr lang="en-US" dirty="0"/>
+              <a:t>    Only 3%, a fraction of the overall codebase, is Java. Most of the project is written in Kotlin, which cannot be evaluated by </a:t>
+            </a:r>
+            <a:r>
+              <a:rPr lang="en-US" dirty="0" err="1"/>
+              <a:t>RacerD</a:t>
+            </a:r>
+            <a:r>
+              <a:rPr lang="en-US" dirty="0"/>
+              <a:t>.</a:t>
+            </a:r>
+          </a:p>
+          <a:p>
+            <a:r>
+              <a:rPr lang="en-US" dirty="0"/>
+              <a:t>    If Kotlin calls Java code concurrently, </a:t>
+            </a:r>
+            <a:r>
+              <a:rPr lang="en-US" dirty="0" err="1"/>
+              <a:t>RacerD</a:t>
+            </a:r>
+            <a:r>
+              <a:rPr lang="en-US" dirty="0"/>
+              <a:t> may be unable to infer that it runs in a concurrent context, and thus may not be analyzed.</a:t>
+            </a:r>
+          </a:p>
+          <a:p>
+            <a:r>
+              <a:rPr lang="en-US" dirty="0"/>
+              <a:t>    Mozilla is a partner with Facebook using Infer, so its likely </a:t>
+            </a:r>
+            <a:r>
+              <a:rPr lang="en-US" dirty="0" err="1"/>
+              <a:t>devs</a:t>
+            </a:r>
+            <a:r>
+              <a:rPr lang="en-US" dirty="0"/>
+              <a:t> found and fixed these data races.</a:t>
+            </a:r>
+          </a:p>
+          <a:p>
+            <a:r>
+              <a:rPr lang="en-US" dirty="0"/>
+              <a:t>Telegram: generates an error when building with Infer.</a:t>
+            </a:r>
+          </a:p>
+          <a:p>
+            <a:r>
+              <a:rPr lang="en-US" dirty="0"/>
+              <a:t>    Internal error that doesn't happen without using the tool.</a:t>
+            </a:r>
+          </a:p>
+          <a:p>
+            <a:r>
+              <a:rPr lang="en-US" dirty="0"/>
+              <a:t>    Largest project tested.</a:t>
+            </a:r>
+          </a:p>
+          <a:p>
+            <a:r>
+              <a:rPr lang="en-US" dirty="0"/>
+              <a:t>    Shows that, although </a:t>
+            </a:r>
+            <a:r>
+              <a:rPr lang="en-US" dirty="0" err="1"/>
+              <a:t>RacerD</a:t>
+            </a:r>
+            <a:r>
+              <a:rPr lang="en-US" dirty="0"/>
+              <a:t> is touted as being a drop-in analyzer, and normally is, sometimes it will still fail.</a:t>
+            </a:r>
+          </a:p>
+        </p:txBody>
+      </p:sp>
+      <p:sp>
+        <p:nvSpPr>
+          <p:cNvPr id="4" name="Slide Number Placeholder 3"/>
+          <p:cNvSpPr>
+            <a:spLocks noGrp="1"/>
+          </p:cNvSpPr>
+          <p:nvPr>
+            <p:ph type="sldNum" sz="quarter" idx="5"/>
+          </p:nvPr>
+        </p:nvSpPr>
+        <p:spPr/>
+        <p:txBody>
+          <a:bodyPr/>
+          <a:lstStyle/>
+          <a:p>
+            <a:fld id="{14404186-20A0-4AAD-A036-49E21D111525}" type="slidenum">
+              <a:rPr lang="en-US" smtClean="0"/>
+              <a:t>4</a:t>
+            </a:fld>
+            <a:endParaRPr lang="en-US"/>
+          </a:p>
+        </p:txBody>
+      </p:sp>
+    </p:spTree>
+    <p:extLst>
+      <p:ext uri="{BB962C8B-B14F-4D97-AF65-F5344CB8AC3E}">
+        <p14:creationId xmlns:p14="http://schemas.microsoft.com/office/powerpoint/2010/main" val="3930312860"/>
+      </p:ext>
+    </p:extLst>
+  </p:cSld>
+  <p:clrMapOvr>
+    <a:masterClrMapping/>
+  </p:clrMapOvr>
+</p:notes>
+</file>
+
+<file path=ppt/notesSlides/notesSlide4.xml><?xml version="1.0" encoding="utf-8"?>
+<p:notes xmlns:a="http://schemas.openxmlformats.org/drawingml/2006/main" xmlns:r="http://schemas.openxmlformats.org/officeDocument/2006/relationships" xmlns:p="http://schemas.openxmlformats.org/presentationml/2006/main">
+  <p:cSld>
+    <p:spTree>
+      <p:nvGrpSpPr>
+        <p:cNvPr id="1" name=""/>
+        <p:cNvGrpSpPr/>
+        <p:nvPr/>
+      </p:nvGrpSpPr>
+      <p:grpSpPr>
+        <a:xfrm>
+          <a:off x="0" y="0"/>
+          <a:ext cx="0" cy="0"/>
+          <a:chOff x="0" y="0"/>
+          <a:chExt cx="0" cy="0"/>
+        </a:xfrm>
+      </p:grpSpPr>
+      <p:sp>
+        <p:nvSpPr>
+          <p:cNvPr id="2" name="Slide Image Placeholder 1"/>
+          <p:cNvSpPr>
+            <a:spLocks noGrp="1" noRot="1" noChangeAspect="1"/>
+          </p:cNvSpPr>
+          <p:nvPr>
+            <p:ph type="sldImg"/>
+          </p:nvPr>
+        </p:nvSpPr>
+        <p:spPr/>
+      </p:sp>
+      <p:sp>
+        <p:nvSpPr>
+          <p:cNvPr id="3" name="Notes Placeholder 2"/>
+          <p:cNvSpPr>
+            <a:spLocks noGrp="1"/>
+          </p:cNvSpPr>
+          <p:nvPr>
+            <p:ph type="body" idx="1"/>
+          </p:nvPr>
+        </p:nvSpPr>
+        <p:spPr/>
+        <p:txBody>
+          <a:bodyPr/>
+          <a:lstStyle/>
+          <a:p>
+            <a:r>
+              <a:rPr lang="en-US" dirty="0"/>
+              <a:t>Toy programs meant to illustrate concurrent programming approaches.</a:t>
+            </a:r>
+          </a:p>
+          <a:p>
+            <a:r>
+              <a:rPr lang="en-US" dirty="0"/>
+              <a:t>Compiled code consists exclusively of Java.</a:t>
+            </a:r>
+          </a:p>
+          <a:p>
+            <a:r>
+              <a:rPr lang="en-US" dirty="0"/>
+              <a:t>Generally doesn’t find races, as expected.</a:t>
+            </a:r>
+          </a:p>
+          <a:p>
+            <a:r>
+              <a:rPr lang="en-US" dirty="0"/>
+              <a:t>Identified 18 possible data races.</a:t>
+            </a:r>
+          </a:p>
+          <a:p>
+            <a:r>
+              <a:rPr lang="en-US" dirty="0"/>
+              <a:t>Almost all of them are real data races.</a:t>
+            </a:r>
+          </a:p>
+          <a:p>
+            <a:endParaRPr lang="en-US" dirty="0"/>
+          </a:p>
+          <a:p>
+            <a:r>
+              <a:rPr lang="en-US" dirty="0"/>
+              <a:t>Queue uses mutual exclusion locks to enqueue and dequeue. The code forgets to lock before enqueueing, then releases the lock at the end.</a:t>
+            </a:r>
+          </a:p>
+          <a:p>
+            <a:r>
+              <a:rPr lang="en-US" dirty="0"/>
+              <a:t>Priority has a function that reads shared variables without acquiring the lock, even though </a:t>
+            </a:r>
+            <a:r>
+              <a:rPr lang="en-US"/>
+              <a:t>the others do.</a:t>
+            </a:r>
+            <a:endParaRPr lang="en-US" dirty="0"/>
+          </a:p>
+          <a:p>
+            <a:r>
+              <a:rPr lang="en-US" dirty="0"/>
+              <a:t>Same with </a:t>
+            </a:r>
+            <a:r>
+              <a:rPr lang="en-US" dirty="0" err="1"/>
+              <a:t>TinyTM</a:t>
+            </a:r>
+            <a:r>
+              <a:rPr lang="en-US" dirty="0"/>
+              <a:t>.</a:t>
+            </a:r>
+          </a:p>
+          <a:p>
+            <a:r>
+              <a:rPr lang="en-US" dirty="0"/>
+              <a:t>Monitor:</a:t>
+            </a:r>
+          </a:p>
+          <a:p>
+            <a:r>
+              <a:rPr lang="en-US" dirty="0"/>
+              <a:t>    </a:t>
+            </a:r>
+            <a:r>
+              <a:rPr lang="en-US" dirty="0" err="1"/>
+              <a:t>RacerD</a:t>
+            </a:r>
+            <a:r>
+              <a:rPr lang="en-US" dirty="0"/>
+              <a:t> doesn't understand monitors.</a:t>
+            </a:r>
+          </a:p>
+          <a:p>
+            <a:r>
+              <a:rPr lang="en-US" dirty="0"/>
+              <a:t>    Expectation is for </a:t>
+            </a:r>
+            <a:r>
+              <a:rPr lang="en-US" dirty="0" err="1"/>
+              <a:t>RacerD</a:t>
+            </a:r>
+            <a:r>
+              <a:rPr lang="en-US" dirty="0"/>
+              <a:t> to ignore monitors, but this custom implementation seems to confuse it.</a:t>
+            </a:r>
+          </a:p>
+          <a:p>
+            <a:r>
+              <a:rPr lang="en-US" dirty="0"/>
+              <a:t>    Thus, we find some rare false positives.</a:t>
+            </a:r>
+          </a:p>
+          <a:p>
+            <a:r>
+              <a:rPr lang="en-US" dirty="0"/>
+              <a:t>    The real data races involve unsynchronized reads and writes on a Java HashMap. </a:t>
+            </a:r>
+          </a:p>
+        </p:txBody>
+      </p:sp>
+      <p:sp>
+        <p:nvSpPr>
+          <p:cNvPr id="4" name="Slide Number Placeholder 3"/>
+          <p:cNvSpPr>
+            <a:spLocks noGrp="1"/>
+          </p:cNvSpPr>
+          <p:nvPr>
+            <p:ph type="sldNum" sz="quarter" idx="5"/>
+          </p:nvPr>
+        </p:nvSpPr>
+        <p:spPr/>
+        <p:txBody>
+          <a:bodyPr/>
+          <a:lstStyle/>
+          <a:p>
+            <a:fld id="{14404186-20A0-4AAD-A036-49E21D111525}" type="slidenum">
+              <a:rPr lang="en-US" smtClean="0"/>
+              <a:t>5</a:t>
+            </a:fld>
+            <a:endParaRPr lang="en-US"/>
+          </a:p>
+        </p:txBody>
+      </p:sp>
+    </p:spTree>
+    <p:extLst>
+      <p:ext uri="{BB962C8B-B14F-4D97-AF65-F5344CB8AC3E}">
+        <p14:creationId xmlns:p14="http://schemas.microsoft.com/office/powerpoint/2010/main" val="3433984411"/>
+      </p:ext>
+    </p:extLst>
+  </p:cSld>
+  <p:clrMapOvr>
+    <a:masterClrMapping/>
+  </p:clrMapOvr>
+</p:notes>
 </file>
 
 <file path=ppt/slideLayouts/slideLayout1.xml><?xml version="1.0" encoding="utf-8"?>
@@ -4289,7 +4869,38 @@
           <a:bodyPr/>
           <a:lstStyle/>
           <a:p>
-            <a:endParaRPr lang="en-US"/>
+            <a:r>
+              <a:rPr lang="en-US" dirty="0"/>
+              <a:t>High-confidence compositional static data race detector for Java</a:t>
+            </a:r>
+          </a:p>
+          <a:p>
+            <a:r>
+              <a:rPr lang="en-US" dirty="0"/>
+              <a:t>Data races occur when </a:t>
+            </a:r>
+            <a:r>
+              <a:rPr lang="en-US" i="1" dirty="0"/>
+              <a:t>an unsynchronized memory access occurs between two threads, where at least one thread performs a write</a:t>
+            </a:r>
+          </a:p>
+          <a:p>
+            <a:r>
+              <a:rPr lang="en-US" dirty="0"/>
+              <a:t>Part of Infer</a:t>
+            </a:r>
+          </a:p>
+          <a:p>
+            <a:r>
+              <a:rPr lang="en-US" dirty="0"/>
+              <a:t>Analyzes at build time</a:t>
+            </a:r>
+          </a:p>
+          <a:p>
+            <a:r>
+              <a:rPr lang="en-US" dirty="0"/>
+              <a:t>Drop-in analysis</a:t>
+            </a:r>
           </a:p>
         </p:txBody>
       </p:sp>
@@ -4327,6 +4938,3594 @@
     <p:extLst>
       <p:ext uri="{BB962C8B-B14F-4D97-AF65-F5344CB8AC3E}">
         <p14:creationId xmlns:p14="http://schemas.microsoft.com/office/powerpoint/2010/main" val="1939718610"/>
+      </p:ext>
+    </p:extLst>
+  </p:cSld>
+  <p:clrMapOvr>
+    <a:masterClrMapping/>
+  </p:clrMapOvr>
+</p:sld>
+</file>
+
+<file path=ppt/slides/slide3.xml><?xml version="1.0" encoding="utf-8"?>
+<p:sld xmlns:a="http://schemas.openxmlformats.org/drawingml/2006/main" xmlns:r="http://schemas.openxmlformats.org/officeDocument/2006/relationships" xmlns:p="http://schemas.openxmlformats.org/presentationml/2006/main">
+  <p:cSld>
+    <p:spTree>
+      <p:nvGrpSpPr>
+        <p:cNvPr id="1" name=""/>
+        <p:cNvGrpSpPr/>
+        <p:nvPr/>
+      </p:nvGrpSpPr>
+      <p:grpSpPr>
+        <a:xfrm>
+          <a:off x="0" y="0"/>
+          <a:ext cx="0" cy="0"/>
+          <a:chOff x="0" y="0"/>
+          <a:chExt cx="0" cy="0"/>
+        </a:xfrm>
+      </p:grpSpPr>
+      <p:sp>
+        <p:nvSpPr>
+          <p:cNvPr id="2" name="Title 1">
+            <a:extLst>
+              <a:ext uri="{FF2B5EF4-FFF2-40B4-BE49-F238E27FC236}">
+                <a16:creationId xmlns:a16="http://schemas.microsoft.com/office/drawing/2014/main" id="{11D296B0-F9A1-48CB-B867-F9A65D45EDEE}"/>
+              </a:ext>
+            </a:extLst>
+          </p:cNvPr>
+          <p:cNvSpPr>
+            <a:spLocks noGrp="1"/>
+          </p:cNvSpPr>
+          <p:nvPr>
+            <p:ph type="title"/>
+          </p:nvPr>
+        </p:nvSpPr>
+        <p:spPr/>
+        <p:txBody>
+          <a:bodyPr/>
+          <a:lstStyle/>
+          <a:p>
+            <a:r>
+              <a:rPr lang="en-US" dirty="0"/>
+              <a:t>Experimental Setup</a:t>
+            </a:r>
+          </a:p>
+        </p:txBody>
+      </p:sp>
+      <p:sp>
+        <p:nvSpPr>
+          <p:cNvPr id="3" name="Content Placeholder 2">
+            <a:extLst>
+              <a:ext uri="{FF2B5EF4-FFF2-40B4-BE49-F238E27FC236}">
+                <a16:creationId xmlns:a16="http://schemas.microsoft.com/office/drawing/2014/main" id="{1841AB43-9016-4384-889B-E0487A6C6718}"/>
+              </a:ext>
+            </a:extLst>
+          </p:cNvPr>
+          <p:cNvSpPr>
+            <a:spLocks noGrp="1"/>
+          </p:cNvSpPr>
+          <p:nvPr>
+            <p:ph idx="1"/>
+          </p:nvPr>
+        </p:nvSpPr>
+        <p:spPr/>
+        <p:txBody>
+          <a:bodyPr>
+            <a:normAutofit lnSpcReduction="10000"/>
+          </a:bodyPr>
+          <a:lstStyle/>
+          <a:p>
+            <a:r>
+              <a:rPr lang="en-US" dirty="0"/>
+              <a:t>Infer v0.17.0</a:t>
+            </a:r>
+          </a:p>
+          <a:p>
+            <a:r>
+              <a:rPr lang="en-US" dirty="0"/>
+              <a:t>Ubuntu 18.04.4 LTS 64-bit virtual machine</a:t>
+            </a:r>
+          </a:p>
+          <a:p>
+            <a:r>
+              <a:rPr lang="en-US" dirty="0"/>
+              <a:t>Open-source Android Apps</a:t>
+            </a:r>
+          </a:p>
+          <a:p>
+            <a:pPr lvl="1"/>
+            <a:r>
+              <a:rPr lang="en-US" dirty="0"/>
+              <a:t>Telegram</a:t>
+            </a:r>
+          </a:p>
+          <a:p>
+            <a:pPr lvl="1"/>
+            <a:r>
+              <a:rPr lang="en-US" dirty="0"/>
+              <a:t>VLC</a:t>
+            </a:r>
+          </a:p>
+          <a:p>
+            <a:pPr lvl="1"/>
+            <a:r>
+              <a:rPr lang="en-US" dirty="0"/>
+              <a:t>Firefox Focus</a:t>
+            </a:r>
+          </a:p>
+          <a:p>
+            <a:pPr lvl="1"/>
+            <a:r>
+              <a:rPr lang="en-US" dirty="0"/>
+              <a:t>Open Camera</a:t>
+            </a:r>
+          </a:p>
+          <a:p>
+            <a:r>
+              <a:rPr lang="en-US" dirty="0"/>
+              <a:t>Multithreaded example programs</a:t>
+            </a:r>
+          </a:p>
+          <a:p>
+            <a:pPr lvl="1"/>
+            <a:r>
+              <a:rPr lang="en-US" dirty="0"/>
+              <a:t>9 programs</a:t>
+            </a:r>
+          </a:p>
+          <a:p>
+            <a:pPr lvl="1"/>
+            <a:r>
+              <a:rPr lang="en-US" dirty="0"/>
+              <a:t>Companion materials from </a:t>
+            </a:r>
+            <a:r>
+              <a:rPr lang="en-US" i="1" dirty="0"/>
+              <a:t>The Art of Multiprocessor Programming</a:t>
+            </a:r>
+          </a:p>
+          <a:p>
+            <a:endParaRPr lang="en-US" dirty="0"/>
+          </a:p>
+        </p:txBody>
+      </p:sp>
+      <p:sp>
+        <p:nvSpPr>
+          <p:cNvPr id="4" name="Slide Number Placeholder 3">
+            <a:extLst>
+              <a:ext uri="{FF2B5EF4-FFF2-40B4-BE49-F238E27FC236}">
+                <a16:creationId xmlns:a16="http://schemas.microsoft.com/office/drawing/2014/main" id="{1E28CB47-4CB6-498F-96AB-B659DFB95252}"/>
+              </a:ext>
+            </a:extLst>
+          </p:cNvPr>
+          <p:cNvSpPr>
+            <a:spLocks noGrp="1"/>
+          </p:cNvSpPr>
+          <p:nvPr>
+            <p:ph type="sldNum" sz="quarter" idx="12"/>
+          </p:nvPr>
+        </p:nvSpPr>
+        <p:spPr/>
+        <p:txBody>
+          <a:bodyPr/>
+          <a:lstStyle/>
+          <a:p>
+            <a:fld id="{7C005ACB-AC83-46B2-A3CC-8E2535F9650E}" type="slidenum">
+              <a:rPr lang="en-US" smtClean="0"/>
+              <a:pPr/>
+              <a:t>3</a:t>
+            </a:fld>
+            <a:endParaRPr lang="en-US"/>
+          </a:p>
+        </p:txBody>
+      </p:sp>
+    </p:spTree>
+    <p:extLst>
+      <p:ext uri="{BB962C8B-B14F-4D97-AF65-F5344CB8AC3E}">
+        <p14:creationId xmlns:p14="http://schemas.microsoft.com/office/powerpoint/2010/main" val="77313191"/>
+      </p:ext>
+    </p:extLst>
+  </p:cSld>
+  <p:clrMapOvr>
+    <a:masterClrMapping/>
+  </p:clrMapOvr>
+</p:sld>
+</file>
+
+<file path=ppt/slides/slide4.xml><?xml version="1.0" encoding="utf-8"?>
+<p:sld xmlns:a="http://schemas.openxmlformats.org/drawingml/2006/main" xmlns:r="http://schemas.openxmlformats.org/officeDocument/2006/relationships" xmlns:p="http://schemas.openxmlformats.org/presentationml/2006/main">
+  <p:cSld>
+    <p:spTree>
+      <p:nvGrpSpPr>
+        <p:cNvPr id="1" name=""/>
+        <p:cNvGrpSpPr/>
+        <p:nvPr/>
+      </p:nvGrpSpPr>
+      <p:grpSpPr>
+        <a:xfrm>
+          <a:off x="0" y="0"/>
+          <a:ext cx="0" cy="0"/>
+          <a:chOff x="0" y="0"/>
+          <a:chExt cx="0" cy="0"/>
+        </a:xfrm>
+      </p:grpSpPr>
+      <p:sp>
+        <p:nvSpPr>
+          <p:cNvPr id="2" name="Title 1">
+            <a:extLst>
+              <a:ext uri="{FF2B5EF4-FFF2-40B4-BE49-F238E27FC236}">
+                <a16:creationId xmlns:a16="http://schemas.microsoft.com/office/drawing/2014/main" id="{2482EF48-4DA0-4D17-B13B-4313C1EF7B61}"/>
+              </a:ext>
+            </a:extLst>
+          </p:cNvPr>
+          <p:cNvSpPr>
+            <a:spLocks noGrp="1"/>
+          </p:cNvSpPr>
+          <p:nvPr>
+            <p:ph type="title"/>
+          </p:nvPr>
+        </p:nvSpPr>
+        <p:spPr/>
+        <p:txBody>
+          <a:bodyPr/>
+          <a:lstStyle/>
+          <a:p>
+            <a:r>
+              <a:rPr lang="en-US" dirty="0"/>
+              <a:t>Results: Apps</a:t>
+            </a:r>
+          </a:p>
+        </p:txBody>
+      </p:sp>
+      <p:graphicFrame>
+        <p:nvGraphicFramePr>
+          <p:cNvPr id="5" name="Content Placeholder 4">
+            <a:extLst>
+              <a:ext uri="{FF2B5EF4-FFF2-40B4-BE49-F238E27FC236}">
+                <a16:creationId xmlns:a16="http://schemas.microsoft.com/office/drawing/2014/main" id="{6ABA1750-6AE3-4407-87A7-2F7B19BE19E6}"/>
+              </a:ext>
+            </a:extLst>
+          </p:cNvPr>
+          <p:cNvGraphicFramePr>
+            <a:graphicFrameLocks noGrp="1"/>
+          </p:cNvGraphicFramePr>
+          <p:nvPr>
+            <p:ph idx="1"/>
+            <p:extLst>
+              <p:ext uri="{D42A27DB-BD31-4B8C-83A1-F6EECF244321}">
+                <p14:modId xmlns:p14="http://schemas.microsoft.com/office/powerpoint/2010/main" val="2769947856"/>
+              </p:ext>
+            </p:extLst>
+          </p:nvPr>
+        </p:nvGraphicFramePr>
+        <p:xfrm>
+          <a:off x="368517" y="2226696"/>
+          <a:ext cx="11454965" cy="3593645"/>
+        </p:xfrm>
+        <a:graphic>
+          <a:graphicData uri="http://schemas.openxmlformats.org/drawingml/2006/table">
+            <a:tbl>
+              <a:tblPr firstRow="1" firstCol="1" bandRow="1">
+                <a:tableStyleId>{5C22544A-7EE6-4342-B048-85BDC9FD1C3A}</a:tableStyleId>
+              </a:tblPr>
+              <a:tblGrid>
+                <a:gridCol w="3387039">
+                  <a:extLst>
+                    <a:ext uri="{9D8B030D-6E8A-4147-A177-3AD203B41FA5}">
+                      <a16:colId xmlns:a16="http://schemas.microsoft.com/office/drawing/2014/main" val="1362067105"/>
+                    </a:ext>
+                  </a:extLst>
+                </a:gridCol>
+                <a:gridCol w="2215123">
+                  <a:extLst>
+                    <a:ext uri="{9D8B030D-6E8A-4147-A177-3AD203B41FA5}">
+                      <a16:colId xmlns:a16="http://schemas.microsoft.com/office/drawing/2014/main" val="2880734857"/>
+                    </a:ext>
+                  </a:extLst>
+                </a:gridCol>
+                <a:gridCol w="2194801">
+                  <a:extLst>
+                    <a:ext uri="{9D8B030D-6E8A-4147-A177-3AD203B41FA5}">
+                      <a16:colId xmlns:a16="http://schemas.microsoft.com/office/drawing/2014/main" val="544060563"/>
+                    </a:ext>
+                  </a:extLst>
+                </a:gridCol>
+                <a:gridCol w="1829001">
+                  <a:extLst>
+                    <a:ext uri="{9D8B030D-6E8A-4147-A177-3AD203B41FA5}">
+                      <a16:colId xmlns:a16="http://schemas.microsoft.com/office/drawing/2014/main" val="4198514732"/>
+                    </a:ext>
+                  </a:extLst>
+                </a:gridCol>
+                <a:gridCol w="1829001">
+                  <a:extLst>
+                    <a:ext uri="{9D8B030D-6E8A-4147-A177-3AD203B41FA5}">
+                      <a16:colId xmlns:a16="http://schemas.microsoft.com/office/drawing/2014/main" val="2362467250"/>
+                    </a:ext>
+                  </a:extLst>
+                </a:gridCol>
+              </a:tblGrid>
+              <a:tr h="406444">
+                <a:tc>
+                  <a:txBody>
+                    <a:bodyPr/>
+                    <a:lstStyle/>
+                    <a:p>
+                      <a:endParaRPr lang="en-US" sz="2300">
+                        <a:effectLst/>
+                        <a:latin typeface="Calibri" panose="020F0502020204030204" pitchFamily="34" charset="0"/>
+                        <a:cs typeface="Times New Roman" panose="02020603050405020304" pitchFamily="18" charset="0"/>
+                      </a:endParaRPr>
+                    </a:p>
+                  </a:txBody>
+                  <a:tcPr marL="146320" marR="146320" marT="0" marB="0"/>
+                </a:tc>
+                <a:tc>
+                  <a:txBody>
+                    <a:bodyPr/>
+                    <a:lstStyle/>
+                    <a:p>
+                      <a:pPr marL="0" marR="0">
+                        <a:lnSpc>
+                          <a:spcPct val="107000"/>
+                        </a:lnSpc>
+                        <a:spcBef>
+                          <a:spcPts val="0"/>
+                        </a:spcBef>
+                        <a:spcAft>
+                          <a:spcPts val="0"/>
+                        </a:spcAft>
+                      </a:pPr>
+                      <a:r>
+                        <a:rPr lang="en-US" sz="2300">
+                          <a:effectLst/>
+                        </a:rPr>
+                        <a:t>Open Camera</a:t>
+                      </a:r>
+                      <a:endParaRPr lang="en-US" sz="2300">
+                        <a:effectLst/>
+                        <a:latin typeface="Calibri" panose="020F0502020204030204" pitchFamily="34" charset="0"/>
+                        <a:ea typeface="Calibri" panose="020F0502020204030204" pitchFamily="34" charset="0"/>
+                        <a:cs typeface="Times New Roman" panose="02020603050405020304" pitchFamily="18" charset="0"/>
+                      </a:endParaRPr>
+                    </a:p>
+                  </a:txBody>
+                  <a:tcPr marL="146320" marR="146320" marT="0" marB="0"/>
+                </a:tc>
+                <a:tc>
+                  <a:txBody>
+                    <a:bodyPr/>
+                    <a:lstStyle/>
+                    <a:p>
+                      <a:pPr marL="0" marR="0">
+                        <a:lnSpc>
+                          <a:spcPct val="107000"/>
+                        </a:lnSpc>
+                        <a:spcBef>
+                          <a:spcPts val="0"/>
+                        </a:spcBef>
+                        <a:spcAft>
+                          <a:spcPts val="0"/>
+                        </a:spcAft>
+                      </a:pPr>
+                      <a:r>
+                        <a:rPr lang="en-US" sz="2300">
+                          <a:effectLst/>
+                        </a:rPr>
+                        <a:t>Firefox Focus</a:t>
+                      </a:r>
+                      <a:endParaRPr lang="en-US" sz="2300">
+                        <a:effectLst/>
+                        <a:latin typeface="Calibri" panose="020F0502020204030204" pitchFamily="34" charset="0"/>
+                        <a:ea typeface="Calibri" panose="020F0502020204030204" pitchFamily="34" charset="0"/>
+                        <a:cs typeface="Times New Roman" panose="02020603050405020304" pitchFamily="18" charset="0"/>
+                      </a:endParaRPr>
+                    </a:p>
+                  </a:txBody>
+                  <a:tcPr marL="146320" marR="146320" marT="0" marB="0"/>
+                </a:tc>
+                <a:tc>
+                  <a:txBody>
+                    <a:bodyPr/>
+                    <a:lstStyle/>
+                    <a:p>
+                      <a:pPr marL="0" marR="0">
+                        <a:lnSpc>
+                          <a:spcPct val="107000"/>
+                        </a:lnSpc>
+                        <a:spcBef>
+                          <a:spcPts val="0"/>
+                        </a:spcBef>
+                        <a:spcAft>
+                          <a:spcPts val="0"/>
+                        </a:spcAft>
+                      </a:pPr>
+                      <a:r>
+                        <a:rPr lang="en-US" sz="2300">
+                          <a:effectLst/>
+                        </a:rPr>
+                        <a:t>VLC</a:t>
+                      </a:r>
+                      <a:endParaRPr lang="en-US" sz="2300">
+                        <a:effectLst/>
+                        <a:latin typeface="Calibri" panose="020F0502020204030204" pitchFamily="34" charset="0"/>
+                        <a:ea typeface="Calibri" panose="020F0502020204030204" pitchFamily="34" charset="0"/>
+                        <a:cs typeface="Times New Roman" panose="02020603050405020304" pitchFamily="18" charset="0"/>
+                      </a:endParaRPr>
+                    </a:p>
+                  </a:txBody>
+                  <a:tcPr marL="146320" marR="146320" marT="0" marB="0"/>
+                </a:tc>
+                <a:tc>
+                  <a:txBody>
+                    <a:bodyPr/>
+                    <a:lstStyle/>
+                    <a:p>
+                      <a:pPr marL="0" marR="0">
+                        <a:lnSpc>
+                          <a:spcPct val="107000"/>
+                        </a:lnSpc>
+                        <a:spcBef>
+                          <a:spcPts val="0"/>
+                        </a:spcBef>
+                        <a:spcAft>
+                          <a:spcPts val="0"/>
+                        </a:spcAft>
+                      </a:pPr>
+                      <a:r>
+                        <a:rPr lang="en-US" sz="2300">
+                          <a:effectLst/>
+                        </a:rPr>
+                        <a:t>Telegram</a:t>
+                      </a:r>
+                      <a:endParaRPr lang="en-US" sz="2300">
+                        <a:effectLst/>
+                        <a:latin typeface="Calibri" panose="020F0502020204030204" pitchFamily="34" charset="0"/>
+                        <a:ea typeface="Calibri" panose="020F0502020204030204" pitchFamily="34" charset="0"/>
+                        <a:cs typeface="Times New Roman" panose="02020603050405020304" pitchFamily="18" charset="0"/>
+                      </a:endParaRPr>
+                    </a:p>
+                  </a:txBody>
+                  <a:tcPr marL="146320" marR="146320" marT="0" marB="0"/>
+                </a:tc>
+                <a:extLst>
+                  <a:ext uri="{0D108BD9-81ED-4DB2-BD59-A6C34878D82A}">
+                    <a16:rowId xmlns:a16="http://schemas.microsoft.com/office/drawing/2014/main" val="76884088"/>
+                  </a:ext>
+                </a:extLst>
+              </a:tr>
+              <a:tr h="406444">
+                <a:tc>
+                  <a:txBody>
+                    <a:bodyPr/>
+                    <a:lstStyle/>
+                    <a:p>
+                      <a:pPr marL="0" marR="0">
+                        <a:lnSpc>
+                          <a:spcPct val="107000"/>
+                        </a:lnSpc>
+                        <a:spcBef>
+                          <a:spcPts val="0"/>
+                        </a:spcBef>
+                        <a:spcAft>
+                          <a:spcPts val="0"/>
+                        </a:spcAft>
+                      </a:pPr>
+                      <a:r>
+                        <a:rPr lang="en-US" sz="2300">
+                          <a:effectLst/>
+                        </a:rPr>
+                        <a:t>Lines of Java code</a:t>
+                      </a:r>
+                      <a:endParaRPr lang="en-US" sz="2300">
+                        <a:effectLst/>
+                        <a:latin typeface="Calibri" panose="020F0502020204030204" pitchFamily="34" charset="0"/>
+                        <a:ea typeface="Calibri" panose="020F0502020204030204" pitchFamily="34" charset="0"/>
+                        <a:cs typeface="Times New Roman" panose="02020603050405020304" pitchFamily="18" charset="0"/>
+                      </a:endParaRPr>
+                    </a:p>
+                  </a:txBody>
+                  <a:tcPr marL="146320" marR="146320" marT="0" marB="0"/>
+                </a:tc>
+                <a:tc>
+                  <a:txBody>
+                    <a:bodyPr/>
+                    <a:lstStyle/>
+                    <a:p>
+                      <a:pPr marL="0" marR="0" algn="r">
+                        <a:lnSpc>
+                          <a:spcPct val="107000"/>
+                        </a:lnSpc>
+                        <a:spcBef>
+                          <a:spcPts val="0"/>
+                        </a:spcBef>
+                        <a:spcAft>
+                          <a:spcPts val="0"/>
+                        </a:spcAft>
+                      </a:pPr>
+                      <a:r>
+                        <a:rPr lang="en-US" sz="2300">
+                          <a:effectLst/>
+                        </a:rPr>
+                        <a:t>               53,222 </a:t>
+                      </a:r>
+                      <a:endParaRPr lang="en-US" sz="2300">
+                        <a:effectLst/>
+                        <a:latin typeface="Calibri" panose="020F0502020204030204" pitchFamily="34" charset="0"/>
+                        <a:ea typeface="Calibri" panose="020F0502020204030204" pitchFamily="34" charset="0"/>
+                        <a:cs typeface="Times New Roman" panose="02020603050405020304" pitchFamily="18" charset="0"/>
+                      </a:endParaRPr>
+                    </a:p>
+                  </a:txBody>
+                  <a:tcPr marL="146320" marR="146320" marT="0" marB="0"/>
+                </a:tc>
+                <a:tc>
+                  <a:txBody>
+                    <a:bodyPr/>
+                    <a:lstStyle/>
+                    <a:p>
+                      <a:pPr marL="0" marR="0" algn="r">
+                        <a:lnSpc>
+                          <a:spcPct val="107000"/>
+                        </a:lnSpc>
+                        <a:spcBef>
+                          <a:spcPts val="0"/>
+                        </a:spcBef>
+                        <a:spcAft>
+                          <a:spcPts val="0"/>
+                        </a:spcAft>
+                      </a:pPr>
+                      <a:r>
+                        <a:rPr lang="en-US" sz="2300">
+                          <a:effectLst/>
+                        </a:rPr>
+                        <a:t>                9,905 </a:t>
+                      </a:r>
+                      <a:endParaRPr lang="en-US" sz="2300">
+                        <a:effectLst/>
+                        <a:latin typeface="Calibri" panose="020F0502020204030204" pitchFamily="34" charset="0"/>
+                        <a:ea typeface="Calibri" panose="020F0502020204030204" pitchFamily="34" charset="0"/>
+                        <a:cs typeface="Times New Roman" panose="02020603050405020304" pitchFamily="18" charset="0"/>
+                      </a:endParaRPr>
+                    </a:p>
+                  </a:txBody>
+                  <a:tcPr marL="146320" marR="146320" marT="0" marB="0"/>
+                </a:tc>
+                <a:tc>
+                  <a:txBody>
+                    <a:bodyPr/>
+                    <a:lstStyle/>
+                    <a:p>
+                      <a:pPr marL="0" marR="0" algn="r">
+                        <a:lnSpc>
+                          <a:spcPct val="107000"/>
+                        </a:lnSpc>
+                        <a:spcBef>
+                          <a:spcPts val="0"/>
+                        </a:spcBef>
+                        <a:spcAft>
+                          <a:spcPts val="0"/>
+                        </a:spcAft>
+                      </a:pPr>
+                      <a:r>
+                        <a:rPr lang="en-US" sz="2300">
+                          <a:effectLst/>
+                        </a:rPr>
+                        <a:t>     11,176 </a:t>
+                      </a:r>
+                      <a:endParaRPr lang="en-US" sz="2300">
+                        <a:effectLst/>
+                        <a:latin typeface="Calibri" panose="020F0502020204030204" pitchFamily="34" charset="0"/>
+                        <a:ea typeface="Calibri" panose="020F0502020204030204" pitchFamily="34" charset="0"/>
+                        <a:cs typeface="Times New Roman" panose="02020603050405020304" pitchFamily="18" charset="0"/>
+                      </a:endParaRPr>
+                    </a:p>
+                  </a:txBody>
+                  <a:tcPr marL="146320" marR="146320" marT="0" marB="0"/>
+                </a:tc>
+                <a:tc>
+                  <a:txBody>
+                    <a:bodyPr/>
+                    <a:lstStyle/>
+                    <a:p>
+                      <a:pPr marL="0" marR="0" algn="r">
+                        <a:lnSpc>
+                          <a:spcPct val="107000"/>
+                        </a:lnSpc>
+                        <a:spcBef>
+                          <a:spcPts val="0"/>
+                        </a:spcBef>
+                        <a:spcAft>
+                          <a:spcPts val="0"/>
+                        </a:spcAft>
+                      </a:pPr>
+                      <a:r>
+                        <a:rPr lang="en-US" sz="2300">
+                          <a:effectLst/>
+                        </a:rPr>
+                        <a:t>      533,399 </a:t>
+                      </a:r>
+                      <a:endParaRPr lang="en-US" sz="2300">
+                        <a:effectLst/>
+                        <a:latin typeface="Calibri" panose="020F0502020204030204" pitchFamily="34" charset="0"/>
+                        <a:ea typeface="Calibri" panose="020F0502020204030204" pitchFamily="34" charset="0"/>
+                        <a:cs typeface="Times New Roman" panose="02020603050405020304" pitchFamily="18" charset="0"/>
+                      </a:endParaRPr>
+                    </a:p>
+                  </a:txBody>
+                  <a:tcPr marL="146320" marR="146320" marT="0" marB="0"/>
+                </a:tc>
+                <a:extLst>
+                  <a:ext uri="{0D108BD9-81ED-4DB2-BD59-A6C34878D82A}">
+                    <a16:rowId xmlns:a16="http://schemas.microsoft.com/office/drawing/2014/main" val="3008806208"/>
+                  </a:ext>
+                </a:extLst>
+              </a:tr>
+              <a:tr h="406444">
+                <a:tc>
+                  <a:txBody>
+                    <a:bodyPr/>
+                    <a:lstStyle/>
+                    <a:p>
+                      <a:pPr marL="0" marR="0">
+                        <a:lnSpc>
+                          <a:spcPct val="107000"/>
+                        </a:lnSpc>
+                        <a:spcBef>
+                          <a:spcPts val="0"/>
+                        </a:spcBef>
+                        <a:spcAft>
+                          <a:spcPts val="0"/>
+                        </a:spcAft>
+                      </a:pPr>
+                      <a:r>
+                        <a:rPr lang="en-US" sz="2300">
+                          <a:effectLst/>
+                        </a:rPr>
+                        <a:t>Total lines of code</a:t>
+                      </a:r>
+                      <a:endParaRPr lang="en-US" sz="2300">
+                        <a:effectLst/>
+                        <a:latin typeface="Calibri" panose="020F0502020204030204" pitchFamily="34" charset="0"/>
+                        <a:ea typeface="Calibri" panose="020F0502020204030204" pitchFamily="34" charset="0"/>
+                        <a:cs typeface="Times New Roman" panose="02020603050405020304" pitchFamily="18" charset="0"/>
+                      </a:endParaRPr>
+                    </a:p>
+                  </a:txBody>
+                  <a:tcPr marL="146320" marR="146320" marT="0" marB="0"/>
+                </a:tc>
+                <a:tc>
+                  <a:txBody>
+                    <a:bodyPr/>
+                    <a:lstStyle/>
+                    <a:p>
+                      <a:pPr marL="0" marR="0" algn="r">
+                        <a:lnSpc>
+                          <a:spcPct val="107000"/>
+                        </a:lnSpc>
+                        <a:spcBef>
+                          <a:spcPts val="0"/>
+                        </a:spcBef>
+                        <a:spcAft>
+                          <a:spcPts val="0"/>
+                        </a:spcAft>
+                      </a:pPr>
+                      <a:r>
+                        <a:rPr lang="en-US" sz="2300">
+                          <a:effectLst/>
+                        </a:rPr>
+                        <a:t>               78,056 </a:t>
+                      </a:r>
+                      <a:endParaRPr lang="en-US" sz="2300">
+                        <a:effectLst/>
+                        <a:latin typeface="Calibri" panose="020F0502020204030204" pitchFamily="34" charset="0"/>
+                        <a:ea typeface="Calibri" panose="020F0502020204030204" pitchFamily="34" charset="0"/>
+                        <a:cs typeface="Times New Roman" panose="02020603050405020304" pitchFamily="18" charset="0"/>
+                      </a:endParaRPr>
+                    </a:p>
+                  </a:txBody>
+                  <a:tcPr marL="146320" marR="146320" marT="0" marB="0"/>
+                </a:tc>
+                <a:tc>
+                  <a:txBody>
+                    <a:bodyPr/>
+                    <a:lstStyle/>
+                    <a:p>
+                      <a:pPr marL="0" marR="0" algn="r">
+                        <a:lnSpc>
+                          <a:spcPct val="107000"/>
+                        </a:lnSpc>
+                        <a:spcBef>
+                          <a:spcPts val="0"/>
+                        </a:spcBef>
+                        <a:spcAft>
+                          <a:spcPts val="0"/>
+                        </a:spcAft>
+                      </a:pPr>
+                      <a:r>
+                        <a:rPr lang="en-US" sz="2300">
+                          <a:effectLst/>
+                        </a:rPr>
+                        <a:t>           312,565 </a:t>
+                      </a:r>
+                      <a:endParaRPr lang="en-US" sz="2300">
+                        <a:effectLst/>
+                        <a:latin typeface="Calibri" panose="020F0502020204030204" pitchFamily="34" charset="0"/>
+                        <a:ea typeface="Calibri" panose="020F0502020204030204" pitchFamily="34" charset="0"/>
+                        <a:cs typeface="Times New Roman" panose="02020603050405020304" pitchFamily="18" charset="0"/>
+                      </a:endParaRPr>
+                    </a:p>
+                  </a:txBody>
+                  <a:tcPr marL="146320" marR="146320" marT="0" marB="0"/>
+                </a:tc>
+                <a:tc>
+                  <a:txBody>
+                    <a:bodyPr/>
+                    <a:lstStyle/>
+                    <a:p>
+                      <a:pPr marL="0" marR="0" algn="r">
+                        <a:lnSpc>
+                          <a:spcPct val="107000"/>
+                        </a:lnSpc>
+                        <a:spcBef>
+                          <a:spcPts val="0"/>
+                        </a:spcBef>
+                        <a:spcAft>
+                          <a:spcPts val="0"/>
+                        </a:spcAft>
+                      </a:pPr>
+                      <a:r>
+                        <a:rPr lang="en-US" sz="2300">
+                          <a:effectLst/>
+                        </a:rPr>
+                        <a:t>   125,470 </a:t>
+                      </a:r>
+                      <a:endParaRPr lang="en-US" sz="2300">
+                        <a:effectLst/>
+                        <a:latin typeface="Calibri" panose="020F0502020204030204" pitchFamily="34" charset="0"/>
+                        <a:ea typeface="Calibri" panose="020F0502020204030204" pitchFamily="34" charset="0"/>
+                        <a:cs typeface="Times New Roman" panose="02020603050405020304" pitchFamily="18" charset="0"/>
+                      </a:endParaRPr>
+                    </a:p>
+                  </a:txBody>
+                  <a:tcPr marL="146320" marR="146320" marT="0" marB="0"/>
+                </a:tc>
+                <a:tc>
+                  <a:txBody>
+                    <a:bodyPr/>
+                    <a:lstStyle/>
+                    <a:p>
+                      <a:pPr marL="0" marR="0" algn="r">
+                        <a:lnSpc>
+                          <a:spcPct val="107000"/>
+                        </a:lnSpc>
+                        <a:spcBef>
+                          <a:spcPts val="0"/>
+                        </a:spcBef>
+                        <a:spcAft>
+                          <a:spcPts val="0"/>
+                        </a:spcAft>
+                      </a:pPr>
+                      <a:r>
+                        <a:rPr lang="en-US" sz="2300">
+                          <a:effectLst/>
+                        </a:rPr>
+                        <a:t>   1,659,957 </a:t>
+                      </a:r>
+                      <a:endParaRPr lang="en-US" sz="2300">
+                        <a:effectLst/>
+                        <a:latin typeface="Calibri" panose="020F0502020204030204" pitchFamily="34" charset="0"/>
+                        <a:ea typeface="Calibri" panose="020F0502020204030204" pitchFamily="34" charset="0"/>
+                        <a:cs typeface="Times New Roman" panose="02020603050405020304" pitchFamily="18" charset="0"/>
+                      </a:endParaRPr>
+                    </a:p>
+                  </a:txBody>
+                  <a:tcPr marL="146320" marR="146320" marT="0" marB="0"/>
+                </a:tc>
+                <a:extLst>
+                  <a:ext uri="{0D108BD9-81ED-4DB2-BD59-A6C34878D82A}">
+                    <a16:rowId xmlns:a16="http://schemas.microsoft.com/office/drawing/2014/main" val="1332841068"/>
+                  </a:ext>
+                </a:extLst>
+              </a:tr>
+              <a:tr h="406444">
+                <a:tc>
+                  <a:txBody>
+                    <a:bodyPr/>
+                    <a:lstStyle/>
+                    <a:p>
+                      <a:pPr marL="0" marR="0">
+                        <a:lnSpc>
+                          <a:spcPct val="107000"/>
+                        </a:lnSpc>
+                        <a:spcBef>
+                          <a:spcPts val="0"/>
+                        </a:spcBef>
+                        <a:spcAft>
+                          <a:spcPts val="0"/>
+                        </a:spcAft>
+                      </a:pPr>
+                      <a:r>
+                        <a:rPr lang="en-US" sz="2300">
+                          <a:effectLst/>
+                        </a:rPr>
+                        <a:t>% Java</a:t>
+                      </a:r>
+                      <a:endParaRPr lang="en-US" sz="2300">
+                        <a:effectLst/>
+                        <a:latin typeface="Calibri" panose="020F0502020204030204" pitchFamily="34" charset="0"/>
+                        <a:ea typeface="Calibri" panose="020F0502020204030204" pitchFamily="34" charset="0"/>
+                        <a:cs typeface="Times New Roman" panose="02020603050405020304" pitchFamily="18" charset="0"/>
+                      </a:endParaRPr>
+                    </a:p>
+                  </a:txBody>
+                  <a:tcPr marL="146320" marR="146320" marT="0" marB="0"/>
+                </a:tc>
+                <a:tc>
+                  <a:txBody>
+                    <a:bodyPr/>
+                    <a:lstStyle/>
+                    <a:p>
+                      <a:pPr marL="0" marR="0" algn="r">
+                        <a:lnSpc>
+                          <a:spcPct val="107000"/>
+                        </a:lnSpc>
+                        <a:spcBef>
+                          <a:spcPts val="0"/>
+                        </a:spcBef>
+                        <a:spcAft>
+                          <a:spcPts val="0"/>
+                        </a:spcAft>
+                      </a:pPr>
+                      <a:r>
+                        <a:rPr lang="en-US" sz="2300">
+                          <a:effectLst/>
+                        </a:rPr>
+                        <a:t>68%</a:t>
+                      </a:r>
+                      <a:endParaRPr lang="en-US" sz="2300">
+                        <a:effectLst/>
+                        <a:latin typeface="Calibri" panose="020F0502020204030204" pitchFamily="34" charset="0"/>
+                        <a:ea typeface="Calibri" panose="020F0502020204030204" pitchFamily="34" charset="0"/>
+                        <a:cs typeface="Times New Roman" panose="02020603050405020304" pitchFamily="18" charset="0"/>
+                      </a:endParaRPr>
+                    </a:p>
+                  </a:txBody>
+                  <a:tcPr marL="146320" marR="146320" marT="0" marB="0"/>
+                </a:tc>
+                <a:tc>
+                  <a:txBody>
+                    <a:bodyPr/>
+                    <a:lstStyle/>
+                    <a:p>
+                      <a:pPr marL="0" marR="0" algn="r">
+                        <a:lnSpc>
+                          <a:spcPct val="107000"/>
+                        </a:lnSpc>
+                        <a:spcBef>
+                          <a:spcPts val="0"/>
+                        </a:spcBef>
+                        <a:spcAft>
+                          <a:spcPts val="0"/>
+                        </a:spcAft>
+                      </a:pPr>
+                      <a:r>
+                        <a:rPr lang="en-US" sz="2300">
+                          <a:effectLst/>
+                        </a:rPr>
+                        <a:t>3%</a:t>
+                      </a:r>
+                      <a:endParaRPr lang="en-US" sz="2300">
+                        <a:effectLst/>
+                        <a:latin typeface="Calibri" panose="020F0502020204030204" pitchFamily="34" charset="0"/>
+                        <a:ea typeface="Calibri" panose="020F0502020204030204" pitchFamily="34" charset="0"/>
+                        <a:cs typeface="Times New Roman" panose="02020603050405020304" pitchFamily="18" charset="0"/>
+                      </a:endParaRPr>
+                    </a:p>
+                  </a:txBody>
+                  <a:tcPr marL="146320" marR="146320" marT="0" marB="0"/>
+                </a:tc>
+                <a:tc>
+                  <a:txBody>
+                    <a:bodyPr/>
+                    <a:lstStyle/>
+                    <a:p>
+                      <a:pPr marL="0" marR="0" algn="r">
+                        <a:lnSpc>
+                          <a:spcPct val="107000"/>
+                        </a:lnSpc>
+                        <a:spcBef>
+                          <a:spcPts val="0"/>
+                        </a:spcBef>
+                        <a:spcAft>
+                          <a:spcPts val="0"/>
+                        </a:spcAft>
+                      </a:pPr>
+                      <a:r>
+                        <a:rPr lang="en-US" sz="2300">
+                          <a:effectLst/>
+                        </a:rPr>
+                        <a:t>9%</a:t>
+                      </a:r>
+                      <a:endParaRPr lang="en-US" sz="2300">
+                        <a:effectLst/>
+                        <a:latin typeface="Calibri" panose="020F0502020204030204" pitchFamily="34" charset="0"/>
+                        <a:ea typeface="Calibri" panose="020F0502020204030204" pitchFamily="34" charset="0"/>
+                        <a:cs typeface="Times New Roman" panose="02020603050405020304" pitchFamily="18" charset="0"/>
+                      </a:endParaRPr>
+                    </a:p>
+                  </a:txBody>
+                  <a:tcPr marL="146320" marR="146320" marT="0" marB="0"/>
+                </a:tc>
+                <a:tc>
+                  <a:txBody>
+                    <a:bodyPr/>
+                    <a:lstStyle/>
+                    <a:p>
+                      <a:pPr marL="0" marR="0" algn="r">
+                        <a:lnSpc>
+                          <a:spcPct val="107000"/>
+                        </a:lnSpc>
+                        <a:spcBef>
+                          <a:spcPts val="0"/>
+                        </a:spcBef>
+                        <a:spcAft>
+                          <a:spcPts val="0"/>
+                        </a:spcAft>
+                      </a:pPr>
+                      <a:r>
+                        <a:rPr lang="en-US" sz="2300">
+                          <a:effectLst/>
+                        </a:rPr>
+                        <a:t>32%</a:t>
+                      </a:r>
+                      <a:endParaRPr lang="en-US" sz="2300">
+                        <a:effectLst/>
+                        <a:latin typeface="Calibri" panose="020F0502020204030204" pitchFamily="34" charset="0"/>
+                        <a:ea typeface="Calibri" panose="020F0502020204030204" pitchFamily="34" charset="0"/>
+                        <a:cs typeface="Times New Roman" panose="02020603050405020304" pitchFamily="18" charset="0"/>
+                      </a:endParaRPr>
+                    </a:p>
+                  </a:txBody>
+                  <a:tcPr marL="146320" marR="146320" marT="0" marB="0"/>
+                </a:tc>
+                <a:extLst>
+                  <a:ext uri="{0D108BD9-81ED-4DB2-BD59-A6C34878D82A}">
+                    <a16:rowId xmlns:a16="http://schemas.microsoft.com/office/drawing/2014/main" val="3621967571"/>
+                  </a:ext>
+                </a:extLst>
+              </a:tr>
+              <a:tr h="406444">
+                <a:tc>
+                  <a:txBody>
+                    <a:bodyPr/>
+                    <a:lstStyle/>
+                    <a:p>
+                      <a:pPr marL="0" marR="0">
+                        <a:lnSpc>
+                          <a:spcPct val="107000"/>
+                        </a:lnSpc>
+                        <a:spcBef>
+                          <a:spcPts val="0"/>
+                        </a:spcBef>
+                        <a:spcAft>
+                          <a:spcPts val="0"/>
+                        </a:spcAft>
+                      </a:pPr>
+                      <a:r>
+                        <a:rPr lang="en-US" sz="2300">
+                          <a:effectLst/>
+                        </a:rPr>
+                        <a:t>Build time (seconds)</a:t>
+                      </a:r>
+                      <a:endParaRPr lang="en-US" sz="2300">
+                        <a:effectLst/>
+                        <a:latin typeface="Calibri" panose="020F0502020204030204" pitchFamily="34" charset="0"/>
+                        <a:ea typeface="Calibri" panose="020F0502020204030204" pitchFamily="34" charset="0"/>
+                        <a:cs typeface="Times New Roman" panose="02020603050405020304" pitchFamily="18" charset="0"/>
+                      </a:endParaRPr>
+                    </a:p>
+                  </a:txBody>
+                  <a:tcPr marL="146320" marR="146320" marT="0" marB="0"/>
+                </a:tc>
+                <a:tc>
+                  <a:txBody>
+                    <a:bodyPr/>
+                    <a:lstStyle/>
+                    <a:p>
+                      <a:pPr marL="0" marR="0" algn="r">
+                        <a:lnSpc>
+                          <a:spcPct val="107000"/>
+                        </a:lnSpc>
+                        <a:spcBef>
+                          <a:spcPts val="0"/>
+                        </a:spcBef>
+                        <a:spcAft>
+                          <a:spcPts val="0"/>
+                        </a:spcAft>
+                      </a:pPr>
+                      <a:r>
+                        <a:rPr lang="en-US" sz="2300">
+                          <a:effectLst/>
+                        </a:rPr>
+                        <a:t>20</a:t>
+                      </a:r>
+                      <a:endParaRPr lang="en-US" sz="2300">
+                        <a:effectLst/>
+                        <a:latin typeface="Calibri" panose="020F0502020204030204" pitchFamily="34" charset="0"/>
+                        <a:ea typeface="Calibri" panose="020F0502020204030204" pitchFamily="34" charset="0"/>
+                        <a:cs typeface="Times New Roman" panose="02020603050405020304" pitchFamily="18" charset="0"/>
+                      </a:endParaRPr>
+                    </a:p>
+                  </a:txBody>
+                  <a:tcPr marL="146320" marR="146320" marT="0" marB="0"/>
+                </a:tc>
+                <a:tc>
+                  <a:txBody>
+                    <a:bodyPr/>
+                    <a:lstStyle/>
+                    <a:p>
+                      <a:pPr marL="0" marR="0" algn="r">
+                        <a:lnSpc>
+                          <a:spcPct val="107000"/>
+                        </a:lnSpc>
+                        <a:spcBef>
+                          <a:spcPts val="0"/>
+                        </a:spcBef>
+                        <a:spcAft>
+                          <a:spcPts val="0"/>
+                        </a:spcAft>
+                      </a:pPr>
+                      <a:r>
+                        <a:rPr lang="en-US" sz="2300">
+                          <a:effectLst/>
+                        </a:rPr>
+                        <a:t>46</a:t>
+                      </a:r>
+                      <a:endParaRPr lang="en-US" sz="2300">
+                        <a:effectLst/>
+                        <a:latin typeface="Calibri" panose="020F0502020204030204" pitchFamily="34" charset="0"/>
+                        <a:ea typeface="Calibri" panose="020F0502020204030204" pitchFamily="34" charset="0"/>
+                        <a:cs typeface="Times New Roman" panose="02020603050405020304" pitchFamily="18" charset="0"/>
+                      </a:endParaRPr>
+                    </a:p>
+                  </a:txBody>
+                  <a:tcPr marL="146320" marR="146320" marT="0" marB="0"/>
+                </a:tc>
+                <a:tc>
+                  <a:txBody>
+                    <a:bodyPr/>
+                    <a:lstStyle/>
+                    <a:p>
+                      <a:pPr marL="0" marR="0" algn="r">
+                        <a:lnSpc>
+                          <a:spcPct val="107000"/>
+                        </a:lnSpc>
+                        <a:spcBef>
+                          <a:spcPts val="0"/>
+                        </a:spcBef>
+                        <a:spcAft>
+                          <a:spcPts val="0"/>
+                        </a:spcAft>
+                      </a:pPr>
+                      <a:r>
+                        <a:rPr lang="en-US" sz="2300">
+                          <a:effectLst/>
+                        </a:rPr>
+                        <a:t>137</a:t>
+                      </a:r>
+                      <a:endParaRPr lang="en-US" sz="2300">
+                        <a:effectLst/>
+                        <a:latin typeface="Calibri" panose="020F0502020204030204" pitchFamily="34" charset="0"/>
+                        <a:ea typeface="Calibri" panose="020F0502020204030204" pitchFamily="34" charset="0"/>
+                        <a:cs typeface="Times New Roman" panose="02020603050405020304" pitchFamily="18" charset="0"/>
+                      </a:endParaRPr>
+                    </a:p>
+                  </a:txBody>
+                  <a:tcPr marL="146320" marR="146320" marT="0" marB="0"/>
+                </a:tc>
+                <a:tc>
+                  <a:txBody>
+                    <a:bodyPr/>
+                    <a:lstStyle/>
+                    <a:p>
+                      <a:pPr marL="0" marR="0" algn="r">
+                        <a:lnSpc>
+                          <a:spcPct val="107000"/>
+                        </a:lnSpc>
+                        <a:spcBef>
+                          <a:spcPts val="0"/>
+                        </a:spcBef>
+                        <a:spcAft>
+                          <a:spcPts val="0"/>
+                        </a:spcAft>
+                      </a:pPr>
+                      <a:r>
+                        <a:rPr lang="en-US" sz="2300">
+                          <a:effectLst/>
+                        </a:rPr>
+                        <a:t>423</a:t>
+                      </a:r>
+                      <a:endParaRPr lang="en-US" sz="2300">
+                        <a:effectLst/>
+                        <a:latin typeface="Calibri" panose="020F0502020204030204" pitchFamily="34" charset="0"/>
+                        <a:ea typeface="Calibri" panose="020F0502020204030204" pitchFamily="34" charset="0"/>
+                        <a:cs typeface="Times New Roman" panose="02020603050405020304" pitchFamily="18" charset="0"/>
+                      </a:endParaRPr>
+                    </a:p>
+                  </a:txBody>
+                  <a:tcPr marL="146320" marR="146320" marT="0" marB="0"/>
+                </a:tc>
+                <a:extLst>
+                  <a:ext uri="{0D108BD9-81ED-4DB2-BD59-A6C34878D82A}">
+                    <a16:rowId xmlns:a16="http://schemas.microsoft.com/office/drawing/2014/main" val="2290225183"/>
+                  </a:ext>
+                </a:extLst>
+              </a:tr>
+              <a:tr h="748537">
+                <a:tc>
+                  <a:txBody>
+                    <a:bodyPr/>
+                    <a:lstStyle/>
+                    <a:p>
+                      <a:pPr marL="0" marR="0">
+                        <a:lnSpc>
+                          <a:spcPct val="107000"/>
+                        </a:lnSpc>
+                        <a:spcBef>
+                          <a:spcPts val="0"/>
+                        </a:spcBef>
+                        <a:spcAft>
+                          <a:spcPts val="0"/>
+                        </a:spcAft>
+                      </a:pPr>
+                      <a:r>
+                        <a:rPr lang="en-US" sz="2300">
+                          <a:effectLst/>
+                        </a:rPr>
+                        <a:t>Infer build time (seconds)</a:t>
+                      </a:r>
+                      <a:endParaRPr lang="en-US" sz="2300">
+                        <a:effectLst/>
+                        <a:latin typeface="Calibri" panose="020F0502020204030204" pitchFamily="34" charset="0"/>
+                        <a:ea typeface="Calibri" panose="020F0502020204030204" pitchFamily="34" charset="0"/>
+                        <a:cs typeface="Times New Roman" panose="02020603050405020304" pitchFamily="18" charset="0"/>
+                      </a:endParaRPr>
+                    </a:p>
+                  </a:txBody>
+                  <a:tcPr marL="146320" marR="146320" marT="0" marB="0"/>
+                </a:tc>
+                <a:tc>
+                  <a:txBody>
+                    <a:bodyPr/>
+                    <a:lstStyle/>
+                    <a:p>
+                      <a:pPr marL="0" marR="0" algn="r">
+                        <a:lnSpc>
+                          <a:spcPct val="107000"/>
+                        </a:lnSpc>
+                        <a:spcBef>
+                          <a:spcPts val="0"/>
+                        </a:spcBef>
+                        <a:spcAft>
+                          <a:spcPts val="0"/>
+                        </a:spcAft>
+                      </a:pPr>
+                      <a:r>
+                        <a:rPr lang="en-US" sz="2300">
+                          <a:effectLst/>
+                        </a:rPr>
+                        <a:t>44</a:t>
+                      </a:r>
+                      <a:endParaRPr lang="en-US" sz="2300">
+                        <a:effectLst/>
+                        <a:latin typeface="Calibri" panose="020F0502020204030204" pitchFamily="34" charset="0"/>
+                        <a:ea typeface="Calibri" panose="020F0502020204030204" pitchFamily="34" charset="0"/>
+                        <a:cs typeface="Times New Roman" panose="02020603050405020304" pitchFamily="18" charset="0"/>
+                      </a:endParaRPr>
+                    </a:p>
+                  </a:txBody>
+                  <a:tcPr marL="146320" marR="146320" marT="0" marB="0"/>
+                </a:tc>
+                <a:tc>
+                  <a:txBody>
+                    <a:bodyPr/>
+                    <a:lstStyle/>
+                    <a:p>
+                      <a:pPr marL="0" marR="0" algn="r">
+                        <a:lnSpc>
+                          <a:spcPct val="107000"/>
+                        </a:lnSpc>
+                        <a:spcBef>
+                          <a:spcPts val="0"/>
+                        </a:spcBef>
+                        <a:spcAft>
+                          <a:spcPts val="0"/>
+                        </a:spcAft>
+                      </a:pPr>
+                      <a:r>
+                        <a:rPr lang="en-US" sz="2300">
+                          <a:effectLst/>
+                        </a:rPr>
+                        <a:t>84</a:t>
+                      </a:r>
+                      <a:endParaRPr lang="en-US" sz="2300">
+                        <a:effectLst/>
+                        <a:latin typeface="Calibri" panose="020F0502020204030204" pitchFamily="34" charset="0"/>
+                        <a:ea typeface="Calibri" panose="020F0502020204030204" pitchFamily="34" charset="0"/>
+                        <a:cs typeface="Times New Roman" panose="02020603050405020304" pitchFamily="18" charset="0"/>
+                      </a:endParaRPr>
+                    </a:p>
+                  </a:txBody>
+                  <a:tcPr marL="146320" marR="146320" marT="0" marB="0"/>
+                </a:tc>
+                <a:tc>
+                  <a:txBody>
+                    <a:bodyPr/>
+                    <a:lstStyle/>
+                    <a:p>
+                      <a:pPr marL="0" marR="0" algn="r">
+                        <a:lnSpc>
+                          <a:spcPct val="107000"/>
+                        </a:lnSpc>
+                        <a:spcBef>
+                          <a:spcPts val="0"/>
+                        </a:spcBef>
+                        <a:spcAft>
+                          <a:spcPts val="0"/>
+                        </a:spcAft>
+                      </a:pPr>
+                      <a:r>
+                        <a:rPr lang="en-US" sz="2300">
+                          <a:effectLst/>
+                        </a:rPr>
+                        <a:t>139</a:t>
+                      </a:r>
+                      <a:endParaRPr lang="en-US" sz="2300">
+                        <a:effectLst/>
+                        <a:latin typeface="Calibri" panose="020F0502020204030204" pitchFamily="34" charset="0"/>
+                        <a:ea typeface="Calibri" panose="020F0502020204030204" pitchFamily="34" charset="0"/>
+                        <a:cs typeface="Times New Roman" panose="02020603050405020304" pitchFamily="18" charset="0"/>
+                      </a:endParaRPr>
+                    </a:p>
+                  </a:txBody>
+                  <a:tcPr marL="146320" marR="146320" marT="0" marB="0"/>
+                </a:tc>
+                <a:tc>
+                  <a:txBody>
+                    <a:bodyPr/>
+                    <a:lstStyle/>
+                    <a:p>
+                      <a:pPr marL="0" marR="0" algn="r">
+                        <a:lnSpc>
+                          <a:spcPct val="107000"/>
+                        </a:lnSpc>
+                        <a:spcBef>
+                          <a:spcPts val="0"/>
+                        </a:spcBef>
+                        <a:spcAft>
+                          <a:spcPts val="0"/>
+                        </a:spcAft>
+                      </a:pPr>
+                      <a:r>
+                        <a:rPr lang="en-US" sz="2300">
+                          <a:effectLst/>
+                        </a:rPr>
+                        <a:t>Error</a:t>
+                      </a:r>
+                      <a:endParaRPr lang="en-US" sz="2300">
+                        <a:effectLst/>
+                        <a:latin typeface="Calibri" panose="020F0502020204030204" pitchFamily="34" charset="0"/>
+                        <a:ea typeface="Calibri" panose="020F0502020204030204" pitchFamily="34" charset="0"/>
+                        <a:cs typeface="Times New Roman" panose="02020603050405020304" pitchFamily="18" charset="0"/>
+                      </a:endParaRPr>
+                    </a:p>
+                  </a:txBody>
+                  <a:tcPr marL="146320" marR="146320" marT="0" marB="0"/>
+                </a:tc>
+                <a:extLst>
+                  <a:ext uri="{0D108BD9-81ED-4DB2-BD59-A6C34878D82A}">
+                    <a16:rowId xmlns:a16="http://schemas.microsoft.com/office/drawing/2014/main" val="314765365"/>
+                  </a:ext>
+                </a:extLst>
+              </a:tr>
+              <a:tr h="406444">
+                <a:tc>
+                  <a:txBody>
+                    <a:bodyPr/>
+                    <a:lstStyle/>
+                    <a:p>
+                      <a:pPr marL="0" marR="0">
+                        <a:lnSpc>
+                          <a:spcPct val="107000"/>
+                        </a:lnSpc>
+                        <a:spcBef>
+                          <a:spcPts val="0"/>
+                        </a:spcBef>
+                        <a:spcAft>
+                          <a:spcPts val="0"/>
+                        </a:spcAft>
+                      </a:pPr>
+                      <a:r>
+                        <a:rPr lang="en-US" sz="2300">
+                          <a:effectLst/>
+                        </a:rPr>
+                        <a:t>Overhead (%)</a:t>
+                      </a:r>
+                      <a:endParaRPr lang="en-US" sz="2300">
+                        <a:effectLst/>
+                        <a:latin typeface="Calibri" panose="020F0502020204030204" pitchFamily="34" charset="0"/>
+                        <a:ea typeface="Calibri" panose="020F0502020204030204" pitchFamily="34" charset="0"/>
+                        <a:cs typeface="Times New Roman" panose="02020603050405020304" pitchFamily="18" charset="0"/>
+                      </a:endParaRPr>
+                    </a:p>
+                  </a:txBody>
+                  <a:tcPr marL="146320" marR="146320" marT="0" marB="0"/>
+                </a:tc>
+                <a:tc>
+                  <a:txBody>
+                    <a:bodyPr/>
+                    <a:lstStyle/>
+                    <a:p>
+                      <a:pPr marL="0" marR="0" algn="r">
+                        <a:lnSpc>
+                          <a:spcPct val="107000"/>
+                        </a:lnSpc>
+                        <a:spcBef>
+                          <a:spcPts val="0"/>
+                        </a:spcBef>
+                        <a:spcAft>
+                          <a:spcPts val="0"/>
+                        </a:spcAft>
+                      </a:pPr>
+                      <a:r>
+                        <a:rPr lang="en-US" sz="2300">
+                          <a:effectLst/>
+                        </a:rPr>
+                        <a:t>120%</a:t>
+                      </a:r>
+                      <a:endParaRPr lang="en-US" sz="2300">
+                        <a:effectLst/>
+                        <a:latin typeface="Calibri" panose="020F0502020204030204" pitchFamily="34" charset="0"/>
+                        <a:ea typeface="Calibri" panose="020F0502020204030204" pitchFamily="34" charset="0"/>
+                        <a:cs typeface="Times New Roman" panose="02020603050405020304" pitchFamily="18" charset="0"/>
+                      </a:endParaRPr>
+                    </a:p>
+                  </a:txBody>
+                  <a:tcPr marL="146320" marR="146320" marT="0" marB="0"/>
+                </a:tc>
+                <a:tc>
+                  <a:txBody>
+                    <a:bodyPr/>
+                    <a:lstStyle/>
+                    <a:p>
+                      <a:pPr marL="0" marR="0" algn="r">
+                        <a:lnSpc>
+                          <a:spcPct val="107000"/>
+                        </a:lnSpc>
+                        <a:spcBef>
+                          <a:spcPts val="0"/>
+                        </a:spcBef>
+                        <a:spcAft>
+                          <a:spcPts val="0"/>
+                        </a:spcAft>
+                      </a:pPr>
+                      <a:r>
+                        <a:rPr lang="en-US" sz="2300">
+                          <a:effectLst/>
+                        </a:rPr>
+                        <a:t>83%</a:t>
+                      </a:r>
+                      <a:endParaRPr lang="en-US" sz="2300">
+                        <a:effectLst/>
+                        <a:latin typeface="Calibri" panose="020F0502020204030204" pitchFamily="34" charset="0"/>
+                        <a:ea typeface="Calibri" panose="020F0502020204030204" pitchFamily="34" charset="0"/>
+                        <a:cs typeface="Times New Roman" panose="02020603050405020304" pitchFamily="18" charset="0"/>
+                      </a:endParaRPr>
+                    </a:p>
+                  </a:txBody>
+                  <a:tcPr marL="146320" marR="146320" marT="0" marB="0"/>
+                </a:tc>
+                <a:tc>
+                  <a:txBody>
+                    <a:bodyPr/>
+                    <a:lstStyle/>
+                    <a:p>
+                      <a:pPr marL="0" marR="0" algn="r">
+                        <a:lnSpc>
+                          <a:spcPct val="107000"/>
+                        </a:lnSpc>
+                        <a:spcBef>
+                          <a:spcPts val="0"/>
+                        </a:spcBef>
+                        <a:spcAft>
+                          <a:spcPts val="0"/>
+                        </a:spcAft>
+                      </a:pPr>
+                      <a:r>
+                        <a:rPr lang="en-US" sz="2300">
+                          <a:effectLst/>
+                        </a:rPr>
+                        <a:t>1%</a:t>
+                      </a:r>
+                      <a:endParaRPr lang="en-US" sz="2300">
+                        <a:effectLst/>
+                        <a:latin typeface="Calibri" panose="020F0502020204030204" pitchFamily="34" charset="0"/>
+                        <a:ea typeface="Calibri" panose="020F0502020204030204" pitchFamily="34" charset="0"/>
+                        <a:cs typeface="Times New Roman" panose="02020603050405020304" pitchFamily="18" charset="0"/>
+                      </a:endParaRPr>
+                    </a:p>
+                  </a:txBody>
+                  <a:tcPr marL="146320" marR="146320" marT="0" marB="0"/>
+                </a:tc>
+                <a:tc>
+                  <a:txBody>
+                    <a:bodyPr/>
+                    <a:lstStyle/>
+                    <a:p>
+                      <a:pPr marL="0" marR="0" algn="r">
+                        <a:lnSpc>
+                          <a:spcPct val="107000"/>
+                        </a:lnSpc>
+                        <a:spcBef>
+                          <a:spcPts val="0"/>
+                        </a:spcBef>
+                        <a:spcAft>
+                          <a:spcPts val="0"/>
+                        </a:spcAft>
+                      </a:pPr>
+                      <a:r>
+                        <a:rPr lang="en-US" sz="2300">
+                          <a:effectLst/>
+                        </a:rPr>
+                        <a:t>Error</a:t>
+                      </a:r>
+                      <a:endParaRPr lang="en-US" sz="2300">
+                        <a:effectLst/>
+                        <a:latin typeface="Calibri" panose="020F0502020204030204" pitchFamily="34" charset="0"/>
+                        <a:ea typeface="Calibri" panose="020F0502020204030204" pitchFamily="34" charset="0"/>
+                        <a:cs typeface="Times New Roman" panose="02020603050405020304" pitchFamily="18" charset="0"/>
+                      </a:endParaRPr>
+                    </a:p>
+                  </a:txBody>
+                  <a:tcPr marL="146320" marR="146320" marT="0" marB="0"/>
+                </a:tc>
+                <a:extLst>
+                  <a:ext uri="{0D108BD9-81ED-4DB2-BD59-A6C34878D82A}">
+                    <a16:rowId xmlns:a16="http://schemas.microsoft.com/office/drawing/2014/main" val="1273459296"/>
+                  </a:ext>
+                </a:extLst>
+              </a:tr>
+              <a:tr h="406444">
+                <a:tc>
+                  <a:txBody>
+                    <a:bodyPr/>
+                    <a:lstStyle/>
+                    <a:p>
+                      <a:pPr marL="0" marR="0">
+                        <a:lnSpc>
+                          <a:spcPct val="107000"/>
+                        </a:lnSpc>
+                        <a:spcBef>
+                          <a:spcPts val="0"/>
+                        </a:spcBef>
+                        <a:spcAft>
+                          <a:spcPts val="0"/>
+                        </a:spcAft>
+                      </a:pPr>
+                      <a:r>
+                        <a:rPr lang="en-US" sz="2300">
+                          <a:effectLst/>
+                        </a:rPr>
+                        <a:t>Reported Bugs</a:t>
+                      </a:r>
+                      <a:endParaRPr lang="en-US" sz="2300">
+                        <a:effectLst/>
+                        <a:latin typeface="Calibri" panose="020F0502020204030204" pitchFamily="34" charset="0"/>
+                        <a:ea typeface="Calibri" panose="020F0502020204030204" pitchFamily="34" charset="0"/>
+                        <a:cs typeface="Times New Roman" panose="02020603050405020304" pitchFamily="18" charset="0"/>
+                      </a:endParaRPr>
+                    </a:p>
+                  </a:txBody>
+                  <a:tcPr marL="146320" marR="146320" marT="0" marB="0"/>
+                </a:tc>
+                <a:tc>
+                  <a:txBody>
+                    <a:bodyPr/>
+                    <a:lstStyle/>
+                    <a:p>
+                      <a:pPr marL="0" marR="0" algn="r">
+                        <a:lnSpc>
+                          <a:spcPct val="107000"/>
+                        </a:lnSpc>
+                        <a:spcBef>
+                          <a:spcPts val="0"/>
+                        </a:spcBef>
+                        <a:spcAft>
+                          <a:spcPts val="0"/>
+                        </a:spcAft>
+                      </a:pPr>
+                      <a:r>
+                        <a:rPr lang="en-US" sz="2300">
+                          <a:effectLst/>
+                        </a:rPr>
+                        <a:t>239</a:t>
+                      </a:r>
+                      <a:endParaRPr lang="en-US" sz="2300">
+                        <a:effectLst/>
+                        <a:latin typeface="Calibri" panose="020F0502020204030204" pitchFamily="34" charset="0"/>
+                        <a:ea typeface="Calibri" panose="020F0502020204030204" pitchFamily="34" charset="0"/>
+                        <a:cs typeface="Times New Roman" panose="02020603050405020304" pitchFamily="18" charset="0"/>
+                      </a:endParaRPr>
+                    </a:p>
+                  </a:txBody>
+                  <a:tcPr marL="146320" marR="146320" marT="0" marB="0"/>
+                </a:tc>
+                <a:tc>
+                  <a:txBody>
+                    <a:bodyPr/>
+                    <a:lstStyle/>
+                    <a:p>
+                      <a:pPr marL="0" marR="0" algn="r">
+                        <a:lnSpc>
+                          <a:spcPct val="107000"/>
+                        </a:lnSpc>
+                        <a:spcBef>
+                          <a:spcPts val="0"/>
+                        </a:spcBef>
+                        <a:spcAft>
+                          <a:spcPts val="0"/>
+                        </a:spcAft>
+                      </a:pPr>
+                      <a:r>
+                        <a:rPr lang="en-US" sz="2300">
+                          <a:effectLst/>
+                        </a:rPr>
+                        <a:t>0</a:t>
+                      </a:r>
+                      <a:endParaRPr lang="en-US" sz="2300">
+                        <a:effectLst/>
+                        <a:latin typeface="Calibri" panose="020F0502020204030204" pitchFamily="34" charset="0"/>
+                        <a:ea typeface="Calibri" panose="020F0502020204030204" pitchFamily="34" charset="0"/>
+                        <a:cs typeface="Times New Roman" panose="02020603050405020304" pitchFamily="18" charset="0"/>
+                      </a:endParaRPr>
+                    </a:p>
+                  </a:txBody>
+                  <a:tcPr marL="146320" marR="146320" marT="0" marB="0"/>
+                </a:tc>
+                <a:tc>
+                  <a:txBody>
+                    <a:bodyPr/>
+                    <a:lstStyle/>
+                    <a:p>
+                      <a:pPr marL="0" marR="0" algn="r">
+                        <a:lnSpc>
+                          <a:spcPct val="107000"/>
+                        </a:lnSpc>
+                        <a:spcBef>
+                          <a:spcPts val="0"/>
+                        </a:spcBef>
+                        <a:spcAft>
+                          <a:spcPts val="0"/>
+                        </a:spcAft>
+                      </a:pPr>
+                      <a:r>
+                        <a:rPr lang="en-US" sz="2300">
+                          <a:effectLst/>
+                        </a:rPr>
+                        <a:t>670</a:t>
+                      </a:r>
+                      <a:endParaRPr lang="en-US" sz="2300">
+                        <a:effectLst/>
+                        <a:latin typeface="Calibri" panose="020F0502020204030204" pitchFamily="34" charset="0"/>
+                        <a:ea typeface="Calibri" panose="020F0502020204030204" pitchFamily="34" charset="0"/>
+                        <a:cs typeface="Times New Roman" panose="02020603050405020304" pitchFamily="18" charset="0"/>
+                      </a:endParaRPr>
+                    </a:p>
+                  </a:txBody>
+                  <a:tcPr marL="146320" marR="146320" marT="0" marB="0"/>
+                </a:tc>
+                <a:tc>
+                  <a:txBody>
+                    <a:bodyPr/>
+                    <a:lstStyle/>
+                    <a:p>
+                      <a:pPr marL="0" marR="0" algn="r">
+                        <a:lnSpc>
+                          <a:spcPct val="107000"/>
+                        </a:lnSpc>
+                        <a:spcBef>
+                          <a:spcPts val="0"/>
+                        </a:spcBef>
+                        <a:spcAft>
+                          <a:spcPts val="0"/>
+                        </a:spcAft>
+                      </a:pPr>
+                      <a:r>
+                        <a:rPr lang="en-US" sz="2300" dirty="0">
+                          <a:effectLst/>
+                        </a:rPr>
+                        <a:t>Error</a:t>
+                      </a:r>
+                      <a:endParaRPr lang="en-US" sz="2300" dirty="0">
+                        <a:effectLst/>
+                        <a:latin typeface="Calibri" panose="020F0502020204030204" pitchFamily="34" charset="0"/>
+                        <a:ea typeface="Calibri" panose="020F0502020204030204" pitchFamily="34" charset="0"/>
+                        <a:cs typeface="Times New Roman" panose="02020603050405020304" pitchFamily="18" charset="0"/>
+                      </a:endParaRPr>
+                    </a:p>
+                  </a:txBody>
+                  <a:tcPr marL="146320" marR="146320" marT="0" marB="0"/>
+                </a:tc>
+                <a:extLst>
+                  <a:ext uri="{0D108BD9-81ED-4DB2-BD59-A6C34878D82A}">
+                    <a16:rowId xmlns:a16="http://schemas.microsoft.com/office/drawing/2014/main" val="2925360483"/>
+                  </a:ext>
+                </a:extLst>
+              </a:tr>
+            </a:tbl>
+          </a:graphicData>
+        </a:graphic>
+      </p:graphicFrame>
+      <p:sp>
+        <p:nvSpPr>
+          <p:cNvPr id="4" name="Slide Number Placeholder 3">
+            <a:extLst>
+              <a:ext uri="{FF2B5EF4-FFF2-40B4-BE49-F238E27FC236}">
+                <a16:creationId xmlns:a16="http://schemas.microsoft.com/office/drawing/2014/main" id="{C607863C-B7DD-4551-8754-418D945FB5FC}"/>
+              </a:ext>
+            </a:extLst>
+          </p:cNvPr>
+          <p:cNvSpPr>
+            <a:spLocks noGrp="1"/>
+          </p:cNvSpPr>
+          <p:nvPr>
+            <p:ph type="sldNum" sz="quarter" idx="12"/>
+          </p:nvPr>
+        </p:nvSpPr>
+        <p:spPr/>
+        <p:txBody>
+          <a:bodyPr/>
+          <a:lstStyle/>
+          <a:p>
+            <a:fld id="{7C005ACB-AC83-46B2-A3CC-8E2535F9650E}" type="slidenum">
+              <a:rPr lang="en-US" smtClean="0"/>
+              <a:pPr/>
+              <a:t>4</a:t>
+            </a:fld>
+            <a:endParaRPr lang="en-US"/>
+          </a:p>
+        </p:txBody>
+      </p:sp>
+    </p:spTree>
+    <p:extLst>
+      <p:ext uri="{BB962C8B-B14F-4D97-AF65-F5344CB8AC3E}">
+        <p14:creationId xmlns:p14="http://schemas.microsoft.com/office/powerpoint/2010/main" val="1085749483"/>
+      </p:ext>
+    </p:extLst>
+  </p:cSld>
+  <p:clrMapOvr>
+    <a:masterClrMapping/>
+  </p:clrMapOvr>
+</p:sld>
+</file>
+
+<file path=ppt/slides/slide5.xml><?xml version="1.0" encoding="utf-8"?>
+<p:sld xmlns:a="http://schemas.openxmlformats.org/drawingml/2006/main" xmlns:r="http://schemas.openxmlformats.org/officeDocument/2006/relationships" xmlns:p="http://schemas.openxmlformats.org/presentationml/2006/main">
+  <p:cSld>
+    <p:spTree>
+      <p:nvGrpSpPr>
+        <p:cNvPr id="1" name=""/>
+        <p:cNvGrpSpPr/>
+        <p:nvPr/>
+      </p:nvGrpSpPr>
+      <p:grpSpPr>
+        <a:xfrm>
+          <a:off x="0" y="0"/>
+          <a:ext cx="0" cy="0"/>
+          <a:chOff x="0" y="0"/>
+          <a:chExt cx="0" cy="0"/>
+        </a:xfrm>
+      </p:grpSpPr>
+      <p:sp>
+        <p:nvSpPr>
+          <p:cNvPr id="2" name="Title 1">
+            <a:extLst>
+              <a:ext uri="{FF2B5EF4-FFF2-40B4-BE49-F238E27FC236}">
+                <a16:creationId xmlns:a16="http://schemas.microsoft.com/office/drawing/2014/main" id="{2482EF48-4DA0-4D17-B13B-4313C1EF7B61}"/>
+              </a:ext>
+            </a:extLst>
+          </p:cNvPr>
+          <p:cNvSpPr>
+            <a:spLocks noGrp="1"/>
+          </p:cNvSpPr>
+          <p:nvPr>
+            <p:ph type="title"/>
+          </p:nvPr>
+        </p:nvSpPr>
+        <p:spPr/>
+        <p:txBody>
+          <a:bodyPr/>
+          <a:lstStyle/>
+          <a:p>
+            <a:r>
+              <a:rPr lang="en-US" dirty="0"/>
+              <a:t>Results: Companion Materials</a:t>
+            </a:r>
+          </a:p>
+        </p:txBody>
+      </p:sp>
+      <p:sp>
+        <p:nvSpPr>
+          <p:cNvPr id="4" name="Slide Number Placeholder 3">
+            <a:extLst>
+              <a:ext uri="{FF2B5EF4-FFF2-40B4-BE49-F238E27FC236}">
+                <a16:creationId xmlns:a16="http://schemas.microsoft.com/office/drawing/2014/main" id="{C607863C-B7DD-4551-8754-418D945FB5FC}"/>
+              </a:ext>
+            </a:extLst>
+          </p:cNvPr>
+          <p:cNvSpPr>
+            <a:spLocks noGrp="1"/>
+          </p:cNvSpPr>
+          <p:nvPr>
+            <p:ph type="sldNum" sz="quarter" idx="12"/>
+          </p:nvPr>
+        </p:nvSpPr>
+        <p:spPr/>
+        <p:txBody>
+          <a:bodyPr/>
+          <a:lstStyle/>
+          <a:p>
+            <a:fld id="{7C005ACB-AC83-46B2-A3CC-8E2535F9650E}" type="slidenum">
+              <a:rPr lang="en-US" smtClean="0"/>
+              <a:pPr/>
+              <a:t>5</a:t>
+            </a:fld>
+            <a:endParaRPr lang="en-US"/>
+          </a:p>
+        </p:txBody>
+      </p:sp>
+      <p:graphicFrame>
+        <p:nvGraphicFramePr>
+          <p:cNvPr id="8" name="Content Placeholder 7">
+            <a:extLst>
+              <a:ext uri="{FF2B5EF4-FFF2-40B4-BE49-F238E27FC236}">
+                <a16:creationId xmlns:a16="http://schemas.microsoft.com/office/drawing/2014/main" id="{D8B90E8F-E332-4412-8961-97958AE357DF}"/>
+              </a:ext>
+            </a:extLst>
+          </p:cNvPr>
+          <p:cNvGraphicFramePr>
+            <a:graphicFrameLocks noGrp="1"/>
+          </p:cNvGraphicFramePr>
+          <p:nvPr>
+            <p:ph idx="1"/>
+            <p:extLst>
+              <p:ext uri="{D42A27DB-BD31-4B8C-83A1-F6EECF244321}">
+                <p14:modId xmlns:p14="http://schemas.microsoft.com/office/powerpoint/2010/main" val="621363265"/>
+              </p:ext>
+            </p:extLst>
+          </p:nvPr>
+        </p:nvGraphicFramePr>
+        <p:xfrm>
+          <a:off x="552913" y="2857070"/>
+          <a:ext cx="11086173" cy="2332898"/>
+        </p:xfrm>
+        <a:graphic>
+          <a:graphicData uri="http://schemas.openxmlformats.org/drawingml/2006/table">
+            <a:tbl>
+              <a:tblPr firstRow="1" firstCol="1" bandRow="1">
+                <a:tableStyleId>{5C22544A-7EE6-4342-B048-85BDC9FD1C3A}</a:tableStyleId>
+              </a:tblPr>
+              <a:tblGrid>
+                <a:gridCol w="2087890">
+                  <a:extLst>
+                    <a:ext uri="{9D8B030D-6E8A-4147-A177-3AD203B41FA5}">
+                      <a16:colId xmlns:a16="http://schemas.microsoft.com/office/drawing/2014/main" val="439364615"/>
+                    </a:ext>
+                  </a:extLst>
+                </a:gridCol>
+                <a:gridCol w="938320">
+                  <a:extLst>
+                    <a:ext uri="{9D8B030D-6E8A-4147-A177-3AD203B41FA5}">
+                      <a16:colId xmlns:a16="http://schemas.microsoft.com/office/drawing/2014/main" val="1206662669"/>
+                    </a:ext>
+                  </a:extLst>
+                </a:gridCol>
+                <a:gridCol w="1071148">
+                  <a:extLst>
+                    <a:ext uri="{9D8B030D-6E8A-4147-A177-3AD203B41FA5}">
+                      <a16:colId xmlns:a16="http://schemas.microsoft.com/office/drawing/2014/main" val="576043617"/>
+                    </a:ext>
+                  </a:extLst>
+                </a:gridCol>
+                <a:gridCol w="911766">
+                  <a:extLst>
+                    <a:ext uri="{9D8B030D-6E8A-4147-A177-3AD203B41FA5}">
+                      <a16:colId xmlns:a16="http://schemas.microsoft.com/office/drawing/2014/main" val="414062961"/>
+                    </a:ext>
+                  </a:extLst>
+                </a:gridCol>
+                <a:gridCol w="933137">
+                  <a:extLst>
+                    <a:ext uri="{9D8B030D-6E8A-4147-A177-3AD203B41FA5}">
+                      <a16:colId xmlns:a16="http://schemas.microsoft.com/office/drawing/2014/main" val="3021397872"/>
+                    </a:ext>
+                  </a:extLst>
+                </a:gridCol>
+                <a:gridCol w="1146519">
+                  <a:extLst>
+                    <a:ext uri="{9D8B030D-6E8A-4147-A177-3AD203B41FA5}">
+                      <a16:colId xmlns:a16="http://schemas.microsoft.com/office/drawing/2014/main" val="1665915646"/>
+                    </a:ext>
+                  </a:extLst>
+                </a:gridCol>
+                <a:gridCol w="819578">
+                  <a:extLst>
+                    <a:ext uri="{9D8B030D-6E8A-4147-A177-3AD203B41FA5}">
+                      <a16:colId xmlns:a16="http://schemas.microsoft.com/office/drawing/2014/main" val="1584743647"/>
+                    </a:ext>
+                  </a:extLst>
+                </a:gridCol>
+                <a:gridCol w="1013689">
+                  <a:extLst>
+                    <a:ext uri="{9D8B030D-6E8A-4147-A177-3AD203B41FA5}">
+                      <a16:colId xmlns:a16="http://schemas.microsoft.com/office/drawing/2014/main" val="3441659012"/>
+                    </a:ext>
+                  </a:extLst>
+                </a:gridCol>
+                <a:gridCol w="1046037">
+                  <a:extLst>
+                    <a:ext uri="{9D8B030D-6E8A-4147-A177-3AD203B41FA5}">
+                      <a16:colId xmlns:a16="http://schemas.microsoft.com/office/drawing/2014/main" val="1919678272"/>
+                    </a:ext>
+                  </a:extLst>
+                </a:gridCol>
+                <a:gridCol w="1118089">
+                  <a:extLst>
+                    <a:ext uri="{9D8B030D-6E8A-4147-A177-3AD203B41FA5}">
+                      <a16:colId xmlns:a16="http://schemas.microsoft.com/office/drawing/2014/main" val="2140373708"/>
+                    </a:ext>
+                  </a:extLst>
+                </a:gridCol>
+              </a:tblGrid>
+              <a:tr h="605755">
+                <a:tc>
+                  <a:txBody>
+                    <a:bodyPr/>
+                    <a:lstStyle/>
+                    <a:p>
+                      <a:endParaRPr lang="en-US" sz="2000" dirty="0">
+                        <a:effectLst/>
+                        <a:latin typeface="Calibri" panose="020F0502020204030204" pitchFamily="34" charset="0"/>
+                        <a:cs typeface="Times New Roman" panose="02020603050405020304" pitchFamily="18" charset="0"/>
+                      </a:endParaRPr>
+                    </a:p>
+                  </a:txBody>
+                  <a:tcPr marL="144738" marR="144738" marT="0" marB="0"/>
+                </a:tc>
+                <a:tc>
+                  <a:txBody>
+                    <a:bodyPr/>
+                    <a:lstStyle/>
+                    <a:p>
+                      <a:pPr marL="0" marR="0">
+                        <a:lnSpc>
+                          <a:spcPct val="107000"/>
+                        </a:lnSpc>
+                        <a:spcBef>
+                          <a:spcPts val="0"/>
+                        </a:spcBef>
+                        <a:spcAft>
+                          <a:spcPts val="0"/>
+                        </a:spcAft>
+                      </a:pPr>
+                      <a:r>
+                        <a:rPr lang="en-US" sz="1800">
+                          <a:effectLst/>
+                        </a:rPr>
+                        <a:t>Mutex</a:t>
+                      </a:r>
+                      <a:endParaRPr lang="en-US" sz="2000">
+                        <a:effectLst/>
+                        <a:latin typeface="Calibri" panose="020F0502020204030204" pitchFamily="34" charset="0"/>
+                        <a:ea typeface="Calibri" panose="020F0502020204030204" pitchFamily="34" charset="0"/>
+                        <a:cs typeface="Times New Roman" panose="02020603050405020304" pitchFamily="18" charset="0"/>
+                      </a:endParaRPr>
+                    </a:p>
+                  </a:txBody>
+                  <a:tcPr marL="144738" marR="144738" marT="0" marB="0"/>
+                </a:tc>
+                <a:tc>
+                  <a:txBody>
+                    <a:bodyPr/>
+                    <a:lstStyle/>
+                    <a:p>
+                      <a:pPr marL="0" marR="0">
+                        <a:lnSpc>
+                          <a:spcPct val="107000"/>
+                        </a:lnSpc>
+                        <a:spcBef>
+                          <a:spcPts val="0"/>
+                        </a:spcBef>
+                        <a:spcAft>
+                          <a:spcPts val="0"/>
+                        </a:spcAft>
+                      </a:pPr>
+                      <a:r>
+                        <a:rPr lang="en-US" sz="1800">
+                          <a:effectLst/>
+                        </a:rPr>
+                        <a:t>Register</a:t>
+                      </a:r>
+                      <a:endParaRPr lang="en-US" sz="2000">
+                        <a:effectLst/>
+                        <a:latin typeface="Calibri" panose="020F0502020204030204" pitchFamily="34" charset="0"/>
+                        <a:ea typeface="Calibri" panose="020F0502020204030204" pitchFamily="34" charset="0"/>
+                        <a:cs typeface="Times New Roman" panose="02020603050405020304" pitchFamily="18" charset="0"/>
+                      </a:endParaRPr>
+                    </a:p>
+                  </a:txBody>
+                  <a:tcPr marL="144738" marR="144738" marT="0" marB="0"/>
+                </a:tc>
+                <a:tc>
+                  <a:txBody>
+                    <a:bodyPr/>
+                    <a:lstStyle/>
+                    <a:p>
+                      <a:pPr marL="0" marR="0">
+                        <a:lnSpc>
+                          <a:spcPct val="107000"/>
+                        </a:lnSpc>
+                        <a:spcBef>
+                          <a:spcPts val="0"/>
+                        </a:spcBef>
+                        <a:spcAft>
+                          <a:spcPts val="0"/>
+                        </a:spcAft>
+                      </a:pPr>
+                      <a:r>
+                        <a:rPr lang="en-US" sz="1800">
+                          <a:effectLst/>
+                        </a:rPr>
+                        <a:t>Spin</a:t>
+                      </a:r>
+                      <a:endParaRPr lang="en-US" sz="2000">
+                        <a:effectLst/>
+                        <a:latin typeface="Calibri" panose="020F0502020204030204" pitchFamily="34" charset="0"/>
+                        <a:ea typeface="Calibri" panose="020F0502020204030204" pitchFamily="34" charset="0"/>
+                        <a:cs typeface="Times New Roman" panose="02020603050405020304" pitchFamily="18" charset="0"/>
+                      </a:endParaRPr>
+                    </a:p>
+                  </a:txBody>
+                  <a:tcPr marL="144738" marR="144738" marT="0" marB="0"/>
+                </a:tc>
+                <a:tc>
+                  <a:txBody>
+                    <a:bodyPr/>
+                    <a:lstStyle/>
+                    <a:p>
+                      <a:pPr marL="0" marR="0">
+                        <a:lnSpc>
+                          <a:spcPct val="107000"/>
+                        </a:lnSpc>
+                        <a:spcBef>
+                          <a:spcPts val="0"/>
+                        </a:spcBef>
+                        <a:spcAft>
+                          <a:spcPts val="0"/>
+                        </a:spcAft>
+                      </a:pPr>
+                      <a:r>
+                        <a:rPr lang="en-US" sz="1800">
+                          <a:effectLst/>
+                        </a:rPr>
+                        <a:t>Queue</a:t>
+                      </a:r>
+                      <a:endParaRPr lang="en-US" sz="2000">
+                        <a:effectLst/>
+                        <a:latin typeface="Calibri" panose="020F0502020204030204" pitchFamily="34" charset="0"/>
+                        <a:ea typeface="Calibri" panose="020F0502020204030204" pitchFamily="34" charset="0"/>
+                        <a:cs typeface="Times New Roman" panose="02020603050405020304" pitchFamily="18" charset="0"/>
+                      </a:endParaRPr>
+                    </a:p>
+                  </a:txBody>
+                  <a:tcPr marL="144738" marR="144738" marT="0" marB="0"/>
+                </a:tc>
+                <a:tc>
+                  <a:txBody>
+                    <a:bodyPr/>
+                    <a:lstStyle/>
+                    <a:p>
+                      <a:pPr marL="0" marR="0">
+                        <a:lnSpc>
+                          <a:spcPct val="107000"/>
+                        </a:lnSpc>
+                        <a:spcBef>
+                          <a:spcPts val="0"/>
+                        </a:spcBef>
+                        <a:spcAft>
+                          <a:spcPts val="0"/>
+                        </a:spcAft>
+                      </a:pPr>
+                      <a:r>
+                        <a:rPr lang="en-US" sz="1800">
+                          <a:effectLst/>
+                        </a:rPr>
+                        <a:t>Combine</a:t>
+                      </a:r>
+                      <a:endParaRPr lang="en-US" sz="2000">
+                        <a:effectLst/>
+                        <a:latin typeface="Calibri" panose="020F0502020204030204" pitchFamily="34" charset="0"/>
+                        <a:ea typeface="Calibri" panose="020F0502020204030204" pitchFamily="34" charset="0"/>
+                        <a:cs typeface="Times New Roman" panose="02020603050405020304" pitchFamily="18" charset="0"/>
+                      </a:endParaRPr>
+                    </a:p>
+                  </a:txBody>
+                  <a:tcPr marL="144738" marR="144738" marT="0" marB="0"/>
+                </a:tc>
+                <a:tc>
+                  <a:txBody>
+                    <a:bodyPr/>
+                    <a:lstStyle/>
+                    <a:p>
+                      <a:pPr marL="0" marR="0">
+                        <a:lnSpc>
+                          <a:spcPct val="107000"/>
+                        </a:lnSpc>
+                        <a:spcBef>
+                          <a:spcPts val="0"/>
+                        </a:spcBef>
+                        <a:spcAft>
+                          <a:spcPts val="0"/>
+                        </a:spcAft>
+                      </a:pPr>
+                      <a:r>
+                        <a:rPr lang="en-US" sz="1800" dirty="0">
+                          <a:effectLst/>
+                        </a:rPr>
+                        <a:t>Steal</a:t>
+                      </a:r>
+                      <a:endParaRPr lang="en-US" sz="2000" dirty="0">
+                        <a:effectLst/>
+                        <a:latin typeface="Calibri" panose="020F0502020204030204" pitchFamily="34" charset="0"/>
+                        <a:ea typeface="Calibri" panose="020F0502020204030204" pitchFamily="34" charset="0"/>
+                        <a:cs typeface="Times New Roman" panose="02020603050405020304" pitchFamily="18" charset="0"/>
+                      </a:endParaRPr>
+                    </a:p>
+                  </a:txBody>
+                  <a:tcPr marL="144738" marR="144738" marT="0" marB="0"/>
+                </a:tc>
+                <a:tc>
+                  <a:txBody>
+                    <a:bodyPr/>
+                    <a:lstStyle/>
+                    <a:p>
+                      <a:pPr marL="0" marR="0">
+                        <a:lnSpc>
+                          <a:spcPct val="107000"/>
+                        </a:lnSpc>
+                        <a:spcBef>
+                          <a:spcPts val="0"/>
+                        </a:spcBef>
+                        <a:spcAft>
+                          <a:spcPts val="0"/>
+                        </a:spcAft>
+                      </a:pPr>
+                      <a:r>
+                        <a:rPr lang="en-US" sz="1800">
+                          <a:effectLst/>
+                        </a:rPr>
+                        <a:t>Priority</a:t>
+                      </a:r>
+                      <a:endParaRPr lang="en-US" sz="2000">
+                        <a:effectLst/>
+                        <a:latin typeface="Calibri" panose="020F0502020204030204" pitchFamily="34" charset="0"/>
+                        <a:ea typeface="Calibri" panose="020F0502020204030204" pitchFamily="34" charset="0"/>
+                        <a:cs typeface="Times New Roman" panose="02020603050405020304" pitchFamily="18" charset="0"/>
+                      </a:endParaRPr>
+                    </a:p>
+                  </a:txBody>
+                  <a:tcPr marL="144738" marR="144738" marT="0" marB="0"/>
+                </a:tc>
+                <a:tc>
+                  <a:txBody>
+                    <a:bodyPr/>
+                    <a:lstStyle/>
+                    <a:p>
+                      <a:pPr marL="0" marR="0">
+                        <a:lnSpc>
+                          <a:spcPct val="107000"/>
+                        </a:lnSpc>
+                        <a:spcBef>
+                          <a:spcPts val="0"/>
+                        </a:spcBef>
+                        <a:spcAft>
+                          <a:spcPts val="0"/>
+                        </a:spcAft>
+                      </a:pPr>
+                      <a:r>
+                        <a:rPr lang="en-US" sz="1800">
+                          <a:effectLst/>
+                        </a:rPr>
+                        <a:t>TinyTM</a:t>
+                      </a:r>
+                      <a:endParaRPr lang="en-US" sz="2000">
+                        <a:effectLst/>
+                        <a:latin typeface="Calibri" panose="020F0502020204030204" pitchFamily="34" charset="0"/>
+                        <a:ea typeface="Calibri" panose="020F0502020204030204" pitchFamily="34" charset="0"/>
+                        <a:cs typeface="Times New Roman" panose="02020603050405020304" pitchFamily="18" charset="0"/>
+                      </a:endParaRPr>
+                    </a:p>
+                  </a:txBody>
+                  <a:tcPr marL="144738" marR="144738" marT="0" marB="0"/>
+                </a:tc>
+                <a:tc>
+                  <a:txBody>
+                    <a:bodyPr/>
+                    <a:lstStyle/>
+                    <a:p>
+                      <a:pPr marL="0" marR="0">
+                        <a:lnSpc>
+                          <a:spcPct val="107000"/>
+                        </a:lnSpc>
+                        <a:spcBef>
+                          <a:spcPts val="0"/>
+                        </a:spcBef>
+                        <a:spcAft>
+                          <a:spcPts val="0"/>
+                        </a:spcAft>
+                      </a:pPr>
+                      <a:r>
+                        <a:rPr lang="en-US" sz="1800">
+                          <a:effectLst/>
+                        </a:rPr>
+                        <a:t>Monitor</a:t>
+                      </a:r>
+                      <a:endParaRPr lang="en-US" sz="2000">
+                        <a:effectLst/>
+                        <a:latin typeface="Calibri" panose="020F0502020204030204" pitchFamily="34" charset="0"/>
+                        <a:ea typeface="Calibri" panose="020F0502020204030204" pitchFamily="34" charset="0"/>
+                        <a:cs typeface="Times New Roman" panose="02020603050405020304" pitchFamily="18" charset="0"/>
+                      </a:endParaRPr>
+                    </a:p>
+                  </a:txBody>
+                  <a:tcPr marL="144738" marR="144738" marT="0" marB="0"/>
+                </a:tc>
+                <a:extLst>
+                  <a:ext uri="{0D108BD9-81ED-4DB2-BD59-A6C34878D82A}">
+                    <a16:rowId xmlns:a16="http://schemas.microsoft.com/office/drawing/2014/main" val="185052771"/>
+                  </a:ext>
+                </a:extLst>
+              </a:tr>
+              <a:tr h="362725">
+                <a:tc>
+                  <a:txBody>
+                    <a:bodyPr/>
+                    <a:lstStyle/>
+                    <a:p>
+                      <a:pPr marL="0" marR="0">
+                        <a:lnSpc>
+                          <a:spcPct val="107000"/>
+                        </a:lnSpc>
+                        <a:spcBef>
+                          <a:spcPts val="0"/>
+                        </a:spcBef>
+                        <a:spcAft>
+                          <a:spcPts val="0"/>
+                        </a:spcAft>
+                      </a:pPr>
+                      <a:r>
+                        <a:rPr lang="en-US" sz="1800" dirty="0">
+                          <a:effectLst/>
+                        </a:rPr>
+                        <a:t>Lines of Java code</a:t>
+                      </a:r>
+                      <a:endParaRPr lang="en-US" sz="2000" dirty="0">
+                        <a:effectLst/>
+                        <a:latin typeface="Calibri" panose="020F0502020204030204" pitchFamily="34" charset="0"/>
+                        <a:ea typeface="Calibri" panose="020F0502020204030204" pitchFamily="34" charset="0"/>
+                        <a:cs typeface="Times New Roman" panose="02020603050405020304" pitchFamily="18" charset="0"/>
+                      </a:endParaRPr>
+                    </a:p>
+                  </a:txBody>
+                  <a:tcPr marL="144738" marR="144738" marT="0" marB="0"/>
+                </a:tc>
+                <a:tc>
+                  <a:txBody>
+                    <a:bodyPr/>
+                    <a:lstStyle/>
+                    <a:p>
+                      <a:pPr marL="0" marR="0" algn="r">
+                        <a:lnSpc>
+                          <a:spcPct val="107000"/>
+                        </a:lnSpc>
+                        <a:spcBef>
+                          <a:spcPts val="0"/>
+                        </a:spcBef>
+                        <a:spcAft>
+                          <a:spcPts val="0"/>
+                        </a:spcAft>
+                      </a:pPr>
+                      <a:r>
+                        <a:rPr lang="en-US" sz="1800" dirty="0">
+                          <a:effectLst/>
+                        </a:rPr>
+                        <a:t>632 </a:t>
+                      </a:r>
+                      <a:endParaRPr lang="en-US" sz="2000" dirty="0">
+                        <a:effectLst/>
+                        <a:latin typeface="Calibri" panose="020F0502020204030204" pitchFamily="34" charset="0"/>
+                        <a:ea typeface="Calibri" panose="020F0502020204030204" pitchFamily="34" charset="0"/>
+                        <a:cs typeface="Times New Roman" panose="02020603050405020304" pitchFamily="18" charset="0"/>
+                      </a:endParaRPr>
+                    </a:p>
+                  </a:txBody>
+                  <a:tcPr marL="144738" marR="144738" marT="0" marB="0"/>
+                </a:tc>
+                <a:tc>
+                  <a:txBody>
+                    <a:bodyPr/>
+                    <a:lstStyle/>
+                    <a:p>
+                      <a:pPr marL="0" marR="0" algn="r">
+                        <a:lnSpc>
+                          <a:spcPct val="107000"/>
+                        </a:lnSpc>
+                        <a:spcBef>
+                          <a:spcPts val="0"/>
+                        </a:spcBef>
+                        <a:spcAft>
+                          <a:spcPts val="0"/>
+                        </a:spcAft>
+                      </a:pPr>
+                      <a:r>
+                        <a:rPr lang="en-US" sz="1800" dirty="0">
+                          <a:effectLst/>
+                        </a:rPr>
+                        <a:t>769 </a:t>
+                      </a:r>
+                      <a:endParaRPr lang="en-US" sz="2000" dirty="0">
+                        <a:effectLst/>
+                        <a:latin typeface="Calibri" panose="020F0502020204030204" pitchFamily="34" charset="0"/>
+                        <a:ea typeface="Calibri" panose="020F0502020204030204" pitchFamily="34" charset="0"/>
+                        <a:cs typeface="Times New Roman" panose="02020603050405020304" pitchFamily="18" charset="0"/>
+                      </a:endParaRPr>
+                    </a:p>
+                  </a:txBody>
+                  <a:tcPr marL="144738" marR="144738" marT="0" marB="0"/>
+                </a:tc>
+                <a:tc>
+                  <a:txBody>
+                    <a:bodyPr/>
+                    <a:lstStyle/>
+                    <a:p>
+                      <a:pPr marL="0" marR="0" algn="r">
+                        <a:lnSpc>
+                          <a:spcPct val="107000"/>
+                        </a:lnSpc>
+                        <a:spcBef>
+                          <a:spcPts val="0"/>
+                        </a:spcBef>
+                        <a:spcAft>
+                          <a:spcPts val="0"/>
+                        </a:spcAft>
+                      </a:pPr>
+                      <a:r>
+                        <a:rPr lang="en-US" sz="1800" dirty="0">
+                          <a:effectLst/>
+                        </a:rPr>
+                        <a:t>1,287 </a:t>
+                      </a:r>
+                      <a:endParaRPr lang="en-US" sz="2000" dirty="0">
+                        <a:effectLst/>
+                        <a:latin typeface="Calibri" panose="020F0502020204030204" pitchFamily="34" charset="0"/>
+                        <a:ea typeface="Calibri" panose="020F0502020204030204" pitchFamily="34" charset="0"/>
+                        <a:cs typeface="Times New Roman" panose="02020603050405020304" pitchFamily="18" charset="0"/>
+                      </a:endParaRPr>
+                    </a:p>
+                  </a:txBody>
+                  <a:tcPr marL="144738" marR="144738" marT="0" marB="0"/>
+                </a:tc>
+                <a:tc>
+                  <a:txBody>
+                    <a:bodyPr/>
+                    <a:lstStyle/>
+                    <a:p>
+                      <a:pPr marL="0" marR="0" algn="r">
+                        <a:lnSpc>
+                          <a:spcPct val="107000"/>
+                        </a:lnSpc>
+                        <a:spcBef>
+                          <a:spcPts val="0"/>
+                        </a:spcBef>
+                        <a:spcAft>
+                          <a:spcPts val="0"/>
+                        </a:spcAft>
+                      </a:pPr>
+                      <a:r>
+                        <a:rPr lang="en-US" sz="1800" dirty="0">
+                          <a:effectLst/>
+                        </a:rPr>
+                        <a:t>1,526 </a:t>
+                      </a:r>
+                      <a:endParaRPr lang="en-US" sz="2000" dirty="0">
+                        <a:effectLst/>
+                        <a:latin typeface="Calibri" panose="020F0502020204030204" pitchFamily="34" charset="0"/>
+                        <a:ea typeface="Calibri" panose="020F0502020204030204" pitchFamily="34" charset="0"/>
+                        <a:cs typeface="Times New Roman" panose="02020603050405020304" pitchFamily="18" charset="0"/>
+                      </a:endParaRPr>
+                    </a:p>
+                  </a:txBody>
+                  <a:tcPr marL="144738" marR="144738" marT="0" marB="0"/>
+                </a:tc>
+                <a:tc>
+                  <a:txBody>
+                    <a:bodyPr/>
+                    <a:lstStyle/>
+                    <a:p>
+                      <a:pPr marL="0" marR="0" algn="r">
+                        <a:lnSpc>
+                          <a:spcPct val="107000"/>
+                        </a:lnSpc>
+                        <a:spcBef>
+                          <a:spcPts val="0"/>
+                        </a:spcBef>
+                        <a:spcAft>
+                          <a:spcPts val="0"/>
+                        </a:spcAft>
+                      </a:pPr>
+                      <a:r>
+                        <a:rPr lang="en-US" sz="1800" dirty="0">
+                          <a:effectLst/>
+                        </a:rPr>
+                        <a:t>522 </a:t>
+                      </a:r>
+                      <a:endParaRPr lang="en-US" sz="2000" dirty="0">
+                        <a:effectLst/>
+                        <a:latin typeface="Calibri" panose="020F0502020204030204" pitchFamily="34" charset="0"/>
+                        <a:ea typeface="Calibri" panose="020F0502020204030204" pitchFamily="34" charset="0"/>
+                        <a:cs typeface="Times New Roman" panose="02020603050405020304" pitchFamily="18" charset="0"/>
+                      </a:endParaRPr>
+                    </a:p>
+                  </a:txBody>
+                  <a:tcPr marL="144738" marR="144738" marT="0" marB="0"/>
+                </a:tc>
+                <a:tc>
+                  <a:txBody>
+                    <a:bodyPr/>
+                    <a:lstStyle/>
+                    <a:p>
+                      <a:pPr marL="0" marR="0" algn="r">
+                        <a:lnSpc>
+                          <a:spcPct val="107000"/>
+                        </a:lnSpc>
+                        <a:spcBef>
+                          <a:spcPts val="0"/>
+                        </a:spcBef>
+                        <a:spcAft>
+                          <a:spcPts val="0"/>
+                        </a:spcAft>
+                      </a:pPr>
+                      <a:r>
+                        <a:rPr lang="en-US" sz="1800" dirty="0">
+                          <a:effectLst/>
+                        </a:rPr>
+                        <a:t>1,313 </a:t>
+                      </a:r>
+                      <a:endParaRPr lang="en-US" sz="2000" dirty="0">
+                        <a:effectLst/>
+                        <a:latin typeface="Calibri" panose="020F0502020204030204" pitchFamily="34" charset="0"/>
+                        <a:ea typeface="Calibri" panose="020F0502020204030204" pitchFamily="34" charset="0"/>
+                        <a:cs typeface="Times New Roman" panose="02020603050405020304" pitchFamily="18" charset="0"/>
+                      </a:endParaRPr>
+                    </a:p>
+                  </a:txBody>
+                  <a:tcPr marL="144738" marR="144738" marT="0" marB="0"/>
+                </a:tc>
+                <a:tc>
+                  <a:txBody>
+                    <a:bodyPr/>
+                    <a:lstStyle/>
+                    <a:p>
+                      <a:pPr marL="0" marR="0" algn="r">
+                        <a:lnSpc>
+                          <a:spcPct val="107000"/>
+                        </a:lnSpc>
+                        <a:spcBef>
+                          <a:spcPts val="0"/>
+                        </a:spcBef>
+                        <a:spcAft>
+                          <a:spcPts val="0"/>
+                        </a:spcAft>
+                      </a:pPr>
+                      <a:r>
+                        <a:rPr lang="en-US" sz="1800" dirty="0">
+                          <a:effectLst/>
+                        </a:rPr>
+                        <a:t>1,186 </a:t>
+                      </a:r>
+                      <a:endParaRPr lang="en-US" sz="2000" dirty="0">
+                        <a:effectLst/>
+                        <a:latin typeface="Calibri" panose="020F0502020204030204" pitchFamily="34" charset="0"/>
+                        <a:ea typeface="Calibri" panose="020F0502020204030204" pitchFamily="34" charset="0"/>
+                        <a:cs typeface="Times New Roman" panose="02020603050405020304" pitchFamily="18" charset="0"/>
+                      </a:endParaRPr>
+                    </a:p>
+                  </a:txBody>
+                  <a:tcPr marL="144738" marR="144738" marT="0" marB="0"/>
+                </a:tc>
+                <a:tc>
+                  <a:txBody>
+                    <a:bodyPr/>
+                    <a:lstStyle/>
+                    <a:p>
+                      <a:pPr marL="0" marR="0" algn="r">
+                        <a:lnSpc>
+                          <a:spcPct val="107000"/>
+                        </a:lnSpc>
+                        <a:spcBef>
+                          <a:spcPts val="0"/>
+                        </a:spcBef>
+                        <a:spcAft>
+                          <a:spcPts val="0"/>
+                        </a:spcAft>
+                      </a:pPr>
+                      <a:r>
+                        <a:rPr lang="en-US" sz="1800" dirty="0">
+                          <a:effectLst/>
+                        </a:rPr>
+                        <a:t>2,469 </a:t>
+                      </a:r>
+                      <a:endParaRPr lang="en-US" sz="2000" dirty="0">
+                        <a:effectLst/>
+                        <a:latin typeface="Calibri" panose="020F0502020204030204" pitchFamily="34" charset="0"/>
+                        <a:ea typeface="Calibri" panose="020F0502020204030204" pitchFamily="34" charset="0"/>
+                        <a:cs typeface="Times New Roman" panose="02020603050405020304" pitchFamily="18" charset="0"/>
+                      </a:endParaRPr>
+                    </a:p>
+                  </a:txBody>
+                  <a:tcPr marL="144738" marR="144738" marT="0" marB="0"/>
+                </a:tc>
+                <a:tc>
+                  <a:txBody>
+                    <a:bodyPr/>
+                    <a:lstStyle/>
+                    <a:p>
+                      <a:pPr marL="0" marR="0" algn="r">
+                        <a:lnSpc>
+                          <a:spcPct val="107000"/>
+                        </a:lnSpc>
+                        <a:spcBef>
+                          <a:spcPts val="0"/>
+                        </a:spcBef>
+                        <a:spcAft>
+                          <a:spcPts val="0"/>
+                        </a:spcAft>
+                      </a:pPr>
+                      <a:r>
+                        <a:rPr lang="en-US" sz="1800" dirty="0">
+                          <a:effectLst/>
+                        </a:rPr>
+                        <a:t>261 </a:t>
+                      </a:r>
+                      <a:endParaRPr lang="en-US" sz="2000" dirty="0">
+                        <a:effectLst/>
+                        <a:latin typeface="Calibri" panose="020F0502020204030204" pitchFamily="34" charset="0"/>
+                        <a:ea typeface="Calibri" panose="020F0502020204030204" pitchFamily="34" charset="0"/>
+                        <a:cs typeface="Times New Roman" panose="02020603050405020304" pitchFamily="18" charset="0"/>
+                      </a:endParaRPr>
+                    </a:p>
+                  </a:txBody>
+                  <a:tcPr marL="144738" marR="144738" marT="0" marB="0"/>
+                </a:tc>
+                <a:extLst>
+                  <a:ext uri="{0D108BD9-81ED-4DB2-BD59-A6C34878D82A}">
+                    <a16:rowId xmlns:a16="http://schemas.microsoft.com/office/drawing/2014/main" val="1044943069"/>
+                  </a:ext>
+                </a:extLst>
+              </a:tr>
+              <a:tr h="356613">
+                <a:tc>
+                  <a:txBody>
+                    <a:bodyPr/>
+                    <a:lstStyle/>
+                    <a:p>
+                      <a:pPr marL="0" marR="0">
+                        <a:lnSpc>
+                          <a:spcPct val="107000"/>
+                        </a:lnSpc>
+                        <a:spcBef>
+                          <a:spcPts val="0"/>
+                        </a:spcBef>
+                        <a:spcAft>
+                          <a:spcPts val="0"/>
+                        </a:spcAft>
+                      </a:pPr>
+                      <a:r>
+                        <a:rPr lang="en-US" sz="1800">
+                          <a:effectLst/>
+                        </a:rPr>
+                        <a:t>Total lines of code</a:t>
+                      </a:r>
+                      <a:endParaRPr lang="en-US" sz="2000">
+                        <a:effectLst/>
+                        <a:latin typeface="Calibri" panose="020F0502020204030204" pitchFamily="34" charset="0"/>
+                        <a:ea typeface="Calibri" panose="020F0502020204030204" pitchFamily="34" charset="0"/>
+                        <a:cs typeface="Times New Roman" panose="02020603050405020304" pitchFamily="18" charset="0"/>
+                      </a:endParaRPr>
+                    </a:p>
+                  </a:txBody>
+                  <a:tcPr marL="144738" marR="144738" marT="0" marB="0"/>
+                </a:tc>
+                <a:tc>
+                  <a:txBody>
+                    <a:bodyPr/>
+                    <a:lstStyle/>
+                    <a:p>
+                      <a:pPr marL="0" marR="0" algn="r">
+                        <a:lnSpc>
+                          <a:spcPct val="107000"/>
+                        </a:lnSpc>
+                        <a:spcBef>
+                          <a:spcPts val="0"/>
+                        </a:spcBef>
+                        <a:spcAft>
+                          <a:spcPts val="0"/>
+                        </a:spcAft>
+                      </a:pPr>
+                      <a:r>
+                        <a:rPr lang="en-US" sz="1800" dirty="0">
+                          <a:effectLst/>
+                        </a:rPr>
+                        <a:t>1,175 </a:t>
+                      </a:r>
+                      <a:endParaRPr lang="en-US" sz="2000" dirty="0">
+                        <a:effectLst/>
+                        <a:latin typeface="Calibri" panose="020F0502020204030204" pitchFamily="34" charset="0"/>
+                        <a:ea typeface="Calibri" panose="020F0502020204030204" pitchFamily="34" charset="0"/>
+                        <a:cs typeface="Times New Roman" panose="02020603050405020304" pitchFamily="18" charset="0"/>
+                      </a:endParaRPr>
+                    </a:p>
+                  </a:txBody>
+                  <a:tcPr marL="144738" marR="144738" marT="0" marB="0"/>
+                </a:tc>
+                <a:tc>
+                  <a:txBody>
+                    <a:bodyPr/>
+                    <a:lstStyle/>
+                    <a:p>
+                      <a:pPr marL="0" marR="0" algn="r">
+                        <a:lnSpc>
+                          <a:spcPct val="107000"/>
+                        </a:lnSpc>
+                        <a:spcBef>
+                          <a:spcPts val="0"/>
+                        </a:spcBef>
+                        <a:spcAft>
+                          <a:spcPts val="0"/>
+                        </a:spcAft>
+                      </a:pPr>
+                      <a:r>
+                        <a:rPr lang="en-US" sz="1800" dirty="0">
+                          <a:effectLst/>
+                        </a:rPr>
+                        <a:t>1,312 </a:t>
+                      </a:r>
+                      <a:endParaRPr lang="en-US" sz="2000" dirty="0">
+                        <a:effectLst/>
+                        <a:latin typeface="Calibri" panose="020F0502020204030204" pitchFamily="34" charset="0"/>
+                        <a:ea typeface="Calibri" panose="020F0502020204030204" pitchFamily="34" charset="0"/>
+                        <a:cs typeface="Times New Roman" panose="02020603050405020304" pitchFamily="18" charset="0"/>
+                      </a:endParaRPr>
+                    </a:p>
+                  </a:txBody>
+                  <a:tcPr marL="144738" marR="144738" marT="0" marB="0"/>
+                </a:tc>
+                <a:tc>
+                  <a:txBody>
+                    <a:bodyPr/>
+                    <a:lstStyle/>
+                    <a:p>
+                      <a:pPr marL="0" marR="0" algn="r">
+                        <a:lnSpc>
+                          <a:spcPct val="107000"/>
+                        </a:lnSpc>
+                        <a:spcBef>
+                          <a:spcPts val="0"/>
+                        </a:spcBef>
+                        <a:spcAft>
+                          <a:spcPts val="0"/>
+                        </a:spcAft>
+                      </a:pPr>
+                      <a:r>
+                        <a:rPr lang="en-US" sz="1800" dirty="0">
+                          <a:effectLst/>
+                        </a:rPr>
+                        <a:t>1,830 </a:t>
+                      </a:r>
+                      <a:endParaRPr lang="en-US" sz="2000" dirty="0">
+                        <a:effectLst/>
+                        <a:latin typeface="Calibri" panose="020F0502020204030204" pitchFamily="34" charset="0"/>
+                        <a:ea typeface="Calibri" panose="020F0502020204030204" pitchFamily="34" charset="0"/>
+                        <a:cs typeface="Times New Roman" panose="02020603050405020304" pitchFamily="18" charset="0"/>
+                      </a:endParaRPr>
+                    </a:p>
+                  </a:txBody>
+                  <a:tcPr marL="144738" marR="144738" marT="0" marB="0"/>
+                </a:tc>
+                <a:tc>
+                  <a:txBody>
+                    <a:bodyPr/>
+                    <a:lstStyle/>
+                    <a:p>
+                      <a:pPr marL="0" marR="0" algn="r">
+                        <a:lnSpc>
+                          <a:spcPct val="107000"/>
+                        </a:lnSpc>
+                        <a:spcBef>
+                          <a:spcPts val="0"/>
+                        </a:spcBef>
+                        <a:spcAft>
+                          <a:spcPts val="0"/>
+                        </a:spcAft>
+                      </a:pPr>
+                      <a:r>
+                        <a:rPr lang="en-US" sz="1800" dirty="0">
+                          <a:effectLst/>
+                        </a:rPr>
+                        <a:t>2,070 </a:t>
+                      </a:r>
+                      <a:endParaRPr lang="en-US" sz="2000" dirty="0">
+                        <a:effectLst/>
+                        <a:latin typeface="Calibri" panose="020F0502020204030204" pitchFamily="34" charset="0"/>
+                        <a:ea typeface="Calibri" panose="020F0502020204030204" pitchFamily="34" charset="0"/>
+                        <a:cs typeface="Times New Roman" panose="02020603050405020304" pitchFamily="18" charset="0"/>
+                      </a:endParaRPr>
+                    </a:p>
+                  </a:txBody>
+                  <a:tcPr marL="144738" marR="144738" marT="0" marB="0"/>
+                </a:tc>
+                <a:tc>
+                  <a:txBody>
+                    <a:bodyPr/>
+                    <a:lstStyle/>
+                    <a:p>
+                      <a:pPr marL="0" marR="0" algn="r">
+                        <a:lnSpc>
+                          <a:spcPct val="107000"/>
+                        </a:lnSpc>
+                        <a:spcBef>
+                          <a:spcPts val="0"/>
+                        </a:spcBef>
+                        <a:spcAft>
+                          <a:spcPts val="0"/>
+                        </a:spcAft>
+                      </a:pPr>
+                      <a:r>
+                        <a:rPr lang="en-US" sz="1800" dirty="0">
+                          <a:effectLst/>
+                        </a:rPr>
+                        <a:t>726 </a:t>
+                      </a:r>
+                      <a:endParaRPr lang="en-US" sz="2000" dirty="0">
+                        <a:effectLst/>
+                        <a:latin typeface="Calibri" panose="020F0502020204030204" pitchFamily="34" charset="0"/>
+                        <a:ea typeface="Calibri" panose="020F0502020204030204" pitchFamily="34" charset="0"/>
+                        <a:cs typeface="Times New Roman" panose="02020603050405020304" pitchFamily="18" charset="0"/>
+                      </a:endParaRPr>
+                    </a:p>
+                  </a:txBody>
+                  <a:tcPr marL="144738" marR="144738" marT="0" marB="0"/>
+                </a:tc>
+                <a:tc>
+                  <a:txBody>
+                    <a:bodyPr/>
+                    <a:lstStyle/>
+                    <a:p>
+                      <a:pPr marL="0" marR="0" algn="r">
+                        <a:lnSpc>
+                          <a:spcPct val="107000"/>
+                        </a:lnSpc>
+                        <a:spcBef>
+                          <a:spcPts val="0"/>
+                        </a:spcBef>
+                        <a:spcAft>
+                          <a:spcPts val="0"/>
+                        </a:spcAft>
+                      </a:pPr>
+                      <a:r>
+                        <a:rPr lang="en-US" sz="1800" dirty="0">
+                          <a:effectLst/>
+                        </a:rPr>
+                        <a:t>1,843 </a:t>
+                      </a:r>
+                      <a:endParaRPr lang="en-US" sz="2000" dirty="0">
+                        <a:effectLst/>
+                        <a:latin typeface="Calibri" panose="020F0502020204030204" pitchFamily="34" charset="0"/>
+                        <a:ea typeface="Calibri" panose="020F0502020204030204" pitchFamily="34" charset="0"/>
+                        <a:cs typeface="Times New Roman" panose="02020603050405020304" pitchFamily="18" charset="0"/>
+                      </a:endParaRPr>
+                    </a:p>
+                  </a:txBody>
+                  <a:tcPr marL="144738" marR="144738" marT="0" marB="0"/>
+                </a:tc>
+                <a:tc>
+                  <a:txBody>
+                    <a:bodyPr/>
+                    <a:lstStyle/>
+                    <a:p>
+                      <a:pPr marL="0" marR="0" algn="r">
+                        <a:lnSpc>
+                          <a:spcPct val="107000"/>
+                        </a:lnSpc>
+                        <a:spcBef>
+                          <a:spcPts val="0"/>
+                        </a:spcBef>
+                        <a:spcAft>
+                          <a:spcPts val="0"/>
+                        </a:spcAft>
+                      </a:pPr>
+                      <a:r>
+                        <a:rPr lang="en-US" sz="1800" dirty="0">
+                          <a:effectLst/>
+                        </a:rPr>
+                        <a:t>  1,714 </a:t>
+                      </a:r>
+                      <a:endParaRPr lang="en-US" sz="2000" dirty="0">
+                        <a:effectLst/>
+                        <a:latin typeface="Calibri" panose="020F0502020204030204" pitchFamily="34" charset="0"/>
+                        <a:ea typeface="Calibri" panose="020F0502020204030204" pitchFamily="34" charset="0"/>
+                        <a:cs typeface="Times New Roman" panose="02020603050405020304" pitchFamily="18" charset="0"/>
+                      </a:endParaRPr>
+                    </a:p>
+                  </a:txBody>
+                  <a:tcPr marL="144738" marR="144738" marT="0" marB="0"/>
+                </a:tc>
+                <a:tc>
+                  <a:txBody>
+                    <a:bodyPr/>
+                    <a:lstStyle/>
+                    <a:p>
+                      <a:pPr marL="0" marR="0" algn="r">
+                        <a:lnSpc>
+                          <a:spcPct val="107000"/>
+                        </a:lnSpc>
+                        <a:spcBef>
+                          <a:spcPts val="0"/>
+                        </a:spcBef>
+                        <a:spcAft>
+                          <a:spcPts val="0"/>
+                        </a:spcAft>
+                      </a:pPr>
+                      <a:r>
+                        <a:rPr lang="en-US" sz="1800" dirty="0">
+                          <a:effectLst/>
+                        </a:rPr>
+                        <a:t>3,091 </a:t>
+                      </a:r>
+                      <a:endParaRPr lang="en-US" sz="2000" dirty="0">
+                        <a:effectLst/>
+                        <a:latin typeface="Calibri" panose="020F0502020204030204" pitchFamily="34" charset="0"/>
+                        <a:ea typeface="Calibri" panose="020F0502020204030204" pitchFamily="34" charset="0"/>
+                        <a:cs typeface="Times New Roman" panose="02020603050405020304" pitchFamily="18" charset="0"/>
+                      </a:endParaRPr>
+                    </a:p>
+                  </a:txBody>
+                  <a:tcPr marL="144738" marR="144738" marT="0" marB="0"/>
+                </a:tc>
+                <a:tc>
+                  <a:txBody>
+                    <a:bodyPr/>
+                    <a:lstStyle/>
+                    <a:p>
+                      <a:pPr marL="0" marR="0" algn="r">
+                        <a:lnSpc>
+                          <a:spcPct val="107000"/>
+                        </a:lnSpc>
+                        <a:spcBef>
+                          <a:spcPts val="0"/>
+                        </a:spcBef>
+                        <a:spcAft>
+                          <a:spcPts val="0"/>
+                        </a:spcAft>
+                      </a:pPr>
+                      <a:r>
+                        <a:rPr lang="en-US" sz="1800" dirty="0">
+                          <a:effectLst/>
+                        </a:rPr>
+                        <a:t>  792 </a:t>
+                      </a:r>
+                      <a:endParaRPr lang="en-US" sz="2000" dirty="0">
+                        <a:effectLst/>
+                        <a:latin typeface="Calibri" panose="020F0502020204030204" pitchFamily="34" charset="0"/>
+                        <a:ea typeface="Calibri" panose="020F0502020204030204" pitchFamily="34" charset="0"/>
+                        <a:cs typeface="Times New Roman" panose="02020603050405020304" pitchFamily="18" charset="0"/>
+                      </a:endParaRPr>
+                    </a:p>
+                  </a:txBody>
+                  <a:tcPr marL="144738" marR="144738" marT="0" marB="0"/>
+                </a:tc>
+                <a:extLst>
+                  <a:ext uri="{0D108BD9-81ED-4DB2-BD59-A6C34878D82A}">
+                    <a16:rowId xmlns:a16="http://schemas.microsoft.com/office/drawing/2014/main" val="85254161"/>
+                  </a:ext>
+                </a:extLst>
+              </a:tr>
+              <a:tr h="402050">
+                <a:tc>
+                  <a:txBody>
+                    <a:bodyPr/>
+                    <a:lstStyle/>
+                    <a:p>
+                      <a:pPr marL="0" marR="0">
+                        <a:lnSpc>
+                          <a:spcPct val="107000"/>
+                        </a:lnSpc>
+                        <a:spcBef>
+                          <a:spcPts val="0"/>
+                        </a:spcBef>
+                        <a:spcAft>
+                          <a:spcPts val="0"/>
+                        </a:spcAft>
+                      </a:pPr>
+                      <a:r>
+                        <a:rPr lang="en-US" sz="1800">
+                          <a:effectLst/>
+                        </a:rPr>
+                        <a:t>% Java</a:t>
+                      </a:r>
+                      <a:endParaRPr lang="en-US" sz="2000">
+                        <a:effectLst/>
+                        <a:latin typeface="Calibri" panose="020F0502020204030204" pitchFamily="34" charset="0"/>
+                        <a:ea typeface="Calibri" panose="020F0502020204030204" pitchFamily="34" charset="0"/>
+                        <a:cs typeface="Times New Roman" panose="02020603050405020304" pitchFamily="18" charset="0"/>
+                      </a:endParaRPr>
+                    </a:p>
+                  </a:txBody>
+                  <a:tcPr marL="144738" marR="144738" marT="0" marB="0"/>
+                </a:tc>
+                <a:tc>
+                  <a:txBody>
+                    <a:bodyPr/>
+                    <a:lstStyle/>
+                    <a:p>
+                      <a:pPr marL="0" marR="0" algn="r">
+                        <a:lnSpc>
+                          <a:spcPct val="107000"/>
+                        </a:lnSpc>
+                        <a:spcBef>
+                          <a:spcPts val="0"/>
+                        </a:spcBef>
+                        <a:spcAft>
+                          <a:spcPts val="0"/>
+                        </a:spcAft>
+                      </a:pPr>
+                      <a:r>
+                        <a:rPr lang="en-US" sz="1800">
+                          <a:effectLst/>
+                        </a:rPr>
+                        <a:t>54%</a:t>
+                      </a:r>
+                      <a:endParaRPr lang="en-US" sz="2000">
+                        <a:effectLst/>
+                        <a:latin typeface="Calibri" panose="020F0502020204030204" pitchFamily="34" charset="0"/>
+                        <a:ea typeface="Calibri" panose="020F0502020204030204" pitchFamily="34" charset="0"/>
+                        <a:cs typeface="Times New Roman" panose="02020603050405020304" pitchFamily="18" charset="0"/>
+                      </a:endParaRPr>
+                    </a:p>
+                  </a:txBody>
+                  <a:tcPr marL="144738" marR="144738" marT="0" marB="0"/>
+                </a:tc>
+                <a:tc>
+                  <a:txBody>
+                    <a:bodyPr/>
+                    <a:lstStyle/>
+                    <a:p>
+                      <a:pPr marL="0" marR="0" algn="r">
+                        <a:lnSpc>
+                          <a:spcPct val="107000"/>
+                        </a:lnSpc>
+                        <a:spcBef>
+                          <a:spcPts val="0"/>
+                        </a:spcBef>
+                        <a:spcAft>
+                          <a:spcPts val="0"/>
+                        </a:spcAft>
+                      </a:pPr>
+                      <a:r>
+                        <a:rPr lang="en-US" sz="1800">
+                          <a:effectLst/>
+                        </a:rPr>
+                        <a:t>59%</a:t>
+                      </a:r>
+                      <a:endParaRPr lang="en-US" sz="2000">
+                        <a:effectLst/>
+                        <a:latin typeface="Calibri" panose="020F0502020204030204" pitchFamily="34" charset="0"/>
+                        <a:ea typeface="Calibri" panose="020F0502020204030204" pitchFamily="34" charset="0"/>
+                        <a:cs typeface="Times New Roman" panose="02020603050405020304" pitchFamily="18" charset="0"/>
+                      </a:endParaRPr>
+                    </a:p>
+                  </a:txBody>
+                  <a:tcPr marL="144738" marR="144738" marT="0" marB="0"/>
+                </a:tc>
+                <a:tc>
+                  <a:txBody>
+                    <a:bodyPr/>
+                    <a:lstStyle/>
+                    <a:p>
+                      <a:pPr marL="0" marR="0" algn="r">
+                        <a:lnSpc>
+                          <a:spcPct val="107000"/>
+                        </a:lnSpc>
+                        <a:spcBef>
+                          <a:spcPts val="0"/>
+                        </a:spcBef>
+                        <a:spcAft>
+                          <a:spcPts val="0"/>
+                        </a:spcAft>
+                      </a:pPr>
+                      <a:r>
+                        <a:rPr lang="en-US" sz="1800">
+                          <a:effectLst/>
+                        </a:rPr>
+                        <a:t>70%</a:t>
+                      </a:r>
+                      <a:endParaRPr lang="en-US" sz="2000">
+                        <a:effectLst/>
+                        <a:latin typeface="Calibri" panose="020F0502020204030204" pitchFamily="34" charset="0"/>
+                        <a:ea typeface="Calibri" panose="020F0502020204030204" pitchFamily="34" charset="0"/>
+                        <a:cs typeface="Times New Roman" panose="02020603050405020304" pitchFamily="18" charset="0"/>
+                      </a:endParaRPr>
+                    </a:p>
+                  </a:txBody>
+                  <a:tcPr marL="144738" marR="144738" marT="0" marB="0"/>
+                </a:tc>
+                <a:tc>
+                  <a:txBody>
+                    <a:bodyPr/>
+                    <a:lstStyle/>
+                    <a:p>
+                      <a:pPr marL="0" marR="0" algn="r">
+                        <a:lnSpc>
+                          <a:spcPct val="107000"/>
+                        </a:lnSpc>
+                        <a:spcBef>
+                          <a:spcPts val="0"/>
+                        </a:spcBef>
+                        <a:spcAft>
+                          <a:spcPts val="0"/>
+                        </a:spcAft>
+                      </a:pPr>
+                      <a:r>
+                        <a:rPr lang="en-US" sz="1800">
+                          <a:effectLst/>
+                        </a:rPr>
+                        <a:t>74%</a:t>
+                      </a:r>
+                      <a:endParaRPr lang="en-US" sz="2000">
+                        <a:effectLst/>
+                        <a:latin typeface="Calibri" panose="020F0502020204030204" pitchFamily="34" charset="0"/>
+                        <a:ea typeface="Calibri" panose="020F0502020204030204" pitchFamily="34" charset="0"/>
+                        <a:cs typeface="Times New Roman" panose="02020603050405020304" pitchFamily="18" charset="0"/>
+                      </a:endParaRPr>
+                    </a:p>
+                  </a:txBody>
+                  <a:tcPr marL="144738" marR="144738" marT="0" marB="0"/>
+                </a:tc>
+                <a:tc>
+                  <a:txBody>
+                    <a:bodyPr/>
+                    <a:lstStyle/>
+                    <a:p>
+                      <a:pPr marL="0" marR="0" algn="r">
+                        <a:lnSpc>
+                          <a:spcPct val="107000"/>
+                        </a:lnSpc>
+                        <a:spcBef>
+                          <a:spcPts val="0"/>
+                        </a:spcBef>
+                        <a:spcAft>
+                          <a:spcPts val="0"/>
+                        </a:spcAft>
+                      </a:pPr>
+                      <a:r>
+                        <a:rPr lang="en-US" sz="1800">
+                          <a:effectLst/>
+                        </a:rPr>
+                        <a:t>72%</a:t>
+                      </a:r>
+                      <a:endParaRPr lang="en-US" sz="2000">
+                        <a:effectLst/>
+                        <a:latin typeface="Calibri" panose="020F0502020204030204" pitchFamily="34" charset="0"/>
+                        <a:ea typeface="Calibri" panose="020F0502020204030204" pitchFamily="34" charset="0"/>
+                        <a:cs typeface="Times New Roman" panose="02020603050405020304" pitchFamily="18" charset="0"/>
+                      </a:endParaRPr>
+                    </a:p>
+                  </a:txBody>
+                  <a:tcPr marL="144738" marR="144738" marT="0" marB="0"/>
+                </a:tc>
+                <a:tc>
+                  <a:txBody>
+                    <a:bodyPr/>
+                    <a:lstStyle/>
+                    <a:p>
+                      <a:pPr marL="0" marR="0" algn="r">
+                        <a:lnSpc>
+                          <a:spcPct val="107000"/>
+                        </a:lnSpc>
+                        <a:spcBef>
+                          <a:spcPts val="0"/>
+                        </a:spcBef>
+                        <a:spcAft>
+                          <a:spcPts val="0"/>
+                        </a:spcAft>
+                      </a:pPr>
+                      <a:r>
+                        <a:rPr lang="en-US" sz="1800" dirty="0">
+                          <a:effectLst/>
+                        </a:rPr>
+                        <a:t>71%</a:t>
+                      </a:r>
+                      <a:endParaRPr lang="en-US" sz="2000" dirty="0">
+                        <a:effectLst/>
+                        <a:latin typeface="Calibri" panose="020F0502020204030204" pitchFamily="34" charset="0"/>
+                        <a:ea typeface="Calibri" panose="020F0502020204030204" pitchFamily="34" charset="0"/>
+                        <a:cs typeface="Times New Roman" panose="02020603050405020304" pitchFamily="18" charset="0"/>
+                      </a:endParaRPr>
+                    </a:p>
+                  </a:txBody>
+                  <a:tcPr marL="144738" marR="144738" marT="0" marB="0"/>
+                </a:tc>
+                <a:tc>
+                  <a:txBody>
+                    <a:bodyPr/>
+                    <a:lstStyle/>
+                    <a:p>
+                      <a:pPr marL="0" marR="0" algn="r">
+                        <a:lnSpc>
+                          <a:spcPct val="107000"/>
+                        </a:lnSpc>
+                        <a:spcBef>
+                          <a:spcPts val="0"/>
+                        </a:spcBef>
+                        <a:spcAft>
+                          <a:spcPts val="0"/>
+                        </a:spcAft>
+                      </a:pPr>
+                      <a:r>
+                        <a:rPr lang="en-US" sz="1800" dirty="0">
+                          <a:effectLst/>
+                        </a:rPr>
+                        <a:t>69%</a:t>
+                      </a:r>
+                      <a:endParaRPr lang="en-US" sz="2000" dirty="0">
+                        <a:effectLst/>
+                        <a:latin typeface="Calibri" panose="020F0502020204030204" pitchFamily="34" charset="0"/>
+                        <a:ea typeface="Calibri" panose="020F0502020204030204" pitchFamily="34" charset="0"/>
+                        <a:cs typeface="Times New Roman" panose="02020603050405020304" pitchFamily="18" charset="0"/>
+                      </a:endParaRPr>
+                    </a:p>
+                  </a:txBody>
+                  <a:tcPr marL="144738" marR="144738" marT="0" marB="0"/>
+                </a:tc>
+                <a:tc>
+                  <a:txBody>
+                    <a:bodyPr/>
+                    <a:lstStyle/>
+                    <a:p>
+                      <a:pPr marL="0" marR="0" algn="r">
+                        <a:lnSpc>
+                          <a:spcPct val="107000"/>
+                        </a:lnSpc>
+                        <a:spcBef>
+                          <a:spcPts val="0"/>
+                        </a:spcBef>
+                        <a:spcAft>
+                          <a:spcPts val="0"/>
+                        </a:spcAft>
+                      </a:pPr>
+                      <a:r>
+                        <a:rPr lang="en-US" sz="1800" dirty="0">
+                          <a:effectLst/>
+                        </a:rPr>
+                        <a:t>80%</a:t>
+                      </a:r>
+                      <a:endParaRPr lang="en-US" sz="2000" dirty="0">
+                        <a:effectLst/>
+                        <a:latin typeface="Calibri" panose="020F0502020204030204" pitchFamily="34" charset="0"/>
+                        <a:ea typeface="Calibri" panose="020F0502020204030204" pitchFamily="34" charset="0"/>
+                        <a:cs typeface="Times New Roman" panose="02020603050405020304" pitchFamily="18" charset="0"/>
+                      </a:endParaRPr>
+                    </a:p>
+                  </a:txBody>
+                  <a:tcPr marL="144738" marR="144738" marT="0" marB="0"/>
+                </a:tc>
+                <a:tc>
+                  <a:txBody>
+                    <a:bodyPr/>
+                    <a:lstStyle/>
+                    <a:p>
+                      <a:pPr marL="0" marR="0" algn="r">
+                        <a:lnSpc>
+                          <a:spcPct val="107000"/>
+                        </a:lnSpc>
+                        <a:spcBef>
+                          <a:spcPts val="0"/>
+                        </a:spcBef>
+                        <a:spcAft>
+                          <a:spcPts val="0"/>
+                        </a:spcAft>
+                      </a:pPr>
+                      <a:r>
+                        <a:rPr lang="en-US" sz="1800">
+                          <a:effectLst/>
+                        </a:rPr>
+                        <a:t>33%</a:t>
+                      </a:r>
+                      <a:endParaRPr lang="en-US" sz="2000">
+                        <a:effectLst/>
+                        <a:latin typeface="Calibri" panose="020F0502020204030204" pitchFamily="34" charset="0"/>
+                        <a:ea typeface="Calibri" panose="020F0502020204030204" pitchFamily="34" charset="0"/>
+                        <a:cs typeface="Times New Roman" panose="02020603050405020304" pitchFamily="18" charset="0"/>
+                      </a:endParaRPr>
+                    </a:p>
+                  </a:txBody>
+                  <a:tcPr marL="144738" marR="144738" marT="0" marB="0"/>
+                </a:tc>
+                <a:extLst>
+                  <a:ext uri="{0D108BD9-81ED-4DB2-BD59-A6C34878D82A}">
+                    <a16:rowId xmlns:a16="http://schemas.microsoft.com/office/drawing/2014/main" val="2109538505"/>
+                  </a:ext>
+                </a:extLst>
+              </a:tr>
+              <a:tr h="605755">
+                <a:tc>
+                  <a:txBody>
+                    <a:bodyPr/>
+                    <a:lstStyle/>
+                    <a:p>
+                      <a:pPr marL="0" marR="0">
+                        <a:lnSpc>
+                          <a:spcPct val="107000"/>
+                        </a:lnSpc>
+                        <a:spcBef>
+                          <a:spcPts val="0"/>
+                        </a:spcBef>
+                        <a:spcAft>
+                          <a:spcPts val="0"/>
+                        </a:spcAft>
+                      </a:pPr>
+                      <a:r>
+                        <a:rPr lang="en-US" sz="1800">
+                          <a:effectLst/>
+                        </a:rPr>
+                        <a:t>Reported Bugs (actual)</a:t>
+                      </a:r>
+                      <a:endParaRPr lang="en-US" sz="2000">
+                        <a:effectLst/>
+                        <a:latin typeface="Calibri" panose="020F0502020204030204" pitchFamily="34" charset="0"/>
+                        <a:ea typeface="Calibri" panose="020F0502020204030204" pitchFamily="34" charset="0"/>
+                        <a:cs typeface="Times New Roman" panose="02020603050405020304" pitchFamily="18" charset="0"/>
+                      </a:endParaRPr>
+                    </a:p>
+                  </a:txBody>
+                  <a:tcPr marL="144738" marR="144738" marT="0" marB="0"/>
+                </a:tc>
+                <a:tc>
+                  <a:txBody>
+                    <a:bodyPr/>
+                    <a:lstStyle/>
+                    <a:p>
+                      <a:pPr marL="0" marR="0" algn="r">
+                        <a:lnSpc>
+                          <a:spcPct val="107000"/>
+                        </a:lnSpc>
+                        <a:spcBef>
+                          <a:spcPts val="0"/>
+                        </a:spcBef>
+                        <a:spcAft>
+                          <a:spcPts val="0"/>
+                        </a:spcAft>
+                      </a:pPr>
+                      <a:r>
+                        <a:rPr lang="en-US" sz="1800">
+                          <a:effectLst/>
+                        </a:rPr>
+                        <a:t>0 (0)</a:t>
+                      </a:r>
+                      <a:endParaRPr lang="en-US" sz="2000">
+                        <a:effectLst/>
+                        <a:latin typeface="Calibri" panose="020F0502020204030204" pitchFamily="34" charset="0"/>
+                        <a:ea typeface="Calibri" panose="020F0502020204030204" pitchFamily="34" charset="0"/>
+                        <a:cs typeface="Times New Roman" panose="02020603050405020304" pitchFamily="18" charset="0"/>
+                      </a:endParaRPr>
+                    </a:p>
+                  </a:txBody>
+                  <a:tcPr marL="144738" marR="144738" marT="0" marB="0"/>
+                </a:tc>
+                <a:tc>
+                  <a:txBody>
+                    <a:bodyPr/>
+                    <a:lstStyle/>
+                    <a:p>
+                      <a:pPr marL="0" marR="0" algn="r">
+                        <a:lnSpc>
+                          <a:spcPct val="107000"/>
+                        </a:lnSpc>
+                        <a:spcBef>
+                          <a:spcPts val="0"/>
+                        </a:spcBef>
+                        <a:spcAft>
+                          <a:spcPts val="0"/>
+                        </a:spcAft>
+                      </a:pPr>
+                      <a:r>
+                        <a:rPr lang="en-US" sz="1800">
+                          <a:effectLst/>
+                        </a:rPr>
+                        <a:t>0 (0)</a:t>
+                      </a:r>
+                      <a:endParaRPr lang="en-US" sz="2000">
+                        <a:effectLst/>
+                        <a:latin typeface="Calibri" panose="020F0502020204030204" pitchFamily="34" charset="0"/>
+                        <a:ea typeface="Calibri" panose="020F0502020204030204" pitchFamily="34" charset="0"/>
+                        <a:cs typeface="Times New Roman" panose="02020603050405020304" pitchFamily="18" charset="0"/>
+                      </a:endParaRPr>
+                    </a:p>
+                  </a:txBody>
+                  <a:tcPr marL="144738" marR="144738" marT="0" marB="0"/>
+                </a:tc>
+                <a:tc>
+                  <a:txBody>
+                    <a:bodyPr/>
+                    <a:lstStyle/>
+                    <a:p>
+                      <a:pPr marL="0" marR="0" algn="r">
+                        <a:lnSpc>
+                          <a:spcPct val="107000"/>
+                        </a:lnSpc>
+                        <a:spcBef>
+                          <a:spcPts val="0"/>
+                        </a:spcBef>
+                        <a:spcAft>
+                          <a:spcPts val="0"/>
+                        </a:spcAft>
+                      </a:pPr>
+                      <a:r>
+                        <a:rPr lang="en-US" sz="1800">
+                          <a:effectLst/>
+                        </a:rPr>
+                        <a:t>0 (0)</a:t>
+                      </a:r>
+                      <a:endParaRPr lang="en-US" sz="2000">
+                        <a:effectLst/>
+                        <a:latin typeface="Calibri" panose="020F0502020204030204" pitchFamily="34" charset="0"/>
+                        <a:ea typeface="Calibri" panose="020F0502020204030204" pitchFamily="34" charset="0"/>
+                        <a:cs typeface="Times New Roman" panose="02020603050405020304" pitchFamily="18" charset="0"/>
+                      </a:endParaRPr>
+                    </a:p>
+                  </a:txBody>
+                  <a:tcPr marL="144738" marR="144738" marT="0" marB="0"/>
+                </a:tc>
+                <a:tc>
+                  <a:txBody>
+                    <a:bodyPr/>
+                    <a:lstStyle/>
+                    <a:p>
+                      <a:pPr marL="0" marR="0" algn="r">
+                        <a:lnSpc>
+                          <a:spcPct val="107000"/>
+                        </a:lnSpc>
+                        <a:spcBef>
+                          <a:spcPts val="0"/>
+                        </a:spcBef>
+                        <a:spcAft>
+                          <a:spcPts val="0"/>
+                        </a:spcAft>
+                      </a:pPr>
+                      <a:r>
+                        <a:rPr lang="en-US" sz="1800">
+                          <a:effectLst/>
+                        </a:rPr>
+                        <a:t>5 (5)</a:t>
+                      </a:r>
+                      <a:endParaRPr lang="en-US" sz="2000">
+                        <a:effectLst/>
+                        <a:latin typeface="Calibri" panose="020F0502020204030204" pitchFamily="34" charset="0"/>
+                        <a:ea typeface="Calibri" panose="020F0502020204030204" pitchFamily="34" charset="0"/>
+                        <a:cs typeface="Times New Roman" panose="02020603050405020304" pitchFamily="18" charset="0"/>
+                      </a:endParaRPr>
+                    </a:p>
+                  </a:txBody>
+                  <a:tcPr marL="144738" marR="144738" marT="0" marB="0"/>
+                </a:tc>
+                <a:tc>
+                  <a:txBody>
+                    <a:bodyPr/>
+                    <a:lstStyle/>
+                    <a:p>
+                      <a:pPr marL="0" marR="0" algn="r">
+                        <a:lnSpc>
+                          <a:spcPct val="107000"/>
+                        </a:lnSpc>
+                        <a:spcBef>
+                          <a:spcPts val="0"/>
+                        </a:spcBef>
+                        <a:spcAft>
+                          <a:spcPts val="0"/>
+                        </a:spcAft>
+                      </a:pPr>
+                      <a:r>
+                        <a:rPr lang="en-US" sz="1800">
+                          <a:effectLst/>
+                        </a:rPr>
+                        <a:t>0 (0)</a:t>
+                      </a:r>
+                      <a:endParaRPr lang="en-US" sz="2000">
+                        <a:effectLst/>
+                        <a:latin typeface="Calibri" panose="020F0502020204030204" pitchFamily="34" charset="0"/>
+                        <a:ea typeface="Calibri" panose="020F0502020204030204" pitchFamily="34" charset="0"/>
+                        <a:cs typeface="Times New Roman" panose="02020603050405020304" pitchFamily="18" charset="0"/>
+                      </a:endParaRPr>
+                    </a:p>
+                  </a:txBody>
+                  <a:tcPr marL="144738" marR="144738" marT="0" marB="0"/>
+                </a:tc>
+                <a:tc>
+                  <a:txBody>
+                    <a:bodyPr/>
+                    <a:lstStyle/>
+                    <a:p>
+                      <a:pPr marL="0" marR="0" algn="r">
+                        <a:lnSpc>
+                          <a:spcPct val="107000"/>
+                        </a:lnSpc>
+                        <a:spcBef>
+                          <a:spcPts val="0"/>
+                        </a:spcBef>
+                        <a:spcAft>
+                          <a:spcPts val="0"/>
+                        </a:spcAft>
+                      </a:pPr>
+                      <a:r>
+                        <a:rPr lang="en-US" sz="1800">
+                          <a:effectLst/>
+                        </a:rPr>
+                        <a:t>0 (0)</a:t>
+                      </a:r>
+                      <a:endParaRPr lang="en-US" sz="2000">
+                        <a:effectLst/>
+                        <a:latin typeface="Calibri" panose="020F0502020204030204" pitchFamily="34" charset="0"/>
+                        <a:ea typeface="Calibri" panose="020F0502020204030204" pitchFamily="34" charset="0"/>
+                        <a:cs typeface="Times New Roman" panose="02020603050405020304" pitchFamily="18" charset="0"/>
+                      </a:endParaRPr>
+                    </a:p>
+                  </a:txBody>
+                  <a:tcPr marL="144738" marR="144738" marT="0" marB="0"/>
+                </a:tc>
+                <a:tc>
+                  <a:txBody>
+                    <a:bodyPr/>
+                    <a:lstStyle/>
+                    <a:p>
+                      <a:pPr marL="0" marR="0" algn="r">
+                        <a:lnSpc>
+                          <a:spcPct val="107000"/>
+                        </a:lnSpc>
+                        <a:spcBef>
+                          <a:spcPts val="0"/>
+                        </a:spcBef>
+                        <a:spcAft>
+                          <a:spcPts val="0"/>
+                        </a:spcAft>
+                      </a:pPr>
+                      <a:r>
+                        <a:rPr lang="en-US" sz="1800">
+                          <a:effectLst/>
+                        </a:rPr>
+                        <a:t>2 (2)</a:t>
+                      </a:r>
+                      <a:endParaRPr lang="en-US" sz="2000">
+                        <a:effectLst/>
+                        <a:latin typeface="Calibri" panose="020F0502020204030204" pitchFamily="34" charset="0"/>
+                        <a:ea typeface="Calibri" panose="020F0502020204030204" pitchFamily="34" charset="0"/>
+                        <a:cs typeface="Times New Roman" panose="02020603050405020304" pitchFamily="18" charset="0"/>
+                      </a:endParaRPr>
+                    </a:p>
+                  </a:txBody>
+                  <a:tcPr marL="144738" marR="144738" marT="0" marB="0"/>
+                </a:tc>
+                <a:tc>
+                  <a:txBody>
+                    <a:bodyPr/>
+                    <a:lstStyle/>
+                    <a:p>
+                      <a:pPr marL="0" marR="0" algn="r">
+                        <a:lnSpc>
+                          <a:spcPct val="107000"/>
+                        </a:lnSpc>
+                        <a:spcBef>
+                          <a:spcPts val="0"/>
+                        </a:spcBef>
+                        <a:spcAft>
+                          <a:spcPts val="0"/>
+                        </a:spcAft>
+                      </a:pPr>
+                      <a:r>
+                        <a:rPr lang="en-US" sz="1800" dirty="0">
+                          <a:effectLst/>
+                        </a:rPr>
+                        <a:t>4 (4)</a:t>
+                      </a:r>
+                      <a:endParaRPr lang="en-US" sz="2000" dirty="0">
+                        <a:effectLst/>
+                        <a:latin typeface="Calibri" panose="020F0502020204030204" pitchFamily="34" charset="0"/>
+                        <a:ea typeface="Calibri" panose="020F0502020204030204" pitchFamily="34" charset="0"/>
+                        <a:cs typeface="Times New Roman" panose="02020603050405020304" pitchFamily="18" charset="0"/>
+                      </a:endParaRPr>
+                    </a:p>
+                  </a:txBody>
+                  <a:tcPr marL="144738" marR="144738" marT="0" marB="0"/>
+                </a:tc>
+                <a:tc>
+                  <a:txBody>
+                    <a:bodyPr/>
+                    <a:lstStyle/>
+                    <a:p>
+                      <a:pPr marL="0" marR="0" algn="r">
+                        <a:lnSpc>
+                          <a:spcPct val="107000"/>
+                        </a:lnSpc>
+                        <a:spcBef>
+                          <a:spcPts val="0"/>
+                        </a:spcBef>
+                        <a:spcAft>
+                          <a:spcPts val="0"/>
+                        </a:spcAft>
+                      </a:pPr>
+                      <a:r>
+                        <a:rPr lang="en-US" sz="1800" dirty="0">
+                          <a:effectLst/>
+                        </a:rPr>
+                        <a:t>7 (5)</a:t>
+                      </a:r>
+                      <a:endParaRPr lang="en-US" sz="2000" dirty="0">
+                        <a:effectLst/>
+                        <a:latin typeface="Calibri" panose="020F0502020204030204" pitchFamily="34" charset="0"/>
+                        <a:ea typeface="Calibri" panose="020F0502020204030204" pitchFamily="34" charset="0"/>
+                        <a:cs typeface="Times New Roman" panose="02020603050405020304" pitchFamily="18" charset="0"/>
+                      </a:endParaRPr>
+                    </a:p>
+                  </a:txBody>
+                  <a:tcPr marL="144738" marR="144738" marT="0" marB="0"/>
+                </a:tc>
+                <a:extLst>
+                  <a:ext uri="{0D108BD9-81ED-4DB2-BD59-A6C34878D82A}">
+                    <a16:rowId xmlns:a16="http://schemas.microsoft.com/office/drawing/2014/main" val="1415725614"/>
+                  </a:ext>
+                </a:extLst>
+              </a:tr>
+            </a:tbl>
+          </a:graphicData>
+        </a:graphic>
+      </p:graphicFrame>
+    </p:spTree>
+    <p:extLst>
+      <p:ext uri="{BB962C8B-B14F-4D97-AF65-F5344CB8AC3E}">
+        <p14:creationId xmlns:p14="http://schemas.microsoft.com/office/powerpoint/2010/main" val="857693972"/>
+      </p:ext>
+    </p:extLst>
+  </p:cSld>
+  <p:clrMapOvr>
+    <a:masterClrMapping/>
+  </p:clrMapOvr>
+</p:sld>
+</file>
+
+<file path=ppt/slides/slide6.xml><?xml version="1.0" encoding="utf-8"?>
+<p:sld xmlns:a="http://schemas.openxmlformats.org/drawingml/2006/main" xmlns:r="http://schemas.openxmlformats.org/officeDocument/2006/relationships" xmlns:p="http://schemas.openxmlformats.org/presentationml/2006/main">
+  <p:cSld>
+    <p:spTree>
+      <p:nvGrpSpPr>
+        <p:cNvPr id="1" name=""/>
+        <p:cNvGrpSpPr/>
+        <p:nvPr/>
+      </p:nvGrpSpPr>
+      <p:grpSpPr>
+        <a:xfrm>
+          <a:off x="0" y="0"/>
+          <a:ext cx="0" cy="0"/>
+          <a:chOff x="0" y="0"/>
+          <a:chExt cx="0" cy="0"/>
+        </a:xfrm>
+      </p:grpSpPr>
+      <p:sp>
+        <p:nvSpPr>
+          <p:cNvPr id="2" name="Title 1">
+            <a:extLst>
+              <a:ext uri="{FF2B5EF4-FFF2-40B4-BE49-F238E27FC236}">
+                <a16:creationId xmlns:a16="http://schemas.microsoft.com/office/drawing/2014/main" id="{71C72D14-B04F-4112-9D8F-4108510C51B0}"/>
+              </a:ext>
+            </a:extLst>
+          </p:cNvPr>
+          <p:cNvSpPr>
+            <a:spLocks noGrp="1"/>
+          </p:cNvSpPr>
+          <p:nvPr>
+            <p:ph type="ctrTitle"/>
+          </p:nvPr>
+        </p:nvSpPr>
+        <p:spPr/>
+        <p:txBody>
+          <a:bodyPr/>
+          <a:lstStyle/>
+          <a:p>
+            <a:r>
+              <a:rPr lang="en-US" dirty="0"/>
+              <a:t>Thank You</a:t>
+            </a:r>
+          </a:p>
+        </p:txBody>
+      </p:sp>
+      <p:sp>
+        <p:nvSpPr>
+          <p:cNvPr id="3" name="Subtitle 2">
+            <a:extLst>
+              <a:ext uri="{FF2B5EF4-FFF2-40B4-BE49-F238E27FC236}">
+                <a16:creationId xmlns:a16="http://schemas.microsoft.com/office/drawing/2014/main" id="{9531906B-F9EF-4111-BC22-C192FAB40827}"/>
+              </a:ext>
+            </a:extLst>
+          </p:cNvPr>
+          <p:cNvSpPr>
+            <a:spLocks noGrp="1"/>
+          </p:cNvSpPr>
+          <p:nvPr>
+            <p:ph type="subTitle" idx="1"/>
+          </p:nvPr>
+        </p:nvSpPr>
+        <p:spPr/>
+        <p:txBody>
+          <a:bodyPr/>
+          <a:lstStyle/>
+          <a:p>
+            <a:endParaRPr lang="en-US"/>
+          </a:p>
+        </p:txBody>
+      </p:sp>
+      <p:sp>
+        <p:nvSpPr>
+          <p:cNvPr id="4" name="Slide Number Placeholder 3">
+            <a:extLst>
+              <a:ext uri="{FF2B5EF4-FFF2-40B4-BE49-F238E27FC236}">
+                <a16:creationId xmlns:a16="http://schemas.microsoft.com/office/drawing/2014/main" id="{665CAC0B-397B-47A4-B18D-F24173808EDA}"/>
+              </a:ext>
+            </a:extLst>
+          </p:cNvPr>
+          <p:cNvSpPr>
+            <a:spLocks noGrp="1"/>
+          </p:cNvSpPr>
+          <p:nvPr>
+            <p:ph type="sldNum" sz="quarter" idx="12"/>
+          </p:nvPr>
+        </p:nvSpPr>
+        <p:spPr/>
+        <p:txBody>
+          <a:bodyPr/>
+          <a:lstStyle/>
+          <a:p>
+            <a:fld id="{7C005ACB-AC83-46B2-A3CC-8E2535F9650E}" type="slidenum">
+              <a:rPr lang="en-US" smtClean="0"/>
+              <a:pPr/>
+              <a:t>6</a:t>
+            </a:fld>
+            <a:endParaRPr lang="en-US"/>
+          </a:p>
+        </p:txBody>
+      </p:sp>
+    </p:spTree>
+    <p:extLst>
+      <p:ext uri="{BB962C8B-B14F-4D97-AF65-F5344CB8AC3E}">
+        <p14:creationId xmlns:p14="http://schemas.microsoft.com/office/powerpoint/2010/main" val="3027298274"/>
       </p:ext>
     </p:extLst>
   </p:cSld>

--- a/Lightning Talk.pptx
+++ b/Lightning Talk.pptx
@@ -202,7 +202,7 @@
           <a:p>
             <a:fld id="{E2899D46-1E0B-4420-8741-92F6D0166A1B}" type="datetimeFigureOut">
               <a:rPr lang="en-US" smtClean="0"/>
-              <a:t>4/22/2020</a:t>
+              <a:t>4/23/2020</a:t>
             </a:fld>
             <a:endParaRPr lang="en-US"/>
           </a:p>
@@ -619,6 +619,12 @@
           <a:lstStyle/>
           <a:p>
             <a:r>
+              <a:rPr lang="en-US"/>
+              <a:t>Two test sets.</a:t>
+            </a:r>
+          </a:p>
+          <a:p>
+            <a:r>
               <a:rPr lang="en-US" dirty="0"/>
               <a:t>Android apps use the Gradle build system.</a:t>
             </a:r>
@@ -1201,7 +1207,7 @@
             <a:fld id="{5FC4E2AD-B813-4B69-931D-F8E70443C263}" type="datetime1">
               <a:rPr lang="en-US" smtClean="0"/>
               <a:pPr/>
-              <a:t>4/22/2020</a:t>
+              <a:t>4/23/2020</a:t>
             </a:fld>
             <a:endParaRPr lang="en-US"/>
           </a:p>
@@ -1425,7 +1431,7 @@
             <a:fld id="{58525C5E-9F15-47F9-9EEB-02850613EB3E}" type="datetime1">
               <a:rPr lang="en-US" smtClean="0"/>
               <a:pPr/>
-              <a:t>4/22/2020</a:t>
+              <a:t>4/23/2020</a:t>
             </a:fld>
             <a:endParaRPr lang="en-US"/>
           </a:p>
@@ -1659,7 +1665,7 @@
             <a:fld id="{D0144A0C-1A44-49B2-A404-6EAAA15ABD5A}" type="datetime1">
               <a:rPr lang="en-US" smtClean="0"/>
               <a:pPr/>
-              <a:t>4/22/2020</a:t>
+              <a:t>4/23/2020</a:t>
             </a:fld>
             <a:endParaRPr lang="en-US"/>
           </a:p>
@@ -1883,7 +1889,7 @@
             <a:fld id="{FFD5860E-5C51-43A5-BF43-2D439BEE27F6}" type="datetime1">
               <a:rPr lang="en-US" smtClean="0"/>
               <a:pPr/>
-              <a:t>4/22/2020</a:t>
+              <a:t>4/23/2020</a:t>
             </a:fld>
             <a:endParaRPr lang="en-US"/>
           </a:p>
@@ -2184,7 +2190,7 @@
             <a:fld id="{2F08FDF9-4066-4900-89B1-04E6CA7299BE}" type="datetime1">
               <a:rPr lang="en-US" smtClean="0"/>
               <a:pPr/>
-              <a:t>4/22/2020</a:t>
+              <a:t>4/23/2020</a:t>
             </a:fld>
             <a:endParaRPr lang="en-US"/>
           </a:p>
@@ -2475,7 +2481,7 @@
             <a:fld id="{8644D212-7F25-45E5-AF86-805A0A6E857C}" type="datetime1">
               <a:rPr lang="en-US" smtClean="0"/>
               <a:pPr/>
-              <a:t>4/22/2020</a:t>
+              <a:t>4/23/2020</a:t>
             </a:fld>
             <a:endParaRPr lang="en-US"/>
           </a:p>
@@ -2913,7 +2919,7 @@
             <a:fld id="{EFA21AF9-9EC0-474A-9D5D-EBAE4BCB5E24}" type="datetime1">
               <a:rPr lang="en-US" smtClean="0"/>
               <a:pPr/>
-              <a:t>4/22/2020</a:t>
+              <a:t>4/23/2020</a:t>
             </a:fld>
             <a:endParaRPr lang="en-US"/>
           </a:p>
@@ -3080,7 +3086,7 @@
             <a:fld id="{F45C548E-79A5-4934-9529-685B2B64FB84}" type="datetime1">
               <a:rPr lang="en-US" smtClean="0"/>
               <a:pPr/>
-              <a:t>4/22/2020</a:t>
+              <a:t>4/23/2020</a:t>
             </a:fld>
             <a:endParaRPr lang="en-US"/>
           </a:p>
@@ -3219,7 +3225,7 @@
             <a:fld id="{AF334C04-7E06-41A0-9773-C171CC4D4F1A}" type="datetime1">
               <a:rPr lang="en-US" smtClean="0"/>
               <a:pPr/>
-              <a:t>4/22/2020</a:t>
+              <a:t>4/23/2020</a:t>
             </a:fld>
             <a:endParaRPr lang="en-US"/>
           </a:p>
@@ -3556,7 +3562,7 @@
             <a:fld id="{019087D4-E853-47D6-AA91-3F42132E2E98}" type="datetime1">
               <a:rPr lang="en-US" smtClean="0"/>
               <a:pPr/>
-              <a:t>4/22/2020</a:t>
+              <a:t>4/23/2020</a:t>
             </a:fld>
             <a:endParaRPr lang="en-US"/>
           </a:p>
@@ -3870,7 +3876,7 @@
             <a:fld id="{ADC8B20A-1B4C-454F-830A-180E52D8041D}" type="datetime1">
               <a:rPr lang="en-US" smtClean="0"/>
               <a:pPr/>
-              <a:t>4/22/2020</a:t>
+              <a:t>4/23/2020</a:t>
             </a:fld>
             <a:endParaRPr lang="en-US"/>
           </a:p>
@@ -4191,7 +4197,7 @@
           <a:p>
             <a:fld id="{3FEB07C9-5614-4780-8827-60A98C34F9C3}" type="datetime1">
               <a:rPr lang="en-US" smtClean="0"/>
-              <a:t>4/22/2020</a:t>
+              <a:t>4/23/2020</a:t>
             </a:fld>
             <a:endParaRPr lang="en-US"/>
           </a:p>
@@ -4783,13 +4789,13 @@
   <p:clrMapOvr>
     <a:masterClrMapping/>
   </p:clrMapOvr>
-  <mc:AlternateContent xmlns:mc="http://schemas.openxmlformats.org/markup-compatibility/2006" xmlns:p14="http://schemas.microsoft.com/office/powerpoint/2010/main">
-    <mc:Choice Requires="p14">
+  <mc:AlternateContent xmlns:mc="http://schemas.openxmlformats.org/markup-compatibility/2006">
+    <mc:Choice xmlns:p14="http://schemas.microsoft.com/office/powerpoint/2010/main" Requires="p14">
       <p:transition spd="med" p14:dur="700">
         <p:fade/>
       </p:transition>
     </mc:Choice>
-    <mc:Fallback xmlns="">
+    <mc:Fallback>
       <p:transition spd="med">
         <p:fade/>
       </p:transition>
@@ -4944,6 +4950,18 @@
   <p:clrMapOvr>
     <a:masterClrMapping/>
   </p:clrMapOvr>
+  <mc:AlternateContent xmlns:mc="http://schemas.openxmlformats.org/markup-compatibility/2006">
+    <mc:Choice xmlns:p14="http://schemas.microsoft.com/office/powerpoint/2010/main" Requires="p14">
+      <p:transition spd="med" p14:dur="700">
+        <p:fade/>
+      </p:transition>
+    </mc:Choice>
+    <mc:Fallback>
+      <p:transition spd="med">
+        <p:fade/>
+      </p:transition>
+    </mc:Fallback>
+  </mc:AlternateContent>
 </p:sld>
 </file>
 
@@ -5129,6 +5147,18 @@
   <p:clrMapOvr>
     <a:masterClrMapping/>
   </p:clrMapOvr>
+  <mc:AlternateContent xmlns:mc="http://schemas.openxmlformats.org/markup-compatibility/2006">
+    <mc:Choice xmlns:p14="http://schemas.microsoft.com/office/powerpoint/2010/main" Requires="p14">
+      <p:transition spd="med" p14:dur="700">
+        <p:fade/>
+      </p:transition>
+    </mc:Choice>
+    <mc:Fallback>
+      <p:transition spd="med">
+        <p:fade/>
+      </p:transition>
+    </mc:Fallback>
+  </mc:AlternateContent>
 </p:sld>
 </file>
 
@@ -5193,14 +5223,14 @@
             <p:ph idx="1"/>
             <p:extLst>
               <p:ext uri="{D42A27DB-BD31-4B8C-83A1-F6EECF244321}">
-                <p14:modId xmlns:p14="http://schemas.microsoft.com/office/powerpoint/2010/main" val="2769947856"/>
+                <p14:modId xmlns:p14="http://schemas.microsoft.com/office/powerpoint/2010/main" val="3176209959"/>
               </p:ext>
             </p:extLst>
           </p:nvPr>
         </p:nvGraphicFramePr>
         <p:xfrm>
-          <a:off x="368517" y="2226696"/>
-          <a:ext cx="11454965" cy="3593645"/>
+          <a:off x="650276" y="2226696"/>
+          <a:ext cx="10891448" cy="3593645"/>
         </p:xfrm>
         <a:graphic>
           <a:graphicData uri="http://schemas.openxmlformats.org/drawingml/2006/table">
@@ -5209,35 +5239,35 @@
                 <a:tableStyleId>{5C22544A-7EE6-4342-B048-85BDC9FD1C3A}</a:tableStyleId>
               </a:tblPr>
               <a:tblGrid>
-                <a:gridCol w="3387039">
+                <a:gridCol w="3220416">
                   <a:extLst>
                     <a:ext uri="{9D8B030D-6E8A-4147-A177-3AD203B41FA5}">
                       <a16:colId xmlns:a16="http://schemas.microsoft.com/office/drawing/2014/main" val="1362067105"/>
                     </a:ext>
                   </a:extLst>
                 </a:gridCol>
-                <a:gridCol w="2215123">
+                <a:gridCol w="2106151">
                   <a:extLst>
                     <a:ext uri="{9D8B030D-6E8A-4147-A177-3AD203B41FA5}">
                       <a16:colId xmlns:a16="http://schemas.microsoft.com/office/drawing/2014/main" val="2880734857"/>
                     </a:ext>
                   </a:extLst>
                 </a:gridCol>
-                <a:gridCol w="2194801">
+                <a:gridCol w="2086829">
                   <a:extLst>
                     <a:ext uri="{9D8B030D-6E8A-4147-A177-3AD203B41FA5}">
                       <a16:colId xmlns:a16="http://schemas.microsoft.com/office/drawing/2014/main" val="544060563"/>
                     </a:ext>
                   </a:extLst>
                 </a:gridCol>
-                <a:gridCol w="1829001">
+                <a:gridCol w="1739026">
                   <a:extLst>
                     <a:ext uri="{9D8B030D-6E8A-4147-A177-3AD203B41FA5}">
                       <a16:colId xmlns:a16="http://schemas.microsoft.com/office/drawing/2014/main" val="4198514732"/>
                     </a:ext>
                   </a:extLst>
                 </a:gridCol>
-                <a:gridCol w="1829001">
+                <a:gridCol w="1739026">
                   <a:extLst>
                     <a:ext uri="{9D8B030D-6E8A-4147-A177-3AD203B41FA5}">
                       <a16:colId xmlns:a16="http://schemas.microsoft.com/office/drawing/2014/main" val="2362467250"/>
@@ -5251,7 +5281,7 @@
                     <a:bodyPr/>
                     <a:lstStyle/>
                     <a:p>
-                      <a:endParaRPr lang="en-US" sz="2300">
+                      <a:endParaRPr lang="en-US" sz="2300" dirty="0">
                         <a:effectLst/>
                         <a:latin typeface="Calibri" panose="020F0502020204030204" pitchFamily="34" charset="0"/>
                         <a:cs typeface="Times New Roman" panose="02020603050405020304" pitchFamily="18" charset="0"/>
@@ -6597,6 +6627,178 @@
           </a:p>
         </p:txBody>
       </p:sp>
+      <p:cxnSp>
+        <p:nvCxnSpPr>
+          <p:cNvPr id="6" name="Straight Arrow Connector 5">
+            <a:extLst>
+              <a:ext uri="{FF2B5EF4-FFF2-40B4-BE49-F238E27FC236}">
+                <a16:creationId xmlns:a16="http://schemas.microsoft.com/office/drawing/2014/main" id="{117E0833-93CD-4C3E-869F-B91D1DD2A39B}"/>
+              </a:ext>
+            </a:extLst>
+          </p:cNvPr>
+          <p:cNvCxnSpPr>
+            <a:cxnSpLocks/>
+          </p:cNvCxnSpPr>
+          <p:nvPr/>
+        </p:nvCxnSpPr>
+        <p:spPr>
+          <a:xfrm flipH="1">
+            <a:off x="11541724" y="5674381"/>
+            <a:ext cx="650276" cy="0"/>
+          </a:xfrm>
+          <a:prstGeom prst="straightConnector1">
+            <a:avLst/>
+          </a:prstGeom>
+          <a:ln w="165100">
+            <a:solidFill>
+              <a:schemeClr val="tx1"/>
+            </a:solidFill>
+            <a:tailEnd type="triangle"/>
+          </a:ln>
+        </p:spPr>
+        <p:style>
+          <a:lnRef idx="1">
+            <a:schemeClr val="accent1"/>
+          </a:lnRef>
+          <a:fillRef idx="0">
+            <a:schemeClr val="accent1"/>
+          </a:fillRef>
+          <a:effectRef idx="0">
+            <a:schemeClr val="accent1"/>
+          </a:effectRef>
+          <a:fontRef idx="minor">
+            <a:schemeClr val="tx1"/>
+          </a:fontRef>
+        </p:style>
+      </p:cxnSp>
+      <p:cxnSp>
+        <p:nvCxnSpPr>
+          <p:cNvPr id="7" name="Straight Arrow Connector 6">
+            <a:extLst>
+              <a:ext uri="{FF2B5EF4-FFF2-40B4-BE49-F238E27FC236}">
+                <a16:creationId xmlns:a16="http://schemas.microsoft.com/office/drawing/2014/main" id="{A9825B08-98A4-42F1-B4A7-B00A014C10D8}"/>
+              </a:ext>
+            </a:extLst>
+          </p:cNvPr>
+          <p:cNvCxnSpPr>
+            <a:cxnSpLocks/>
+          </p:cNvCxnSpPr>
+          <p:nvPr/>
+        </p:nvCxnSpPr>
+        <p:spPr>
+          <a:xfrm flipH="1">
+            <a:off x="11541724" y="5239483"/>
+            <a:ext cx="650276" cy="0"/>
+          </a:xfrm>
+          <a:prstGeom prst="straightConnector1">
+            <a:avLst/>
+          </a:prstGeom>
+          <a:ln w="165100">
+            <a:solidFill>
+              <a:schemeClr val="tx1"/>
+            </a:solidFill>
+            <a:tailEnd type="triangle"/>
+          </a:ln>
+        </p:spPr>
+        <p:style>
+          <a:lnRef idx="1">
+            <a:schemeClr val="accent1"/>
+          </a:lnRef>
+          <a:fillRef idx="0">
+            <a:schemeClr val="accent1"/>
+          </a:fillRef>
+          <a:effectRef idx="0">
+            <a:schemeClr val="accent1"/>
+          </a:effectRef>
+          <a:fontRef idx="minor">
+            <a:schemeClr val="tx1"/>
+          </a:fontRef>
+        </p:style>
+      </p:cxnSp>
+      <p:cxnSp>
+        <p:nvCxnSpPr>
+          <p:cNvPr id="9" name="Straight Arrow Connector 8">
+            <a:extLst>
+              <a:ext uri="{FF2B5EF4-FFF2-40B4-BE49-F238E27FC236}">
+                <a16:creationId xmlns:a16="http://schemas.microsoft.com/office/drawing/2014/main" id="{3DA58E03-C117-403C-9DA8-E3CD96D6D08F}"/>
+              </a:ext>
+            </a:extLst>
+          </p:cNvPr>
+          <p:cNvCxnSpPr/>
+          <p:nvPr/>
+        </p:nvCxnSpPr>
+        <p:spPr>
+          <a:xfrm>
+            <a:off x="7032123" y="1356901"/>
+            <a:ext cx="0" cy="869795"/>
+          </a:xfrm>
+          <a:prstGeom prst="straightConnector1">
+            <a:avLst/>
+          </a:prstGeom>
+          <a:ln w="165100">
+            <a:solidFill>
+              <a:schemeClr val="tx1"/>
+            </a:solidFill>
+            <a:tailEnd type="triangle"/>
+          </a:ln>
+        </p:spPr>
+        <p:style>
+          <a:lnRef idx="1">
+            <a:schemeClr val="accent1"/>
+          </a:lnRef>
+          <a:fillRef idx="0">
+            <a:schemeClr val="accent1"/>
+          </a:fillRef>
+          <a:effectRef idx="0">
+            <a:schemeClr val="accent1"/>
+          </a:effectRef>
+          <a:fontRef idx="minor">
+            <a:schemeClr val="tx1"/>
+          </a:fontRef>
+        </p:style>
+      </p:cxnSp>
+      <p:cxnSp>
+        <p:nvCxnSpPr>
+          <p:cNvPr id="10" name="Straight Arrow Connector 9">
+            <a:extLst>
+              <a:ext uri="{FF2B5EF4-FFF2-40B4-BE49-F238E27FC236}">
+                <a16:creationId xmlns:a16="http://schemas.microsoft.com/office/drawing/2014/main" id="{2F718CFC-C837-49DD-94A1-8E3670846533}"/>
+              </a:ext>
+            </a:extLst>
+          </p:cNvPr>
+          <p:cNvCxnSpPr/>
+          <p:nvPr/>
+        </p:nvCxnSpPr>
+        <p:spPr>
+          <a:xfrm>
+            <a:off x="10659494" y="1356901"/>
+            <a:ext cx="0" cy="869795"/>
+          </a:xfrm>
+          <a:prstGeom prst="straightConnector1">
+            <a:avLst/>
+          </a:prstGeom>
+          <a:ln w="165100">
+            <a:solidFill>
+              <a:schemeClr val="tx1"/>
+            </a:solidFill>
+            <a:tailEnd type="triangle"/>
+          </a:ln>
+        </p:spPr>
+        <p:style>
+          <a:lnRef idx="1">
+            <a:schemeClr val="accent1"/>
+          </a:lnRef>
+          <a:fillRef idx="0">
+            <a:schemeClr val="accent1"/>
+          </a:fillRef>
+          <a:effectRef idx="0">
+            <a:schemeClr val="accent1"/>
+          </a:effectRef>
+          <a:fontRef idx="minor">
+            <a:schemeClr val="tx1"/>
+          </a:fontRef>
+        </p:style>
+      </p:cxnSp>
     </p:spTree>
     <p:extLst>
       <p:ext uri="{BB962C8B-B14F-4D97-AF65-F5344CB8AC3E}">
@@ -6607,6 +6809,517 @@
   <p:clrMapOvr>
     <a:masterClrMapping/>
   </p:clrMapOvr>
+  <mc:AlternateContent xmlns:mc="http://schemas.openxmlformats.org/markup-compatibility/2006">
+    <mc:Choice xmlns:p14="http://schemas.microsoft.com/office/powerpoint/2010/main" Requires="p14">
+      <p:transition spd="med" p14:dur="700">
+        <p:fade/>
+      </p:transition>
+    </mc:Choice>
+    <mc:Fallback>
+      <p:transition spd="med">
+        <p:fade/>
+      </p:transition>
+    </mc:Fallback>
+  </mc:AlternateContent>
+  <p:timing>
+    <p:tnLst>
+      <p:par>
+        <p:cTn id="1" dur="indefinite" restart="never" nodeType="tmRoot">
+          <p:childTnLst>
+            <p:seq concurrent="1" nextAc="seek">
+              <p:cTn id="2" dur="indefinite" nodeType="mainSeq">
+                <p:childTnLst>
+                  <p:par>
+                    <p:cTn id="3" fill="hold">
+                      <p:stCondLst>
+                        <p:cond delay="indefinite"/>
+                      </p:stCondLst>
+                      <p:childTnLst>
+                        <p:par>
+                          <p:cTn id="4" fill="hold">
+                            <p:stCondLst>
+                              <p:cond delay="0"/>
+                            </p:stCondLst>
+                            <p:childTnLst>
+                              <p:par>
+                                <p:cTn id="5" presetID="2" presetClass="entr" presetSubtype="2" fill="hold" nodeType="clickEffect">
+                                  <p:stCondLst>
+                                    <p:cond delay="0"/>
+                                  </p:stCondLst>
+                                  <p:childTnLst>
+                                    <p:set>
+                                      <p:cBhvr>
+                                        <p:cTn id="6" dur="1" fill="hold">
+                                          <p:stCondLst>
+                                            <p:cond delay="0"/>
+                                          </p:stCondLst>
+                                        </p:cTn>
+                                        <p:tgtEl>
+                                          <p:spTgt spid="6"/>
+                                        </p:tgtEl>
+                                        <p:attrNameLst>
+                                          <p:attrName>style.visibility</p:attrName>
+                                        </p:attrNameLst>
+                                      </p:cBhvr>
+                                      <p:to>
+                                        <p:strVal val="visible"/>
+                                      </p:to>
+                                    </p:set>
+                                    <p:anim calcmode="lin" valueType="num">
+                                      <p:cBhvr additive="base">
+                                        <p:cTn id="7" dur="500" fill="hold"/>
+                                        <p:tgtEl>
+                                          <p:spTgt spid="6"/>
+                                        </p:tgtEl>
+                                        <p:attrNameLst>
+                                          <p:attrName>ppt_x</p:attrName>
+                                        </p:attrNameLst>
+                                      </p:cBhvr>
+                                      <p:tavLst>
+                                        <p:tav tm="0">
+                                          <p:val>
+                                            <p:strVal val="1+#ppt_w/2"/>
+                                          </p:val>
+                                        </p:tav>
+                                        <p:tav tm="100000">
+                                          <p:val>
+                                            <p:strVal val="#ppt_x"/>
+                                          </p:val>
+                                        </p:tav>
+                                      </p:tavLst>
+                                    </p:anim>
+                                    <p:anim calcmode="lin" valueType="num">
+                                      <p:cBhvr additive="base">
+                                        <p:cTn id="8" dur="500" fill="hold"/>
+                                        <p:tgtEl>
+                                          <p:spTgt spid="6"/>
+                                        </p:tgtEl>
+                                        <p:attrNameLst>
+                                          <p:attrName>ppt_y</p:attrName>
+                                        </p:attrNameLst>
+                                      </p:cBhvr>
+                                      <p:tavLst>
+                                        <p:tav tm="0">
+                                          <p:val>
+                                            <p:strVal val="#ppt_y"/>
+                                          </p:val>
+                                        </p:tav>
+                                        <p:tav tm="100000">
+                                          <p:val>
+                                            <p:strVal val="#ppt_y"/>
+                                          </p:val>
+                                        </p:tav>
+                                      </p:tavLst>
+                                    </p:anim>
+                                  </p:childTnLst>
+                                </p:cTn>
+                              </p:par>
+                            </p:childTnLst>
+                          </p:cTn>
+                        </p:par>
+                      </p:childTnLst>
+                    </p:cTn>
+                  </p:par>
+                  <p:par>
+                    <p:cTn id="9" fill="hold">
+                      <p:stCondLst>
+                        <p:cond delay="indefinite"/>
+                      </p:stCondLst>
+                      <p:childTnLst>
+                        <p:par>
+                          <p:cTn id="10" fill="hold">
+                            <p:stCondLst>
+                              <p:cond delay="0"/>
+                            </p:stCondLst>
+                            <p:childTnLst>
+                              <p:par>
+                                <p:cTn id="11" presetID="2" presetClass="entr" presetSubtype="2" fill="hold" nodeType="clickEffect">
+                                  <p:stCondLst>
+                                    <p:cond delay="0"/>
+                                  </p:stCondLst>
+                                  <p:childTnLst>
+                                    <p:set>
+                                      <p:cBhvr>
+                                        <p:cTn id="12" dur="1" fill="hold">
+                                          <p:stCondLst>
+                                            <p:cond delay="0"/>
+                                          </p:stCondLst>
+                                        </p:cTn>
+                                        <p:tgtEl>
+                                          <p:spTgt spid="7"/>
+                                        </p:tgtEl>
+                                        <p:attrNameLst>
+                                          <p:attrName>style.visibility</p:attrName>
+                                        </p:attrNameLst>
+                                      </p:cBhvr>
+                                      <p:to>
+                                        <p:strVal val="visible"/>
+                                      </p:to>
+                                    </p:set>
+                                    <p:anim calcmode="lin" valueType="num">
+                                      <p:cBhvr additive="base">
+                                        <p:cTn id="13" dur="500" fill="hold"/>
+                                        <p:tgtEl>
+                                          <p:spTgt spid="7"/>
+                                        </p:tgtEl>
+                                        <p:attrNameLst>
+                                          <p:attrName>ppt_x</p:attrName>
+                                        </p:attrNameLst>
+                                      </p:cBhvr>
+                                      <p:tavLst>
+                                        <p:tav tm="0">
+                                          <p:val>
+                                            <p:strVal val="1+#ppt_w/2"/>
+                                          </p:val>
+                                        </p:tav>
+                                        <p:tav tm="100000">
+                                          <p:val>
+                                            <p:strVal val="#ppt_x"/>
+                                          </p:val>
+                                        </p:tav>
+                                      </p:tavLst>
+                                    </p:anim>
+                                    <p:anim calcmode="lin" valueType="num">
+                                      <p:cBhvr additive="base">
+                                        <p:cTn id="14" dur="500" fill="hold"/>
+                                        <p:tgtEl>
+                                          <p:spTgt spid="7"/>
+                                        </p:tgtEl>
+                                        <p:attrNameLst>
+                                          <p:attrName>ppt_y</p:attrName>
+                                        </p:attrNameLst>
+                                      </p:cBhvr>
+                                      <p:tavLst>
+                                        <p:tav tm="0">
+                                          <p:val>
+                                            <p:strVal val="#ppt_y"/>
+                                          </p:val>
+                                        </p:tav>
+                                        <p:tav tm="100000">
+                                          <p:val>
+                                            <p:strVal val="#ppt_y"/>
+                                          </p:val>
+                                        </p:tav>
+                                      </p:tavLst>
+                                    </p:anim>
+                                  </p:childTnLst>
+                                </p:cTn>
+                              </p:par>
+                              <p:par>
+                                <p:cTn id="15" presetID="10" presetClass="exit" presetSubtype="0" fill="hold" nodeType="withEffect">
+                                  <p:stCondLst>
+                                    <p:cond delay="0"/>
+                                  </p:stCondLst>
+                                  <p:childTnLst>
+                                    <p:animEffect transition="out" filter="fade">
+                                      <p:cBhvr>
+                                        <p:cTn id="16" dur="500"/>
+                                        <p:tgtEl>
+                                          <p:spTgt spid="6"/>
+                                        </p:tgtEl>
+                                      </p:cBhvr>
+                                    </p:animEffect>
+                                    <p:set>
+                                      <p:cBhvr>
+                                        <p:cTn id="17" dur="1" fill="hold">
+                                          <p:stCondLst>
+                                            <p:cond delay="499"/>
+                                          </p:stCondLst>
+                                        </p:cTn>
+                                        <p:tgtEl>
+                                          <p:spTgt spid="6"/>
+                                        </p:tgtEl>
+                                        <p:attrNameLst>
+                                          <p:attrName>style.visibility</p:attrName>
+                                        </p:attrNameLst>
+                                      </p:cBhvr>
+                                      <p:to>
+                                        <p:strVal val="hidden"/>
+                                      </p:to>
+                                    </p:set>
+                                  </p:childTnLst>
+                                </p:cTn>
+                              </p:par>
+                            </p:childTnLst>
+                          </p:cTn>
+                        </p:par>
+                      </p:childTnLst>
+                    </p:cTn>
+                  </p:par>
+                  <p:par>
+                    <p:cTn id="18" fill="hold">
+                      <p:stCondLst>
+                        <p:cond delay="indefinite"/>
+                      </p:stCondLst>
+                      <p:childTnLst>
+                        <p:par>
+                          <p:cTn id="19" fill="hold">
+                            <p:stCondLst>
+                              <p:cond delay="0"/>
+                            </p:stCondLst>
+                            <p:childTnLst>
+                              <p:par>
+                                <p:cTn id="20" presetID="2" presetClass="entr" presetSubtype="1" fill="hold" nodeType="clickEffect">
+                                  <p:stCondLst>
+                                    <p:cond delay="0"/>
+                                  </p:stCondLst>
+                                  <p:childTnLst>
+                                    <p:set>
+                                      <p:cBhvr>
+                                        <p:cTn id="21" dur="1" fill="hold">
+                                          <p:stCondLst>
+                                            <p:cond delay="0"/>
+                                          </p:stCondLst>
+                                        </p:cTn>
+                                        <p:tgtEl>
+                                          <p:spTgt spid="9"/>
+                                        </p:tgtEl>
+                                        <p:attrNameLst>
+                                          <p:attrName>style.visibility</p:attrName>
+                                        </p:attrNameLst>
+                                      </p:cBhvr>
+                                      <p:to>
+                                        <p:strVal val="visible"/>
+                                      </p:to>
+                                    </p:set>
+                                    <p:anim calcmode="lin" valueType="num">
+                                      <p:cBhvr additive="base">
+                                        <p:cTn id="22" dur="500" fill="hold"/>
+                                        <p:tgtEl>
+                                          <p:spTgt spid="9"/>
+                                        </p:tgtEl>
+                                        <p:attrNameLst>
+                                          <p:attrName>ppt_x</p:attrName>
+                                        </p:attrNameLst>
+                                      </p:cBhvr>
+                                      <p:tavLst>
+                                        <p:tav tm="0">
+                                          <p:val>
+                                            <p:strVal val="#ppt_x"/>
+                                          </p:val>
+                                        </p:tav>
+                                        <p:tav tm="100000">
+                                          <p:val>
+                                            <p:strVal val="#ppt_x"/>
+                                          </p:val>
+                                        </p:tav>
+                                      </p:tavLst>
+                                    </p:anim>
+                                    <p:anim calcmode="lin" valueType="num">
+                                      <p:cBhvr additive="base">
+                                        <p:cTn id="23" dur="500" fill="hold"/>
+                                        <p:tgtEl>
+                                          <p:spTgt spid="9"/>
+                                        </p:tgtEl>
+                                        <p:attrNameLst>
+                                          <p:attrName>ppt_y</p:attrName>
+                                        </p:attrNameLst>
+                                      </p:cBhvr>
+                                      <p:tavLst>
+                                        <p:tav tm="0">
+                                          <p:val>
+                                            <p:strVal val="0-#ppt_h/2"/>
+                                          </p:val>
+                                        </p:tav>
+                                        <p:tav tm="100000">
+                                          <p:val>
+                                            <p:strVal val="#ppt_y"/>
+                                          </p:val>
+                                        </p:tav>
+                                      </p:tavLst>
+                                    </p:anim>
+                                  </p:childTnLst>
+                                </p:cTn>
+                              </p:par>
+                              <p:par>
+                                <p:cTn id="24" presetID="10" presetClass="exit" presetSubtype="0" fill="hold" nodeType="withEffect">
+                                  <p:stCondLst>
+                                    <p:cond delay="0"/>
+                                  </p:stCondLst>
+                                  <p:childTnLst>
+                                    <p:animEffect transition="out" filter="fade">
+                                      <p:cBhvr>
+                                        <p:cTn id="25" dur="500"/>
+                                        <p:tgtEl>
+                                          <p:spTgt spid="7"/>
+                                        </p:tgtEl>
+                                      </p:cBhvr>
+                                    </p:animEffect>
+                                    <p:set>
+                                      <p:cBhvr>
+                                        <p:cTn id="26" dur="1" fill="hold">
+                                          <p:stCondLst>
+                                            <p:cond delay="499"/>
+                                          </p:stCondLst>
+                                        </p:cTn>
+                                        <p:tgtEl>
+                                          <p:spTgt spid="7"/>
+                                        </p:tgtEl>
+                                        <p:attrNameLst>
+                                          <p:attrName>style.visibility</p:attrName>
+                                        </p:attrNameLst>
+                                      </p:cBhvr>
+                                      <p:to>
+                                        <p:strVal val="hidden"/>
+                                      </p:to>
+                                    </p:set>
+                                  </p:childTnLst>
+                                </p:cTn>
+                              </p:par>
+                            </p:childTnLst>
+                          </p:cTn>
+                        </p:par>
+                      </p:childTnLst>
+                    </p:cTn>
+                  </p:par>
+                  <p:par>
+                    <p:cTn id="27" fill="hold">
+                      <p:stCondLst>
+                        <p:cond delay="indefinite"/>
+                      </p:stCondLst>
+                      <p:childTnLst>
+                        <p:par>
+                          <p:cTn id="28" fill="hold">
+                            <p:stCondLst>
+                              <p:cond delay="0"/>
+                            </p:stCondLst>
+                            <p:childTnLst>
+                              <p:par>
+                                <p:cTn id="29" presetID="2" presetClass="entr" presetSubtype="1" fill="hold" nodeType="clickEffect">
+                                  <p:stCondLst>
+                                    <p:cond delay="0"/>
+                                  </p:stCondLst>
+                                  <p:childTnLst>
+                                    <p:set>
+                                      <p:cBhvr>
+                                        <p:cTn id="30" dur="1" fill="hold">
+                                          <p:stCondLst>
+                                            <p:cond delay="0"/>
+                                          </p:stCondLst>
+                                        </p:cTn>
+                                        <p:tgtEl>
+                                          <p:spTgt spid="10"/>
+                                        </p:tgtEl>
+                                        <p:attrNameLst>
+                                          <p:attrName>style.visibility</p:attrName>
+                                        </p:attrNameLst>
+                                      </p:cBhvr>
+                                      <p:to>
+                                        <p:strVal val="visible"/>
+                                      </p:to>
+                                    </p:set>
+                                    <p:anim calcmode="lin" valueType="num">
+                                      <p:cBhvr additive="base">
+                                        <p:cTn id="31" dur="500" fill="hold"/>
+                                        <p:tgtEl>
+                                          <p:spTgt spid="10"/>
+                                        </p:tgtEl>
+                                        <p:attrNameLst>
+                                          <p:attrName>ppt_x</p:attrName>
+                                        </p:attrNameLst>
+                                      </p:cBhvr>
+                                      <p:tavLst>
+                                        <p:tav tm="0">
+                                          <p:val>
+                                            <p:strVal val="#ppt_x"/>
+                                          </p:val>
+                                        </p:tav>
+                                        <p:tav tm="100000">
+                                          <p:val>
+                                            <p:strVal val="#ppt_x"/>
+                                          </p:val>
+                                        </p:tav>
+                                      </p:tavLst>
+                                    </p:anim>
+                                    <p:anim calcmode="lin" valueType="num">
+                                      <p:cBhvr additive="base">
+                                        <p:cTn id="32" dur="500" fill="hold"/>
+                                        <p:tgtEl>
+                                          <p:spTgt spid="10"/>
+                                        </p:tgtEl>
+                                        <p:attrNameLst>
+                                          <p:attrName>ppt_y</p:attrName>
+                                        </p:attrNameLst>
+                                      </p:cBhvr>
+                                      <p:tavLst>
+                                        <p:tav tm="0">
+                                          <p:val>
+                                            <p:strVal val="0-#ppt_h/2"/>
+                                          </p:val>
+                                        </p:tav>
+                                        <p:tav tm="100000">
+                                          <p:val>
+                                            <p:strVal val="#ppt_y"/>
+                                          </p:val>
+                                        </p:tav>
+                                      </p:tavLst>
+                                    </p:anim>
+                                  </p:childTnLst>
+                                </p:cTn>
+                              </p:par>
+                              <p:par>
+                                <p:cTn id="33" presetID="10" presetClass="exit" presetSubtype="0" fill="hold" nodeType="withEffect">
+                                  <p:stCondLst>
+                                    <p:cond delay="0"/>
+                                  </p:stCondLst>
+                                  <p:childTnLst>
+                                    <p:animEffect transition="out" filter="fade">
+                                      <p:cBhvr>
+                                        <p:cTn id="34" dur="500"/>
+                                        <p:tgtEl>
+                                          <p:spTgt spid="9"/>
+                                        </p:tgtEl>
+                                      </p:cBhvr>
+                                    </p:animEffect>
+                                    <p:set>
+                                      <p:cBhvr>
+                                        <p:cTn id="35" dur="1" fill="hold">
+                                          <p:stCondLst>
+                                            <p:cond delay="499"/>
+                                          </p:stCondLst>
+                                        </p:cTn>
+                                        <p:tgtEl>
+                                          <p:spTgt spid="9"/>
+                                        </p:tgtEl>
+                                        <p:attrNameLst>
+                                          <p:attrName>style.visibility</p:attrName>
+                                        </p:attrNameLst>
+                                      </p:cBhvr>
+                                      <p:to>
+                                        <p:strVal val="hidden"/>
+                                      </p:to>
+                                    </p:set>
+                                  </p:childTnLst>
+                                </p:cTn>
+                              </p:par>
+                            </p:childTnLst>
+                          </p:cTn>
+                        </p:par>
+                      </p:childTnLst>
+                    </p:cTn>
+                  </p:par>
+                </p:childTnLst>
+              </p:cTn>
+              <p:prevCondLst>
+                <p:cond evt="onPrev" delay="0">
+                  <p:tgtEl>
+                    <p:sldTgt/>
+                  </p:tgtEl>
+                </p:cond>
+              </p:prevCondLst>
+              <p:nextCondLst>
+                <p:cond evt="onNext" delay="0">
+                  <p:tgtEl>
+                    <p:sldTgt/>
+                  </p:tgtEl>
+                </p:cond>
+              </p:nextCondLst>
+            </p:seq>
+          </p:childTnLst>
+        </p:cTn>
+      </p:par>
+    </p:tnLst>
+  </p:timing>
 </p:sld>
 </file>
 
@@ -8409,6 +9122,218 @@
           </a:graphicData>
         </a:graphic>
       </p:graphicFrame>
+      <p:cxnSp>
+        <p:nvCxnSpPr>
+          <p:cNvPr id="5" name="Straight Arrow Connector 4">
+            <a:extLst>
+              <a:ext uri="{FF2B5EF4-FFF2-40B4-BE49-F238E27FC236}">
+                <a16:creationId xmlns:a16="http://schemas.microsoft.com/office/drawing/2014/main" id="{EACB9EE4-94D4-4F49-83A6-8CB76B3F8C7D}"/>
+              </a:ext>
+            </a:extLst>
+          </p:cNvPr>
+          <p:cNvCxnSpPr>
+            <a:cxnSpLocks/>
+          </p:cNvCxnSpPr>
+          <p:nvPr/>
+        </p:nvCxnSpPr>
+        <p:spPr>
+          <a:xfrm flipH="1">
+            <a:off x="11639086" y="4805324"/>
+            <a:ext cx="552914" cy="0"/>
+          </a:xfrm>
+          <a:prstGeom prst="straightConnector1">
+            <a:avLst/>
+          </a:prstGeom>
+          <a:ln w="165100">
+            <a:solidFill>
+              <a:schemeClr val="tx1"/>
+            </a:solidFill>
+            <a:tailEnd type="triangle"/>
+          </a:ln>
+        </p:spPr>
+        <p:style>
+          <a:lnRef idx="1">
+            <a:schemeClr val="accent1"/>
+          </a:lnRef>
+          <a:fillRef idx="0">
+            <a:schemeClr val="accent1"/>
+          </a:fillRef>
+          <a:effectRef idx="0">
+            <a:schemeClr val="accent1"/>
+          </a:effectRef>
+          <a:fontRef idx="minor">
+            <a:schemeClr val="tx1"/>
+          </a:fontRef>
+        </p:style>
+      </p:cxnSp>
+      <p:cxnSp>
+        <p:nvCxnSpPr>
+          <p:cNvPr id="7" name="Straight Arrow Connector 6">
+            <a:extLst>
+              <a:ext uri="{FF2B5EF4-FFF2-40B4-BE49-F238E27FC236}">
+                <a16:creationId xmlns:a16="http://schemas.microsoft.com/office/drawing/2014/main" id="{B07AE22B-1D92-4E00-AB79-24D3217E81B3}"/>
+              </a:ext>
+            </a:extLst>
+          </p:cNvPr>
+          <p:cNvCxnSpPr/>
+          <p:nvPr/>
+        </p:nvCxnSpPr>
+        <p:spPr>
+          <a:xfrm>
+            <a:off x="6047190" y="1987275"/>
+            <a:ext cx="0" cy="869795"/>
+          </a:xfrm>
+          <a:prstGeom prst="straightConnector1">
+            <a:avLst/>
+          </a:prstGeom>
+          <a:ln w="165100">
+            <a:solidFill>
+              <a:schemeClr val="tx1"/>
+            </a:solidFill>
+            <a:tailEnd type="triangle"/>
+          </a:ln>
+        </p:spPr>
+        <p:style>
+          <a:lnRef idx="1">
+            <a:schemeClr val="accent1"/>
+          </a:lnRef>
+          <a:fillRef idx="0">
+            <a:schemeClr val="accent1"/>
+          </a:fillRef>
+          <a:effectRef idx="0">
+            <a:schemeClr val="accent1"/>
+          </a:effectRef>
+          <a:fontRef idx="minor">
+            <a:schemeClr val="tx1"/>
+          </a:fontRef>
+        </p:style>
+      </p:cxnSp>
+      <p:cxnSp>
+        <p:nvCxnSpPr>
+          <p:cNvPr id="9" name="Straight Arrow Connector 8">
+            <a:extLst>
+              <a:ext uri="{FF2B5EF4-FFF2-40B4-BE49-F238E27FC236}">
+                <a16:creationId xmlns:a16="http://schemas.microsoft.com/office/drawing/2014/main" id="{D4105A88-D762-46A7-9765-328F2E3D9DDF}"/>
+              </a:ext>
+            </a:extLst>
+          </p:cNvPr>
+          <p:cNvCxnSpPr/>
+          <p:nvPr/>
+        </p:nvCxnSpPr>
+        <p:spPr>
+          <a:xfrm>
+            <a:off x="8966721" y="1987275"/>
+            <a:ext cx="0" cy="869795"/>
+          </a:xfrm>
+          <a:prstGeom prst="straightConnector1">
+            <a:avLst/>
+          </a:prstGeom>
+          <a:ln w="165100">
+            <a:solidFill>
+              <a:schemeClr val="tx1"/>
+            </a:solidFill>
+            <a:tailEnd type="triangle"/>
+          </a:ln>
+        </p:spPr>
+        <p:style>
+          <a:lnRef idx="1">
+            <a:schemeClr val="accent1"/>
+          </a:lnRef>
+          <a:fillRef idx="0">
+            <a:schemeClr val="accent1"/>
+          </a:fillRef>
+          <a:effectRef idx="0">
+            <a:schemeClr val="accent1"/>
+          </a:effectRef>
+          <a:fontRef idx="minor">
+            <a:schemeClr val="tx1"/>
+          </a:fontRef>
+        </p:style>
+      </p:cxnSp>
+      <p:cxnSp>
+        <p:nvCxnSpPr>
+          <p:cNvPr id="10" name="Straight Arrow Connector 9">
+            <a:extLst>
+              <a:ext uri="{FF2B5EF4-FFF2-40B4-BE49-F238E27FC236}">
+                <a16:creationId xmlns:a16="http://schemas.microsoft.com/office/drawing/2014/main" id="{41D12DF7-5C26-4AA9-9932-2FC0484B3462}"/>
+              </a:ext>
+            </a:extLst>
+          </p:cNvPr>
+          <p:cNvCxnSpPr/>
+          <p:nvPr/>
+        </p:nvCxnSpPr>
+        <p:spPr>
+          <a:xfrm>
+            <a:off x="11044902" y="1987275"/>
+            <a:ext cx="0" cy="869795"/>
+          </a:xfrm>
+          <a:prstGeom prst="straightConnector1">
+            <a:avLst/>
+          </a:prstGeom>
+          <a:ln w="165100">
+            <a:solidFill>
+              <a:schemeClr val="tx1"/>
+            </a:solidFill>
+            <a:tailEnd type="triangle"/>
+          </a:ln>
+        </p:spPr>
+        <p:style>
+          <a:lnRef idx="1">
+            <a:schemeClr val="accent1"/>
+          </a:lnRef>
+          <a:fillRef idx="0">
+            <a:schemeClr val="accent1"/>
+          </a:fillRef>
+          <a:effectRef idx="0">
+            <a:schemeClr val="accent1"/>
+          </a:effectRef>
+          <a:fontRef idx="minor">
+            <a:schemeClr val="tx1"/>
+          </a:fontRef>
+        </p:style>
+      </p:cxnSp>
+      <p:cxnSp>
+        <p:nvCxnSpPr>
+          <p:cNvPr id="11" name="Straight Arrow Connector 10">
+            <a:extLst>
+              <a:ext uri="{FF2B5EF4-FFF2-40B4-BE49-F238E27FC236}">
+                <a16:creationId xmlns:a16="http://schemas.microsoft.com/office/drawing/2014/main" id="{B035E53A-3C17-40FB-9BE9-076949468476}"/>
+              </a:ext>
+            </a:extLst>
+          </p:cNvPr>
+          <p:cNvCxnSpPr/>
+          <p:nvPr/>
+        </p:nvCxnSpPr>
+        <p:spPr>
+          <a:xfrm>
+            <a:off x="10009591" y="1987275"/>
+            <a:ext cx="0" cy="869795"/>
+          </a:xfrm>
+          <a:prstGeom prst="straightConnector1">
+            <a:avLst/>
+          </a:prstGeom>
+          <a:ln w="165100">
+            <a:solidFill>
+              <a:schemeClr val="tx1"/>
+            </a:solidFill>
+            <a:tailEnd type="triangle"/>
+          </a:ln>
+        </p:spPr>
+        <p:style>
+          <a:lnRef idx="1">
+            <a:schemeClr val="accent1"/>
+          </a:lnRef>
+          <a:fillRef idx="0">
+            <a:schemeClr val="accent1"/>
+          </a:fillRef>
+          <a:effectRef idx="0">
+            <a:schemeClr val="accent1"/>
+          </a:effectRef>
+          <a:fontRef idx="minor">
+            <a:schemeClr val="tx1"/>
+          </a:fontRef>
+        </p:style>
+      </p:cxnSp>
     </p:spTree>
     <p:extLst>
       <p:ext uri="{BB962C8B-B14F-4D97-AF65-F5344CB8AC3E}">
@@ -8419,6 +9344,643 @@
   <p:clrMapOvr>
     <a:masterClrMapping/>
   </p:clrMapOvr>
+  <mc:AlternateContent xmlns:mc="http://schemas.openxmlformats.org/markup-compatibility/2006">
+    <mc:Choice xmlns:p14="http://schemas.microsoft.com/office/powerpoint/2010/main" Requires="p14">
+      <p:transition spd="med" p14:dur="700">
+        <p:fade/>
+      </p:transition>
+    </mc:Choice>
+    <mc:Fallback>
+      <p:transition spd="med">
+        <p:fade/>
+      </p:transition>
+    </mc:Fallback>
+  </mc:AlternateContent>
+  <p:timing>
+    <p:tnLst>
+      <p:par>
+        <p:cTn id="1" dur="indefinite" restart="never" nodeType="tmRoot">
+          <p:childTnLst>
+            <p:seq concurrent="1" nextAc="seek">
+              <p:cTn id="2" dur="indefinite" nodeType="mainSeq">
+                <p:childTnLst>
+                  <p:par>
+                    <p:cTn id="3" fill="hold">
+                      <p:stCondLst>
+                        <p:cond delay="indefinite"/>
+                      </p:stCondLst>
+                      <p:childTnLst>
+                        <p:par>
+                          <p:cTn id="4" fill="hold">
+                            <p:stCondLst>
+                              <p:cond delay="0"/>
+                            </p:stCondLst>
+                            <p:childTnLst>
+                              <p:par>
+                                <p:cTn id="5" presetID="2" presetClass="entr" presetSubtype="2" fill="hold" nodeType="clickEffect">
+                                  <p:stCondLst>
+                                    <p:cond delay="0"/>
+                                  </p:stCondLst>
+                                  <p:childTnLst>
+                                    <p:set>
+                                      <p:cBhvr>
+                                        <p:cTn id="6" dur="1" fill="hold">
+                                          <p:stCondLst>
+                                            <p:cond delay="0"/>
+                                          </p:stCondLst>
+                                        </p:cTn>
+                                        <p:tgtEl>
+                                          <p:spTgt spid="5"/>
+                                        </p:tgtEl>
+                                        <p:attrNameLst>
+                                          <p:attrName>style.visibility</p:attrName>
+                                        </p:attrNameLst>
+                                      </p:cBhvr>
+                                      <p:to>
+                                        <p:strVal val="visible"/>
+                                      </p:to>
+                                    </p:set>
+                                    <p:anim calcmode="lin" valueType="num">
+                                      <p:cBhvr additive="base">
+                                        <p:cTn id="7" dur="500" fill="hold"/>
+                                        <p:tgtEl>
+                                          <p:spTgt spid="5"/>
+                                        </p:tgtEl>
+                                        <p:attrNameLst>
+                                          <p:attrName>ppt_x</p:attrName>
+                                        </p:attrNameLst>
+                                      </p:cBhvr>
+                                      <p:tavLst>
+                                        <p:tav tm="0">
+                                          <p:val>
+                                            <p:strVal val="1+#ppt_w/2"/>
+                                          </p:val>
+                                        </p:tav>
+                                        <p:tav tm="100000">
+                                          <p:val>
+                                            <p:strVal val="#ppt_x"/>
+                                          </p:val>
+                                        </p:tav>
+                                      </p:tavLst>
+                                    </p:anim>
+                                    <p:anim calcmode="lin" valueType="num">
+                                      <p:cBhvr additive="base">
+                                        <p:cTn id="8" dur="500" fill="hold"/>
+                                        <p:tgtEl>
+                                          <p:spTgt spid="5"/>
+                                        </p:tgtEl>
+                                        <p:attrNameLst>
+                                          <p:attrName>ppt_y</p:attrName>
+                                        </p:attrNameLst>
+                                      </p:cBhvr>
+                                      <p:tavLst>
+                                        <p:tav tm="0">
+                                          <p:val>
+                                            <p:strVal val="#ppt_y"/>
+                                          </p:val>
+                                        </p:tav>
+                                        <p:tav tm="100000">
+                                          <p:val>
+                                            <p:strVal val="#ppt_y"/>
+                                          </p:val>
+                                        </p:tav>
+                                      </p:tavLst>
+                                    </p:anim>
+                                  </p:childTnLst>
+                                </p:cTn>
+                              </p:par>
+                            </p:childTnLst>
+                          </p:cTn>
+                        </p:par>
+                      </p:childTnLst>
+                    </p:cTn>
+                  </p:par>
+                  <p:par>
+                    <p:cTn id="9" fill="hold">
+                      <p:stCondLst>
+                        <p:cond delay="indefinite"/>
+                      </p:stCondLst>
+                      <p:childTnLst>
+                        <p:par>
+                          <p:cTn id="10" fill="hold">
+                            <p:stCondLst>
+                              <p:cond delay="0"/>
+                            </p:stCondLst>
+                            <p:childTnLst>
+                              <p:par>
+                                <p:cTn id="11" presetID="2" presetClass="entr" presetSubtype="1" fill="hold" nodeType="clickEffect">
+                                  <p:stCondLst>
+                                    <p:cond delay="0"/>
+                                  </p:stCondLst>
+                                  <p:childTnLst>
+                                    <p:set>
+                                      <p:cBhvr>
+                                        <p:cTn id="12" dur="1" fill="hold">
+                                          <p:stCondLst>
+                                            <p:cond delay="0"/>
+                                          </p:stCondLst>
+                                        </p:cTn>
+                                        <p:tgtEl>
+                                          <p:spTgt spid="7"/>
+                                        </p:tgtEl>
+                                        <p:attrNameLst>
+                                          <p:attrName>style.visibility</p:attrName>
+                                        </p:attrNameLst>
+                                      </p:cBhvr>
+                                      <p:to>
+                                        <p:strVal val="visible"/>
+                                      </p:to>
+                                    </p:set>
+                                    <p:anim calcmode="lin" valueType="num">
+                                      <p:cBhvr additive="base">
+                                        <p:cTn id="13" dur="500" fill="hold"/>
+                                        <p:tgtEl>
+                                          <p:spTgt spid="7"/>
+                                        </p:tgtEl>
+                                        <p:attrNameLst>
+                                          <p:attrName>ppt_x</p:attrName>
+                                        </p:attrNameLst>
+                                      </p:cBhvr>
+                                      <p:tavLst>
+                                        <p:tav tm="0">
+                                          <p:val>
+                                            <p:strVal val="#ppt_x"/>
+                                          </p:val>
+                                        </p:tav>
+                                        <p:tav tm="100000">
+                                          <p:val>
+                                            <p:strVal val="#ppt_x"/>
+                                          </p:val>
+                                        </p:tav>
+                                      </p:tavLst>
+                                    </p:anim>
+                                    <p:anim calcmode="lin" valueType="num">
+                                      <p:cBhvr additive="base">
+                                        <p:cTn id="14" dur="500" fill="hold"/>
+                                        <p:tgtEl>
+                                          <p:spTgt spid="7"/>
+                                        </p:tgtEl>
+                                        <p:attrNameLst>
+                                          <p:attrName>ppt_y</p:attrName>
+                                        </p:attrNameLst>
+                                      </p:cBhvr>
+                                      <p:tavLst>
+                                        <p:tav tm="0">
+                                          <p:val>
+                                            <p:strVal val="0-#ppt_h/2"/>
+                                          </p:val>
+                                        </p:tav>
+                                        <p:tav tm="100000">
+                                          <p:val>
+                                            <p:strVal val="#ppt_y"/>
+                                          </p:val>
+                                        </p:tav>
+                                      </p:tavLst>
+                                    </p:anim>
+                                  </p:childTnLst>
+                                </p:cTn>
+                              </p:par>
+                              <p:par>
+                                <p:cTn id="15" presetID="10" presetClass="exit" presetSubtype="0" fill="hold" nodeType="withEffect">
+                                  <p:stCondLst>
+                                    <p:cond delay="0"/>
+                                  </p:stCondLst>
+                                  <p:childTnLst>
+                                    <p:animEffect transition="out" filter="fade">
+                                      <p:cBhvr>
+                                        <p:cTn id="16" dur="500"/>
+                                        <p:tgtEl>
+                                          <p:spTgt spid="5"/>
+                                        </p:tgtEl>
+                                      </p:cBhvr>
+                                    </p:animEffect>
+                                    <p:set>
+                                      <p:cBhvr>
+                                        <p:cTn id="17" dur="1" fill="hold">
+                                          <p:stCondLst>
+                                            <p:cond delay="499"/>
+                                          </p:stCondLst>
+                                        </p:cTn>
+                                        <p:tgtEl>
+                                          <p:spTgt spid="5"/>
+                                        </p:tgtEl>
+                                        <p:attrNameLst>
+                                          <p:attrName>style.visibility</p:attrName>
+                                        </p:attrNameLst>
+                                      </p:cBhvr>
+                                      <p:to>
+                                        <p:strVal val="hidden"/>
+                                      </p:to>
+                                    </p:set>
+                                  </p:childTnLst>
+                                </p:cTn>
+                              </p:par>
+                            </p:childTnLst>
+                          </p:cTn>
+                        </p:par>
+                      </p:childTnLst>
+                    </p:cTn>
+                  </p:par>
+                  <p:par>
+                    <p:cTn id="18" fill="hold">
+                      <p:stCondLst>
+                        <p:cond delay="indefinite"/>
+                      </p:stCondLst>
+                      <p:childTnLst>
+                        <p:par>
+                          <p:cTn id="19" fill="hold">
+                            <p:stCondLst>
+                              <p:cond delay="0"/>
+                            </p:stCondLst>
+                            <p:childTnLst>
+                              <p:par>
+                                <p:cTn id="20" presetID="2" presetClass="entr" presetSubtype="1" fill="hold" nodeType="clickEffect">
+                                  <p:stCondLst>
+                                    <p:cond delay="0"/>
+                                  </p:stCondLst>
+                                  <p:childTnLst>
+                                    <p:set>
+                                      <p:cBhvr>
+                                        <p:cTn id="21" dur="1" fill="hold">
+                                          <p:stCondLst>
+                                            <p:cond delay="0"/>
+                                          </p:stCondLst>
+                                        </p:cTn>
+                                        <p:tgtEl>
+                                          <p:spTgt spid="9"/>
+                                        </p:tgtEl>
+                                        <p:attrNameLst>
+                                          <p:attrName>style.visibility</p:attrName>
+                                        </p:attrNameLst>
+                                      </p:cBhvr>
+                                      <p:to>
+                                        <p:strVal val="visible"/>
+                                      </p:to>
+                                    </p:set>
+                                    <p:anim calcmode="lin" valueType="num">
+                                      <p:cBhvr additive="base">
+                                        <p:cTn id="22" dur="500" fill="hold"/>
+                                        <p:tgtEl>
+                                          <p:spTgt spid="9"/>
+                                        </p:tgtEl>
+                                        <p:attrNameLst>
+                                          <p:attrName>ppt_x</p:attrName>
+                                        </p:attrNameLst>
+                                      </p:cBhvr>
+                                      <p:tavLst>
+                                        <p:tav tm="0">
+                                          <p:val>
+                                            <p:strVal val="#ppt_x"/>
+                                          </p:val>
+                                        </p:tav>
+                                        <p:tav tm="100000">
+                                          <p:val>
+                                            <p:strVal val="#ppt_x"/>
+                                          </p:val>
+                                        </p:tav>
+                                      </p:tavLst>
+                                    </p:anim>
+                                    <p:anim calcmode="lin" valueType="num">
+                                      <p:cBhvr additive="base">
+                                        <p:cTn id="23" dur="500" fill="hold"/>
+                                        <p:tgtEl>
+                                          <p:spTgt spid="9"/>
+                                        </p:tgtEl>
+                                        <p:attrNameLst>
+                                          <p:attrName>ppt_y</p:attrName>
+                                        </p:attrNameLst>
+                                      </p:cBhvr>
+                                      <p:tavLst>
+                                        <p:tav tm="0">
+                                          <p:val>
+                                            <p:strVal val="0-#ppt_h/2"/>
+                                          </p:val>
+                                        </p:tav>
+                                        <p:tav tm="100000">
+                                          <p:val>
+                                            <p:strVal val="#ppt_y"/>
+                                          </p:val>
+                                        </p:tav>
+                                      </p:tavLst>
+                                    </p:anim>
+                                  </p:childTnLst>
+                                </p:cTn>
+                              </p:par>
+                              <p:par>
+                                <p:cTn id="24" presetID="10" presetClass="exit" presetSubtype="0" fill="hold" nodeType="withEffect">
+                                  <p:stCondLst>
+                                    <p:cond delay="0"/>
+                                  </p:stCondLst>
+                                  <p:childTnLst>
+                                    <p:animEffect transition="out" filter="fade">
+                                      <p:cBhvr>
+                                        <p:cTn id="25" dur="500"/>
+                                        <p:tgtEl>
+                                          <p:spTgt spid="7"/>
+                                        </p:tgtEl>
+                                      </p:cBhvr>
+                                    </p:animEffect>
+                                    <p:set>
+                                      <p:cBhvr>
+                                        <p:cTn id="26" dur="1" fill="hold">
+                                          <p:stCondLst>
+                                            <p:cond delay="499"/>
+                                          </p:stCondLst>
+                                        </p:cTn>
+                                        <p:tgtEl>
+                                          <p:spTgt spid="7"/>
+                                        </p:tgtEl>
+                                        <p:attrNameLst>
+                                          <p:attrName>style.visibility</p:attrName>
+                                        </p:attrNameLst>
+                                      </p:cBhvr>
+                                      <p:to>
+                                        <p:strVal val="hidden"/>
+                                      </p:to>
+                                    </p:set>
+                                  </p:childTnLst>
+                                </p:cTn>
+                              </p:par>
+                            </p:childTnLst>
+                          </p:cTn>
+                        </p:par>
+                      </p:childTnLst>
+                    </p:cTn>
+                  </p:par>
+                  <p:par>
+                    <p:cTn id="27" fill="hold">
+                      <p:stCondLst>
+                        <p:cond delay="indefinite"/>
+                      </p:stCondLst>
+                      <p:childTnLst>
+                        <p:par>
+                          <p:cTn id="28" fill="hold">
+                            <p:stCondLst>
+                              <p:cond delay="0"/>
+                            </p:stCondLst>
+                            <p:childTnLst>
+                              <p:par>
+                                <p:cTn id="29" presetID="2" presetClass="entr" presetSubtype="1" fill="hold" nodeType="clickEffect">
+                                  <p:stCondLst>
+                                    <p:cond delay="0"/>
+                                  </p:stCondLst>
+                                  <p:childTnLst>
+                                    <p:set>
+                                      <p:cBhvr>
+                                        <p:cTn id="30" dur="1" fill="hold">
+                                          <p:stCondLst>
+                                            <p:cond delay="0"/>
+                                          </p:stCondLst>
+                                        </p:cTn>
+                                        <p:tgtEl>
+                                          <p:spTgt spid="11"/>
+                                        </p:tgtEl>
+                                        <p:attrNameLst>
+                                          <p:attrName>style.visibility</p:attrName>
+                                        </p:attrNameLst>
+                                      </p:cBhvr>
+                                      <p:to>
+                                        <p:strVal val="visible"/>
+                                      </p:to>
+                                    </p:set>
+                                    <p:anim calcmode="lin" valueType="num">
+                                      <p:cBhvr additive="base">
+                                        <p:cTn id="31" dur="500" fill="hold"/>
+                                        <p:tgtEl>
+                                          <p:spTgt spid="11"/>
+                                        </p:tgtEl>
+                                        <p:attrNameLst>
+                                          <p:attrName>ppt_x</p:attrName>
+                                        </p:attrNameLst>
+                                      </p:cBhvr>
+                                      <p:tavLst>
+                                        <p:tav tm="0">
+                                          <p:val>
+                                            <p:strVal val="#ppt_x"/>
+                                          </p:val>
+                                        </p:tav>
+                                        <p:tav tm="100000">
+                                          <p:val>
+                                            <p:strVal val="#ppt_x"/>
+                                          </p:val>
+                                        </p:tav>
+                                      </p:tavLst>
+                                    </p:anim>
+                                    <p:anim calcmode="lin" valueType="num">
+                                      <p:cBhvr additive="base">
+                                        <p:cTn id="32" dur="500" fill="hold"/>
+                                        <p:tgtEl>
+                                          <p:spTgt spid="11"/>
+                                        </p:tgtEl>
+                                        <p:attrNameLst>
+                                          <p:attrName>ppt_y</p:attrName>
+                                        </p:attrNameLst>
+                                      </p:cBhvr>
+                                      <p:tavLst>
+                                        <p:tav tm="0">
+                                          <p:val>
+                                            <p:strVal val="0-#ppt_h/2"/>
+                                          </p:val>
+                                        </p:tav>
+                                        <p:tav tm="100000">
+                                          <p:val>
+                                            <p:strVal val="#ppt_y"/>
+                                          </p:val>
+                                        </p:tav>
+                                      </p:tavLst>
+                                    </p:anim>
+                                  </p:childTnLst>
+                                </p:cTn>
+                              </p:par>
+                            </p:childTnLst>
+                          </p:cTn>
+                        </p:par>
+                      </p:childTnLst>
+                    </p:cTn>
+                  </p:par>
+                  <p:par>
+                    <p:cTn id="33" fill="hold">
+                      <p:stCondLst>
+                        <p:cond delay="indefinite"/>
+                      </p:stCondLst>
+                      <p:childTnLst>
+                        <p:par>
+                          <p:cTn id="34" fill="hold">
+                            <p:stCondLst>
+                              <p:cond delay="0"/>
+                            </p:stCondLst>
+                            <p:childTnLst>
+                              <p:par>
+                                <p:cTn id="35" presetID="2" presetClass="entr" presetSubtype="1" fill="hold" nodeType="clickEffect">
+                                  <p:stCondLst>
+                                    <p:cond delay="0"/>
+                                  </p:stCondLst>
+                                  <p:childTnLst>
+                                    <p:set>
+                                      <p:cBhvr>
+                                        <p:cTn id="36" dur="1" fill="hold">
+                                          <p:stCondLst>
+                                            <p:cond delay="0"/>
+                                          </p:stCondLst>
+                                        </p:cTn>
+                                        <p:tgtEl>
+                                          <p:spTgt spid="10"/>
+                                        </p:tgtEl>
+                                        <p:attrNameLst>
+                                          <p:attrName>style.visibility</p:attrName>
+                                        </p:attrNameLst>
+                                      </p:cBhvr>
+                                      <p:to>
+                                        <p:strVal val="visible"/>
+                                      </p:to>
+                                    </p:set>
+                                    <p:anim calcmode="lin" valueType="num">
+                                      <p:cBhvr additive="base">
+                                        <p:cTn id="37" dur="500" fill="hold"/>
+                                        <p:tgtEl>
+                                          <p:spTgt spid="10"/>
+                                        </p:tgtEl>
+                                        <p:attrNameLst>
+                                          <p:attrName>ppt_x</p:attrName>
+                                        </p:attrNameLst>
+                                      </p:cBhvr>
+                                      <p:tavLst>
+                                        <p:tav tm="0">
+                                          <p:val>
+                                            <p:strVal val="#ppt_x"/>
+                                          </p:val>
+                                        </p:tav>
+                                        <p:tav tm="100000">
+                                          <p:val>
+                                            <p:strVal val="#ppt_x"/>
+                                          </p:val>
+                                        </p:tav>
+                                      </p:tavLst>
+                                    </p:anim>
+                                    <p:anim calcmode="lin" valueType="num">
+                                      <p:cBhvr additive="base">
+                                        <p:cTn id="38" dur="500" fill="hold"/>
+                                        <p:tgtEl>
+                                          <p:spTgt spid="10"/>
+                                        </p:tgtEl>
+                                        <p:attrNameLst>
+                                          <p:attrName>ppt_y</p:attrName>
+                                        </p:attrNameLst>
+                                      </p:cBhvr>
+                                      <p:tavLst>
+                                        <p:tav tm="0">
+                                          <p:val>
+                                            <p:strVal val="0-#ppt_h/2"/>
+                                          </p:val>
+                                        </p:tav>
+                                        <p:tav tm="100000">
+                                          <p:val>
+                                            <p:strVal val="#ppt_y"/>
+                                          </p:val>
+                                        </p:tav>
+                                      </p:tavLst>
+                                    </p:anim>
+                                  </p:childTnLst>
+                                </p:cTn>
+                              </p:par>
+                              <p:par>
+                                <p:cTn id="39" presetID="10" presetClass="exit" presetSubtype="0" fill="hold" nodeType="withEffect">
+                                  <p:stCondLst>
+                                    <p:cond delay="0"/>
+                                  </p:stCondLst>
+                                  <p:childTnLst>
+                                    <p:animEffect transition="out" filter="fade">
+                                      <p:cBhvr>
+                                        <p:cTn id="40" dur="500"/>
+                                        <p:tgtEl>
+                                          <p:spTgt spid="11"/>
+                                        </p:tgtEl>
+                                      </p:cBhvr>
+                                    </p:animEffect>
+                                    <p:set>
+                                      <p:cBhvr>
+                                        <p:cTn id="41" dur="1" fill="hold">
+                                          <p:stCondLst>
+                                            <p:cond delay="499"/>
+                                          </p:stCondLst>
+                                        </p:cTn>
+                                        <p:tgtEl>
+                                          <p:spTgt spid="11"/>
+                                        </p:tgtEl>
+                                        <p:attrNameLst>
+                                          <p:attrName>style.visibility</p:attrName>
+                                        </p:attrNameLst>
+                                      </p:cBhvr>
+                                      <p:to>
+                                        <p:strVal val="hidden"/>
+                                      </p:to>
+                                    </p:set>
+                                  </p:childTnLst>
+                                </p:cTn>
+                              </p:par>
+                              <p:par>
+                                <p:cTn id="42" presetID="10" presetClass="exit" presetSubtype="0" fill="hold" nodeType="withEffect">
+                                  <p:stCondLst>
+                                    <p:cond delay="0"/>
+                                  </p:stCondLst>
+                                  <p:childTnLst>
+                                    <p:animEffect transition="out" filter="fade">
+                                      <p:cBhvr>
+                                        <p:cTn id="43" dur="500"/>
+                                        <p:tgtEl>
+                                          <p:spTgt spid="9"/>
+                                        </p:tgtEl>
+                                      </p:cBhvr>
+                                    </p:animEffect>
+                                    <p:set>
+                                      <p:cBhvr>
+                                        <p:cTn id="44" dur="1" fill="hold">
+                                          <p:stCondLst>
+                                            <p:cond delay="499"/>
+                                          </p:stCondLst>
+                                        </p:cTn>
+                                        <p:tgtEl>
+                                          <p:spTgt spid="9"/>
+                                        </p:tgtEl>
+                                        <p:attrNameLst>
+                                          <p:attrName>style.visibility</p:attrName>
+                                        </p:attrNameLst>
+                                      </p:cBhvr>
+                                      <p:to>
+                                        <p:strVal val="hidden"/>
+                                      </p:to>
+                                    </p:set>
+                                  </p:childTnLst>
+                                </p:cTn>
+                              </p:par>
+                            </p:childTnLst>
+                          </p:cTn>
+                        </p:par>
+                      </p:childTnLst>
+                    </p:cTn>
+                  </p:par>
+                </p:childTnLst>
+              </p:cTn>
+              <p:prevCondLst>
+                <p:cond evt="onPrev" delay="0">
+                  <p:tgtEl>
+                    <p:sldTgt/>
+                  </p:tgtEl>
+                </p:cond>
+              </p:prevCondLst>
+              <p:nextCondLst>
+                <p:cond evt="onNext" delay="0">
+                  <p:tgtEl>
+                    <p:sldTgt/>
+                  </p:tgtEl>
+                </p:cond>
+              </p:nextCondLst>
+            </p:seq>
+          </p:childTnLst>
+        </p:cTn>
+      </p:par>
+    </p:tnLst>
+  </p:timing>
 </p:sld>
 </file>
 
@@ -8532,6 +10094,18 @@
   <p:clrMapOvr>
     <a:masterClrMapping/>
   </p:clrMapOvr>
+  <mc:AlternateContent xmlns:mc="http://schemas.openxmlformats.org/markup-compatibility/2006">
+    <mc:Choice xmlns:p14="http://schemas.microsoft.com/office/powerpoint/2010/main" Requires="p14">
+      <p:transition spd="med" p14:dur="700">
+        <p:fade/>
+      </p:transition>
+    </mc:Choice>
+    <mc:Fallback>
+      <p:transition spd="med">
+        <p:fade/>
+      </p:transition>
+    </mc:Fallback>
+  </mc:AlternateContent>
 </p:sld>
 </file>
 

--- a/Lightning Talk.pptx
+++ b/Lightning Talk.pptx
@@ -801,6 +801,17 @@
               <a:rPr lang="en-US" dirty="0"/>
               <a:t>    Internal error that doesn't happen without using the tool.</a:t>
             </a:r>
+          </a:p>
+          <a:p>
+            <a:r>
+              <a:rPr lang="en-US" dirty="0"/>
+              <a:t>    Spent lots of </a:t>
+            </a:r>
+            <a:r>
+              <a:rPr lang="en-US"/>
+              <a:t>time troubleshooting this.</a:t>
+            </a:r>
+            <a:endParaRPr lang="en-US" dirty="0"/>
           </a:p>
           <a:p>
             <a:r>
@@ -4789,13 +4800,13 @@
   <p:clrMapOvr>
     <a:masterClrMapping/>
   </p:clrMapOvr>
-  <mc:AlternateContent xmlns:mc="http://schemas.openxmlformats.org/markup-compatibility/2006">
-    <mc:Choice xmlns:p14="http://schemas.microsoft.com/office/powerpoint/2010/main" Requires="p14">
+  <mc:AlternateContent xmlns:mc="http://schemas.openxmlformats.org/markup-compatibility/2006" xmlns:p14="http://schemas.microsoft.com/office/powerpoint/2010/main">
+    <mc:Choice Requires="p14">
       <p:transition spd="med" p14:dur="700">
         <p:fade/>
       </p:transition>
     </mc:Choice>
-    <mc:Fallback>
+    <mc:Fallback xmlns="">
       <p:transition spd="med">
         <p:fade/>
       </p:transition>
@@ -4950,13 +4961,13 @@
   <p:clrMapOvr>
     <a:masterClrMapping/>
   </p:clrMapOvr>
-  <mc:AlternateContent xmlns:mc="http://schemas.openxmlformats.org/markup-compatibility/2006">
-    <mc:Choice xmlns:p14="http://schemas.microsoft.com/office/powerpoint/2010/main" Requires="p14">
+  <mc:AlternateContent xmlns:mc="http://schemas.openxmlformats.org/markup-compatibility/2006" xmlns:p14="http://schemas.microsoft.com/office/powerpoint/2010/main">
+    <mc:Choice Requires="p14">
       <p:transition spd="med" p14:dur="700">
         <p:fade/>
       </p:transition>
     </mc:Choice>
-    <mc:Fallback>
+    <mc:Fallback xmlns="">
       <p:transition spd="med">
         <p:fade/>
       </p:transition>
@@ -5147,13 +5158,13 @@
   <p:clrMapOvr>
     <a:masterClrMapping/>
   </p:clrMapOvr>
-  <mc:AlternateContent xmlns:mc="http://schemas.openxmlformats.org/markup-compatibility/2006">
-    <mc:Choice xmlns:p14="http://schemas.microsoft.com/office/powerpoint/2010/main" Requires="p14">
+  <mc:AlternateContent xmlns:mc="http://schemas.openxmlformats.org/markup-compatibility/2006" xmlns:p14="http://schemas.microsoft.com/office/powerpoint/2010/main">
+    <mc:Choice Requires="p14">
       <p:transition spd="med" p14:dur="700">
         <p:fade/>
       </p:transition>
     </mc:Choice>
-    <mc:Fallback>
+    <mc:Fallback xmlns="">
       <p:transition spd="med">
         <p:fade/>
       </p:transition>
@@ -6809,13 +6820,13 @@
   <p:clrMapOvr>
     <a:masterClrMapping/>
   </p:clrMapOvr>
-  <mc:AlternateContent xmlns:mc="http://schemas.openxmlformats.org/markup-compatibility/2006">
-    <mc:Choice xmlns:p14="http://schemas.microsoft.com/office/powerpoint/2010/main" Requires="p14">
+  <mc:AlternateContent xmlns:mc="http://schemas.openxmlformats.org/markup-compatibility/2006" xmlns:p14="http://schemas.microsoft.com/office/powerpoint/2010/main">
+    <mc:Choice Requires="p14">
       <p:transition spd="med" p14:dur="700">
         <p:fade/>
       </p:transition>
     </mc:Choice>
-    <mc:Fallback>
+    <mc:Fallback xmlns="">
       <p:transition spd="med">
         <p:fade/>
       </p:transition>
@@ -9344,13 +9355,13 @@
   <p:clrMapOvr>
     <a:masterClrMapping/>
   </p:clrMapOvr>
-  <mc:AlternateContent xmlns:mc="http://schemas.openxmlformats.org/markup-compatibility/2006">
-    <mc:Choice xmlns:p14="http://schemas.microsoft.com/office/powerpoint/2010/main" Requires="p14">
+  <mc:AlternateContent xmlns:mc="http://schemas.openxmlformats.org/markup-compatibility/2006" xmlns:p14="http://schemas.microsoft.com/office/powerpoint/2010/main">
+    <mc:Choice Requires="p14">
       <p:transition spd="med" p14:dur="700">
         <p:fade/>
       </p:transition>
     </mc:Choice>
-    <mc:Fallback>
+    <mc:Fallback xmlns="">
       <p:transition spd="med">
         <p:fade/>
       </p:transition>
@@ -10094,13 +10105,13 @@
   <p:clrMapOvr>
     <a:masterClrMapping/>
   </p:clrMapOvr>
-  <mc:AlternateContent xmlns:mc="http://schemas.openxmlformats.org/markup-compatibility/2006">
-    <mc:Choice xmlns:p14="http://schemas.microsoft.com/office/powerpoint/2010/main" Requires="p14">
+  <mc:AlternateContent xmlns:mc="http://schemas.openxmlformats.org/markup-compatibility/2006" xmlns:p14="http://schemas.microsoft.com/office/powerpoint/2010/main">
+    <mc:Choice Requires="p14">
       <p:transition spd="med" p14:dur="700">
         <p:fade/>
       </p:transition>
     </mc:Choice>
-    <mc:Fallback>
+    <mc:Fallback xmlns="">
       <p:transition spd="med">
         <p:fade/>
       </p:transition>
